--- a/docs/presentation.pptx
+++ b/docs/presentation.pptx
@@ -13,10 +13,10 @@
   <p:sldIdLst>
     <p:sldId id="256" r:id="rId2"/>
     <p:sldId id="257" r:id="rId3"/>
-    <p:sldId id="262" r:id="rId4"/>
-    <p:sldId id="261" r:id="rId5"/>
-    <p:sldId id="263" r:id="rId6"/>
-    <p:sldId id="264" r:id="rId7"/>
+    <p:sldId id="261" r:id="rId4"/>
+    <p:sldId id="265" r:id="rId5"/>
+    <p:sldId id="266" r:id="rId6"/>
+    <p:sldId id="262" r:id="rId7"/>
   </p:sldIdLst>
   <p:sldSz cx="9144000" cy="6858000" type="screen4x3"/>
   <p:notesSz cx="6858000" cy="9144000"/>
@@ -200,7 +200,7 @@
           <a:p>
             <a:fld id="{D47E9658-922E-1446-8D67-07A05034B11D}" type="datetimeFigureOut">
               <a:rPr lang="de-DE" smtClean="0"/>
-              <a:t>21/01/14</a:t>
+              <a:t>23/01/14</a:t>
             </a:fld>
             <a:endParaRPr lang="de-DE"/>
           </a:p>
@@ -366,7 +366,7 @@
           <a:p>
             <a:fld id="{35D45E2C-55D3-9F48-AC81-1DE0B06D30F4}" type="datetimeFigureOut">
               <a:rPr lang="de-DE" smtClean="0"/>
-              <a:t>21/01/14</a:t>
+              <a:t>23/01/14</a:t>
             </a:fld>
             <a:endParaRPr lang="de-DE"/>
           </a:p>
@@ -635,6 +635,200 @@
 </p:notesMaster>
 </file>
 
+<file path=ppt/notesSlides/notesSlide1.xml><?xml version="1.0" encoding="utf-8"?>
+<p:notes xmlns:a="http://schemas.openxmlformats.org/drawingml/2006/main" xmlns:r="http://schemas.openxmlformats.org/officeDocument/2006/relationships" xmlns:p="http://schemas.openxmlformats.org/presentationml/2006/main">
+  <p:cSld>
+    <p:spTree>
+      <p:nvGrpSpPr>
+        <p:cNvPr id="1" name=""/>
+        <p:cNvGrpSpPr/>
+        <p:nvPr/>
+      </p:nvGrpSpPr>
+      <p:grpSpPr>
+        <a:xfrm>
+          <a:off x="0" y="0"/>
+          <a:ext cx="0" cy="0"/>
+          <a:chOff x="0" y="0"/>
+          <a:chExt cx="0" cy="0"/>
+        </a:xfrm>
+      </p:grpSpPr>
+      <p:sp>
+        <p:nvSpPr>
+          <p:cNvPr id="2" name="Folienbildplatzhalter 1"/>
+          <p:cNvSpPr>
+            <a:spLocks noGrp="1" noRot="1" noChangeAspect="1"/>
+          </p:cNvSpPr>
+          <p:nvPr>
+            <p:ph type="sldImg"/>
+          </p:nvPr>
+        </p:nvSpPr>
+        <p:spPr/>
+      </p:sp>
+      <p:sp>
+        <p:nvSpPr>
+          <p:cNvPr id="3" name="Notizenplatzhalter 2"/>
+          <p:cNvSpPr>
+            <a:spLocks noGrp="1"/>
+          </p:cNvSpPr>
+          <p:nvPr>
+            <p:ph type="body" idx="1"/>
+          </p:nvPr>
+        </p:nvSpPr>
+        <p:spPr/>
+        <p:txBody>
+          <a:bodyPr/>
+          <a:lstStyle/>
+          <a:p>
+            <a:endParaRPr lang="de-DE" dirty="0"/>
+          </a:p>
+        </p:txBody>
+      </p:sp>
+      <p:sp>
+        <p:nvSpPr>
+          <p:cNvPr id="4" name="Foliennummernplatzhalter 3"/>
+          <p:cNvSpPr>
+            <a:spLocks noGrp="1"/>
+          </p:cNvSpPr>
+          <p:nvPr>
+            <p:ph type="sldNum" sz="quarter" idx="10"/>
+          </p:nvPr>
+        </p:nvSpPr>
+        <p:spPr/>
+        <p:txBody>
+          <a:bodyPr/>
+          <a:lstStyle/>
+          <a:p>
+            <a:fld id="{AE5E8D2D-D2F5-9642-A0D7-19654D6CF236}" type="slidenum">
+              <a:rPr lang="de-DE" smtClean="0"/>
+              <a:t>3</a:t>
+            </a:fld>
+            <a:endParaRPr lang="de-DE"/>
+          </a:p>
+        </p:txBody>
+      </p:sp>
+    </p:spTree>
+    <p:extLst>
+      <p:ext uri="{BB962C8B-B14F-4D97-AF65-F5344CB8AC3E}">
+        <p14:creationId xmlns:p14="http://schemas.microsoft.com/office/powerpoint/2010/main" val="2969178958"/>
+      </p:ext>
+    </p:extLst>
+  </p:cSld>
+  <p:clrMapOvr>
+    <a:masterClrMapping/>
+  </p:clrMapOvr>
+</p:notes>
+</file>
+
+<file path=ppt/notesSlides/notesSlide2.xml><?xml version="1.0" encoding="utf-8"?>
+<p:notes xmlns:a="http://schemas.openxmlformats.org/drawingml/2006/main" xmlns:r="http://schemas.openxmlformats.org/officeDocument/2006/relationships" xmlns:p="http://schemas.openxmlformats.org/presentationml/2006/main">
+  <p:cSld>
+    <p:spTree>
+      <p:nvGrpSpPr>
+        <p:cNvPr id="1" name=""/>
+        <p:cNvGrpSpPr/>
+        <p:nvPr/>
+      </p:nvGrpSpPr>
+      <p:grpSpPr>
+        <a:xfrm>
+          <a:off x="0" y="0"/>
+          <a:ext cx="0" cy="0"/>
+          <a:chOff x="0" y="0"/>
+          <a:chExt cx="0" cy="0"/>
+        </a:xfrm>
+      </p:grpSpPr>
+      <p:sp>
+        <p:nvSpPr>
+          <p:cNvPr id="2" name="Folienbildplatzhalter 1"/>
+          <p:cNvSpPr>
+            <a:spLocks noGrp="1" noRot="1" noChangeAspect="1"/>
+          </p:cNvSpPr>
+          <p:nvPr>
+            <p:ph type="sldImg"/>
+          </p:nvPr>
+        </p:nvSpPr>
+        <p:spPr/>
+      </p:sp>
+      <p:sp>
+        <p:nvSpPr>
+          <p:cNvPr id="3" name="Notizenplatzhalter 2"/>
+          <p:cNvSpPr>
+            <a:spLocks noGrp="1"/>
+          </p:cNvSpPr>
+          <p:nvPr>
+            <p:ph type="body" idx="1"/>
+          </p:nvPr>
+        </p:nvSpPr>
+        <p:spPr/>
+        <p:txBody>
+          <a:bodyPr/>
+          <a:lstStyle/>
+          <a:p>
+            <a:pPr>
+              <a:lnSpc>
+                <a:spcPct val="150000"/>
+              </a:lnSpc>
+            </a:pPr>
+            <a:r>
+              <a:rPr lang="de-DE" dirty="0" smtClean="0"/>
+              <a:t>Sitzverteilung vollständig in SQL</a:t>
+            </a:r>
+          </a:p>
+          <a:p>
+            <a:pPr lvl="1">
+              <a:lnSpc>
+                <a:spcPct val="150000"/>
+              </a:lnSpc>
+            </a:pPr>
+            <a:r>
+              <a:rPr lang="de-DE" dirty="0" err="1" smtClean="0"/>
+              <a:t>Materialized</a:t>
+            </a:r>
+            <a:r>
+              <a:rPr lang="de-DE" dirty="0" smtClean="0"/>
+              <a:t> Views</a:t>
+            </a:r>
+          </a:p>
+          <a:p>
+            <a:endParaRPr lang="de-DE" dirty="0"/>
+          </a:p>
+        </p:txBody>
+      </p:sp>
+      <p:sp>
+        <p:nvSpPr>
+          <p:cNvPr id="4" name="Foliennummernplatzhalter 3"/>
+          <p:cNvSpPr>
+            <a:spLocks noGrp="1"/>
+          </p:cNvSpPr>
+          <p:nvPr>
+            <p:ph type="sldNum" sz="quarter" idx="10"/>
+          </p:nvPr>
+        </p:nvSpPr>
+        <p:spPr/>
+        <p:txBody>
+          <a:bodyPr/>
+          <a:lstStyle/>
+          <a:p>
+            <a:fld id="{AE5E8D2D-D2F5-9642-A0D7-19654D6CF236}" type="slidenum">
+              <a:rPr lang="de-DE" smtClean="0"/>
+              <a:t>4</a:t>
+            </a:fld>
+            <a:endParaRPr lang="de-DE"/>
+          </a:p>
+        </p:txBody>
+      </p:sp>
+    </p:spTree>
+    <p:extLst>
+      <p:ext uri="{BB962C8B-B14F-4D97-AF65-F5344CB8AC3E}">
+        <p14:creationId xmlns:p14="http://schemas.microsoft.com/office/powerpoint/2010/main" val="4131177804"/>
+      </p:ext>
+    </p:extLst>
+  </p:cSld>
+  <p:clrMapOvr>
+    <a:masterClrMapping/>
+  </p:clrMapOvr>
+</p:notes>
+</file>
+
 <file path=ppt/slideLayouts/slideLayout1.xml><?xml version="1.0" encoding="utf-8"?>
 <p:sldLayout xmlns:a="http://schemas.openxmlformats.org/drawingml/2006/main" xmlns:r="http://schemas.openxmlformats.org/officeDocument/2006/relationships" xmlns:p="http://schemas.openxmlformats.org/presentationml/2006/main" showMasterSp="0" type="title" preserve="1">
   <p:cSld name="Titelfolie">
@@ -849,7 +1043,7 @@
           <a:p>
             <a:fld id="{9ABBB6ED-5864-CF4C-817A-3FB709F5DE13}" type="datetime1">
               <a:rPr lang="en-US" smtClean="0"/>
-              <a:t>21/01/14</a:t>
+              <a:t>23/01/14</a:t>
             </a:fld>
             <a:endParaRPr lang="en-US"/>
           </a:p>
@@ -1188,7 +1382,7 @@
           <a:p>
             <a:fld id="{220AE175-C0F4-5C4C-A8FA-0DADCA4A648C}" type="datetime1">
               <a:rPr lang="en-US" smtClean="0"/>
-              <a:t>21/01/14</a:t>
+              <a:t>23/01/14</a:t>
             </a:fld>
             <a:endParaRPr lang="en-US"/>
           </a:p>
@@ -1413,7 +1607,7 @@
           <a:p>
             <a:fld id="{44816CBC-07CA-3049-932D-0F621D5882D7}" type="datetime1">
               <a:rPr lang="en-US" smtClean="0"/>
-              <a:t>21/01/14</a:t>
+              <a:t>23/01/14</a:t>
             </a:fld>
             <a:endParaRPr lang="en-US"/>
           </a:p>
@@ -1638,7 +1832,7 @@
           <a:p>
             <a:fld id="{AD11CFC6-54E5-9F4E-9F23-771F7EDEC23A}" type="datetime1">
               <a:rPr lang="en-US" smtClean="0"/>
-              <a:t>21/01/14</a:t>
+              <a:t>23/01/14</a:t>
             </a:fld>
             <a:endParaRPr lang="en-US"/>
           </a:p>
@@ -1975,7 +2169,7 @@
           <a:p>
             <a:fld id="{E384C15D-B26D-4C40-A898-C196925B36C5}" type="datetime1">
               <a:rPr lang="en-US" smtClean="0"/>
-              <a:t>21/01/14</a:t>
+              <a:t>23/01/14</a:t>
             </a:fld>
             <a:endParaRPr lang="en-US"/>
           </a:p>
@@ -2314,7 +2508,7 @@
           <a:p>
             <a:fld id="{38993681-2691-1244-81A5-5DEFA9A55968}" type="datetime1">
               <a:rPr lang="en-US" smtClean="0"/>
-              <a:t>21/01/14</a:t>
+              <a:t>23/01/14</a:t>
             </a:fld>
             <a:endParaRPr lang="en-US"/>
           </a:p>
@@ -2794,7 +2988,7 @@
           <a:p>
             <a:fld id="{B052336D-603C-6840-8941-D14C5EB42324}" type="datetime1">
               <a:rPr lang="en-US" smtClean="0"/>
-              <a:t>21/01/14</a:t>
+              <a:t>23/01/14</a:t>
             </a:fld>
             <a:endParaRPr lang="en-US"/>
           </a:p>
@@ -3022,7 +3216,7 @@
           <a:p>
             <a:fld id="{1ACCCE5A-A646-154F-8C8B-9ECE221FFE2B}" type="datetime1">
               <a:rPr lang="en-US" smtClean="0"/>
-              <a:t>21/01/14</a:t>
+              <a:t>23/01/14</a:t>
             </a:fld>
             <a:endParaRPr lang="en-US"/>
           </a:p>
@@ -3159,7 +3353,7 @@
           <a:p>
             <a:fld id="{A35F542B-B047-F84E-8D15-AB6D723FED92}" type="datetime1">
               <a:rPr lang="en-US" smtClean="0"/>
-              <a:t>21/01/14</a:t>
+              <a:t>23/01/14</a:t>
             </a:fld>
             <a:endParaRPr lang="en-US"/>
           </a:p>
@@ -3489,7 +3683,7 @@
           <a:p>
             <a:fld id="{969196BD-92B3-834F-812E-A58AC89CD135}" type="datetime1">
               <a:rPr lang="en-US" smtClean="0"/>
-              <a:t>21/01/14</a:t>
+              <a:t>23/01/14</a:t>
             </a:fld>
             <a:endParaRPr lang="en-US"/>
           </a:p>
@@ -3838,7 +4032,7 @@
           <a:p>
             <a:fld id="{460FC2CE-A0FC-7141-AF65-36DF018D98EE}" type="datetime1">
               <a:rPr lang="en-US" smtClean="0"/>
-              <a:t>21/01/14</a:t>
+              <a:t>23/01/14</a:t>
             </a:fld>
             <a:endParaRPr lang="en-US"/>
           </a:p>
@@ -4065,7 +4259,7 @@
           <a:p>
             <a:fld id="{300EB746-111B-514A-BDA9-2D694A62EC1B}" type="datetime1">
               <a:rPr lang="en-US" smtClean="0"/>
-              <a:t>21/01/14</a:t>
+              <a:t>23/01/14</a:t>
             </a:fld>
             <a:endParaRPr lang="en-US"/>
           </a:p>
@@ -5012,6 +5206,13 @@
   <p:clrMapOvr>
     <a:masterClrMapping/>
   </p:clrMapOvr>
+  <p:timing>
+    <p:tnLst>
+      <p:par>
+        <p:cTn xmlns:p14="http://schemas.microsoft.com/office/powerpoint/2010/main" id="1" dur="indefinite" restart="never" nodeType="tmRoot"/>
+      </p:par>
+    </p:tnLst>
+  </p:timing>
 </p:sld>
 </file>
 
@@ -5050,7 +5251,7 @@
         </p:spPr>
         <p:txBody>
           <a:bodyPr anchor="t" anchorCtr="0">
-            <a:normAutofit fontScale="92500" lnSpcReduction="10000"/>
+            <a:normAutofit/>
           </a:bodyPr>
           <a:lstStyle/>
           <a:p>
@@ -5061,7 +5262,11 @@
             </a:pPr>
             <a:r>
               <a:rPr lang="de-DE" dirty="0" smtClean="0"/>
-              <a:t>Demo</a:t>
+              <a:t>Technologien </a:t>
+            </a:r>
+            <a:r>
+              <a:rPr lang="de-DE" dirty="0" smtClean="0"/>
+              <a:t>&amp; Architektur</a:t>
             </a:r>
           </a:p>
           <a:p>
@@ -5072,7 +5277,7 @@
             </a:pPr>
             <a:r>
               <a:rPr lang="de-DE" dirty="0" smtClean="0"/>
-              <a:t>Technologien &amp; Architektur</a:t>
+              <a:t>Sitzverteilungsalgorithmus</a:t>
             </a:r>
           </a:p>
           <a:p>
@@ -5082,8 +5287,8 @@
               </a:lnSpc>
             </a:pPr>
             <a:r>
-              <a:rPr lang="de-DE" dirty="0" smtClean="0"/>
-              <a:t>Sitzverteilungsalgorithmus</a:t>
+              <a:rPr lang="de-DE" dirty="0"/>
+              <a:t>Leistungsfähigkeit</a:t>
             </a:r>
           </a:p>
           <a:p>
@@ -5094,35 +5299,18 @@
             </a:pPr>
             <a:r>
               <a:rPr lang="de-DE" dirty="0" smtClean="0"/>
-              <a:t>Highlights</a:t>
-            </a:r>
-          </a:p>
-          <a:p>
-            <a:pPr>
+              <a:t>Demo</a:t>
+            </a:r>
+            <a:endParaRPr lang="de-DE" dirty="0" smtClean="0"/>
+          </a:p>
+          <a:p>
+            <a:pPr marL="0" indent="0">
               <a:lnSpc>
                 <a:spcPct val="150000"/>
               </a:lnSpc>
-            </a:pPr>
-            <a:endParaRPr lang="de-DE" dirty="0"/>
-          </a:p>
-          <a:p>
-            <a:pPr>
-              <a:lnSpc>
-                <a:spcPct val="150000"/>
-              </a:lnSpc>
+              <a:buNone/>
             </a:pPr>
             <a:endParaRPr lang="de-DE" dirty="0" smtClean="0"/>
-          </a:p>
-          <a:p>
-            <a:pPr>
-              <a:lnSpc>
-                <a:spcPct val="150000"/>
-              </a:lnSpc>
-            </a:pPr>
-            <a:r>
-              <a:rPr lang="de-DE" dirty="0"/>
-              <a:t>Leistungsfähigkeit(?)</a:t>
-            </a:r>
           </a:p>
           <a:p>
             <a:pPr>
@@ -5243,6 +5431,13 @@
   <p:clrMapOvr>
     <a:masterClrMapping/>
   </p:clrMapOvr>
+  <p:timing>
+    <p:tnLst>
+      <p:par>
+        <p:cTn xmlns:p14="http://schemas.microsoft.com/office/powerpoint/2010/main" id="1" dur="indefinite" restart="never" nodeType="tmRoot"/>
+      </p:par>
+    </p:tnLst>
+  </p:timing>
 </p:sld>
 </file>
 
@@ -5265,70 +5460,6 @@
       </p:grpSpPr>
       <p:sp>
         <p:nvSpPr>
-          <p:cNvPr id="3" name="Inhaltsplatzhalter 2"/>
-          <p:cNvSpPr>
-            <a:spLocks noGrp="1"/>
-          </p:cNvSpPr>
-          <p:nvPr>
-            <p:ph idx="1"/>
-          </p:nvPr>
-        </p:nvSpPr>
-        <p:spPr>
-          <a:xfrm>
-            <a:off x="761999" y="2720888"/>
-            <a:ext cx="7543800" cy="831718"/>
-          </a:xfrm>
-        </p:spPr>
-        <p:txBody>
-          <a:bodyPr anchor="t" anchorCtr="0">
-            <a:noAutofit/>
-          </a:bodyPr>
-          <a:lstStyle/>
-          <a:p>
-            <a:pPr marL="0" indent="0" algn="ctr">
-              <a:lnSpc>
-                <a:spcPct val="150000"/>
-              </a:lnSpc>
-              <a:buNone/>
-            </a:pPr>
-            <a:r>
-              <a:rPr lang="de-DE" sz="4000" b="1" i="1" dirty="0" smtClean="0"/>
-              <a:t>Demo</a:t>
-            </a:r>
-            <a:endParaRPr lang="de-DE" sz="4000" b="1" i="1" dirty="0"/>
-          </a:p>
-        </p:txBody>
-      </p:sp>
-      <p:sp>
-        <p:nvSpPr>
-          <p:cNvPr id="4" name="Textplatzhalter 3"/>
-          <p:cNvSpPr>
-            <a:spLocks noGrp="1"/>
-          </p:cNvSpPr>
-          <p:nvPr>
-            <p:ph type="body" sz="quarter" idx="13"/>
-          </p:nvPr>
-        </p:nvSpPr>
-        <p:spPr>
-          <a:xfrm>
-            <a:off x="942662" y="389573"/>
-            <a:ext cx="3689350" cy="352425"/>
-          </a:xfrm>
-        </p:spPr>
-        <p:txBody>
-          <a:bodyPr/>
-          <a:lstStyle/>
-          <a:p>
-            <a:r>
-              <a:rPr lang="de-DE" dirty="0" smtClean="0"/>
-              <a:t>Demo</a:t>
-            </a:r>
-            <a:endParaRPr lang="de-DE" dirty="0"/>
-          </a:p>
-        </p:txBody>
-      </p:sp>
-      <p:sp>
-        <p:nvSpPr>
           <p:cNvPr id="5" name="Foliennummernplatzhalter 4"/>
           <p:cNvSpPr>
             <a:spLocks noGrp="1"/>
@@ -5374,16 +5505,234 @@
           </a:p>
         </p:txBody>
       </p:sp>
+      <p:sp>
+        <p:nvSpPr>
+          <p:cNvPr id="8" name="Textplatzhalter 3"/>
+          <p:cNvSpPr>
+            <a:spLocks noGrp="1"/>
+          </p:cNvSpPr>
+          <p:nvPr>
+            <p:ph type="body" sz="quarter" idx="13"/>
+          </p:nvPr>
+        </p:nvSpPr>
+        <p:spPr>
+          <a:xfrm>
+            <a:off x="942662" y="389573"/>
+            <a:ext cx="3689350" cy="352425"/>
+          </a:xfrm>
+        </p:spPr>
+        <p:txBody>
+          <a:bodyPr/>
+          <a:lstStyle/>
+          <a:p>
+            <a:r>
+              <a:rPr lang="de-DE" dirty="0" smtClean="0"/>
+              <a:t>Technologien &amp; Architektur</a:t>
+            </a:r>
+            <a:endParaRPr lang="de-DE" dirty="0"/>
+          </a:p>
+        </p:txBody>
+      </p:sp>
+      <p:sp>
+        <p:nvSpPr>
+          <p:cNvPr id="16" name="Textfeld 15"/>
+          <p:cNvSpPr txBox="1"/>
+          <p:nvPr/>
+        </p:nvSpPr>
+        <p:spPr>
+          <a:xfrm>
+            <a:off x="161906" y="1160774"/>
+            <a:ext cx="829226" cy="369332"/>
+          </a:xfrm>
+          <a:prstGeom prst="rect">
+            <a:avLst/>
+          </a:prstGeom>
+          <a:noFill/>
+        </p:spPr>
+        <p:txBody>
+          <a:bodyPr wrap="none" rtlCol="0">
+            <a:spAutoFit/>
+          </a:bodyPr>
+          <a:lstStyle/>
+          <a:p>
+            <a:r>
+              <a:rPr lang="de-DE" i="1" dirty="0" smtClean="0">
+                <a:latin typeface="Arial"/>
+                <a:cs typeface="Arial"/>
+              </a:rPr>
+              <a:t>Client</a:t>
+            </a:r>
+            <a:endParaRPr lang="de-DE" i="1" dirty="0">
+              <a:latin typeface="Arial"/>
+              <a:cs typeface="Arial"/>
+            </a:endParaRPr>
+          </a:p>
+        </p:txBody>
+      </p:sp>
+      <p:sp>
+        <p:nvSpPr>
+          <p:cNvPr id="17" name="Textfeld 16"/>
+          <p:cNvSpPr txBox="1"/>
+          <p:nvPr/>
+        </p:nvSpPr>
+        <p:spPr>
+          <a:xfrm>
+            <a:off x="46424" y="3337088"/>
+            <a:ext cx="918944" cy="369332"/>
+          </a:xfrm>
+          <a:prstGeom prst="rect">
+            <a:avLst/>
+          </a:prstGeom>
+          <a:noFill/>
+        </p:spPr>
+        <p:txBody>
+          <a:bodyPr wrap="none" rtlCol="0">
+            <a:spAutoFit/>
+          </a:bodyPr>
+          <a:lstStyle/>
+          <a:p>
+            <a:r>
+              <a:rPr lang="de-DE" i="1" dirty="0" smtClean="0">
+                <a:latin typeface="Arial"/>
+                <a:cs typeface="Arial"/>
+              </a:rPr>
+              <a:t>Server</a:t>
+            </a:r>
+            <a:endParaRPr lang="de-DE" i="1" dirty="0">
+              <a:latin typeface="Arial"/>
+              <a:cs typeface="Arial"/>
+            </a:endParaRPr>
+          </a:p>
+        </p:txBody>
+      </p:sp>
+      <p:sp>
+        <p:nvSpPr>
+          <p:cNvPr id="18" name="Textfeld 17"/>
+          <p:cNvSpPr txBox="1"/>
+          <p:nvPr/>
+        </p:nvSpPr>
+        <p:spPr>
+          <a:xfrm>
+            <a:off x="59313" y="5336734"/>
+            <a:ext cx="931906" cy="646331"/>
+          </a:xfrm>
+          <a:prstGeom prst="rect">
+            <a:avLst/>
+          </a:prstGeom>
+          <a:noFill/>
+        </p:spPr>
+        <p:txBody>
+          <a:bodyPr wrap="none" rtlCol="0">
+            <a:spAutoFit/>
+          </a:bodyPr>
+          <a:lstStyle/>
+          <a:p>
+            <a:r>
+              <a:rPr lang="de-DE" i="1" dirty="0" smtClean="0">
+                <a:latin typeface="Arial"/>
+                <a:cs typeface="Arial"/>
+              </a:rPr>
+              <a:t>Daten-</a:t>
+            </a:r>
+          </a:p>
+          <a:p>
+            <a:r>
+              <a:rPr lang="de-DE" i="1" dirty="0" err="1" smtClean="0">
+                <a:latin typeface="Arial"/>
+                <a:cs typeface="Arial"/>
+              </a:rPr>
+              <a:t>bank</a:t>
+            </a:r>
+            <a:endParaRPr lang="de-DE" i="1" dirty="0">
+              <a:latin typeface="Arial"/>
+              <a:cs typeface="Arial"/>
+            </a:endParaRPr>
+          </a:p>
+        </p:txBody>
+      </p:sp>
+      <p:sp>
+        <p:nvSpPr>
+          <p:cNvPr id="19" name="Textfeld 18"/>
+          <p:cNvSpPr txBox="1"/>
+          <p:nvPr/>
+        </p:nvSpPr>
+        <p:spPr>
+          <a:xfrm>
+            <a:off x="7912126" y="4970742"/>
+            <a:ext cx="1098493" cy="369332"/>
+          </a:xfrm>
+          <a:prstGeom prst="rect">
+            <a:avLst/>
+          </a:prstGeom>
+          <a:noFill/>
+        </p:spPr>
+        <p:txBody>
+          <a:bodyPr wrap="none" rtlCol="0">
+            <a:spAutoFit/>
+          </a:bodyPr>
+          <a:lstStyle/>
+          <a:p>
+            <a:r>
+              <a:rPr lang="de-DE" i="1" dirty="0" err="1" smtClean="0">
+                <a:latin typeface="Arial"/>
+                <a:cs typeface="Arial"/>
+              </a:rPr>
+              <a:t>Importer</a:t>
+            </a:r>
+            <a:endParaRPr lang="de-DE" i="1" dirty="0">
+              <a:latin typeface="Arial"/>
+              <a:cs typeface="Arial"/>
+            </a:endParaRPr>
+          </a:p>
+        </p:txBody>
+      </p:sp>
+      <p:pic>
+        <p:nvPicPr>
+          <p:cNvPr id="21" name="Bild 20" descr="architektur copy.png"/>
+          <p:cNvPicPr>
+            <a:picLocks noChangeAspect="1"/>
+          </p:cNvPicPr>
+          <p:nvPr/>
+        </p:nvPicPr>
+        <p:blipFill>
+          <a:blip r:embed="rId3" cstate="print">
+            <a:extLst>
+              <a:ext uri="{28A0092B-C50C-407E-A947-70E740481C1C}">
+                <a14:useLocalDpi xmlns:a14="http://schemas.microsoft.com/office/drawing/2010/main" val="0"/>
+              </a:ext>
+            </a:extLst>
+          </a:blip>
+          <a:stretch>
+            <a:fillRect/>
+          </a:stretch>
+        </p:blipFill>
+        <p:spPr>
+          <a:xfrm>
+            <a:off x="945524" y="950339"/>
+            <a:ext cx="8033537" cy="4788271"/>
+          </a:xfrm>
+          <a:prstGeom prst="rect">
+            <a:avLst/>
+          </a:prstGeom>
+        </p:spPr>
+      </p:pic>
     </p:spTree>
     <p:extLst>
       <p:ext uri="{BB962C8B-B14F-4D97-AF65-F5344CB8AC3E}">
-        <p14:creationId xmlns:p14="http://schemas.microsoft.com/office/powerpoint/2010/main" val="1624581442"/>
+        <p14:creationId xmlns:p14="http://schemas.microsoft.com/office/powerpoint/2010/main" val="811630741"/>
       </p:ext>
     </p:extLst>
   </p:cSld>
   <p:clrMapOvr>
     <a:masterClrMapping/>
   </p:clrMapOvr>
+  <p:timing>
+    <p:tnLst>
+      <p:par>
+        <p:cTn xmlns:p14="http://schemas.microsoft.com/office/powerpoint/2010/main" id="1" dur="indefinite" restart="never" nodeType="tmRoot"/>
+      </p:par>
+    </p:tnLst>
+  </p:timing>
 </p:sld>
 </file>
 
@@ -5406,6 +5755,146 @@
       </p:grpSpPr>
       <p:sp>
         <p:nvSpPr>
+          <p:cNvPr id="3" name="Inhaltsplatzhalter 2"/>
+          <p:cNvSpPr>
+            <a:spLocks noGrp="1"/>
+          </p:cNvSpPr>
+          <p:nvPr>
+            <p:ph idx="1"/>
+          </p:nvPr>
+        </p:nvSpPr>
+        <p:spPr>
+          <a:xfrm>
+            <a:off x="762000" y="1033035"/>
+            <a:ext cx="7543800" cy="3886200"/>
+          </a:xfrm>
+        </p:spPr>
+        <p:txBody>
+          <a:bodyPr anchor="t" anchorCtr="0">
+            <a:normAutofit fontScale="92500"/>
+          </a:bodyPr>
+          <a:lstStyle/>
+          <a:p>
+            <a:r>
+              <a:rPr lang="de-DE" dirty="0" smtClean="0"/>
+              <a:t>Wie </a:t>
+            </a:r>
+            <a:r>
+              <a:rPr lang="de-DE" dirty="0"/>
+              <a:t>viele Sitze stehen einem Bundesland zu</a:t>
+            </a:r>
+            <a:r>
+              <a:rPr lang="de-DE" dirty="0" smtClean="0"/>
+              <a:t>?</a:t>
+            </a:r>
+          </a:p>
+          <a:p>
+            <a:r>
+              <a:rPr lang="de-DE" dirty="0" smtClean="0"/>
+              <a:t>Wie </a:t>
+            </a:r>
+            <a:r>
+              <a:rPr lang="de-DE" dirty="0"/>
+              <a:t>verteilt sich das Sitzkontingent eines Bundeslandes auf die zu berücksichtigenden Parteien, die in diesem Bundesland mit einer Landesliste angetreten sind</a:t>
+            </a:r>
+            <a:r>
+              <a:rPr lang="de-DE" dirty="0" smtClean="0"/>
+              <a:t>?</a:t>
+            </a:r>
+            <a:endParaRPr lang="de-DE" dirty="0"/>
+          </a:p>
+          <a:p>
+            <a:r>
+              <a:rPr lang="de-DE" dirty="0"/>
+              <a:t>Wie viele Sitze bekommt eine Partei nachdem Schritt 1 und 2 durchgeführt wurden</a:t>
+            </a:r>
+            <a:r>
+              <a:rPr lang="de-DE" dirty="0" smtClean="0"/>
+              <a:t>?</a:t>
+            </a:r>
+          </a:p>
+          <a:p>
+            <a:r>
+              <a:rPr lang="de-DE" dirty="0" smtClean="0"/>
+              <a:t>Wie </a:t>
+            </a:r>
+            <a:r>
+              <a:rPr lang="de-DE" dirty="0"/>
+              <a:t>viele Sitze müsste der Bundestag dann insgesamt haben, damit alle Parteien auch die für sie ermittelte Mindestsitzzahl erhalten? </a:t>
+            </a:r>
+            <a:endParaRPr lang="de-DE" dirty="0" smtClean="0"/>
+          </a:p>
+          <a:p>
+            <a:r>
+              <a:rPr lang="de-DE" dirty="0" smtClean="0"/>
+              <a:t>Wie </a:t>
+            </a:r>
+            <a:r>
+              <a:rPr lang="de-DE" dirty="0"/>
+              <a:t>viele Sitze einer Partei entfallen auf ihre Landeslisten</a:t>
+            </a:r>
+            <a:r>
+              <a:rPr lang="de-DE" dirty="0" smtClean="0"/>
+              <a:t>?</a:t>
+            </a:r>
+            <a:endParaRPr lang="de-DE" dirty="0" smtClean="0"/>
+          </a:p>
+          <a:p>
+            <a:pPr>
+              <a:lnSpc>
+                <a:spcPct val="150000"/>
+              </a:lnSpc>
+            </a:pPr>
+            <a:endParaRPr lang="de-DE" dirty="0" smtClean="0"/>
+          </a:p>
+          <a:p>
+            <a:pPr>
+              <a:lnSpc>
+                <a:spcPct val="150000"/>
+              </a:lnSpc>
+            </a:pPr>
+            <a:endParaRPr lang="de-DE" dirty="0" smtClean="0"/>
+          </a:p>
+          <a:p>
+            <a:pPr>
+              <a:lnSpc>
+                <a:spcPct val="150000"/>
+              </a:lnSpc>
+            </a:pPr>
+            <a:endParaRPr lang="de-DE" dirty="0"/>
+          </a:p>
+        </p:txBody>
+      </p:sp>
+      <p:sp>
+        <p:nvSpPr>
+          <p:cNvPr id="4" name="Textplatzhalter 3"/>
+          <p:cNvSpPr>
+            <a:spLocks noGrp="1"/>
+          </p:cNvSpPr>
+          <p:nvPr>
+            <p:ph type="body" sz="quarter" idx="13"/>
+          </p:nvPr>
+        </p:nvSpPr>
+        <p:spPr>
+          <a:xfrm>
+            <a:off x="942662" y="389573"/>
+            <a:ext cx="3689350" cy="352425"/>
+          </a:xfrm>
+        </p:spPr>
+        <p:txBody>
+          <a:bodyPr/>
+          <a:lstStyle/>
+          <a:p>
+            <a:r>
+              <a:rPr lang="de-DE" dirty="0" smtClean="0"/>
+              <a:t>Sitzverteilungsalgorithmus</a:t>
+            </a:r>
+            <a:endParaRPr lang="de-DE" dirty="0"/>
+          </a:p>
+        </p:txBody>
+      </p:sp>
+      <p:sp>
+        <p:nvSpPr>
           <p:cNvPr id="5" name="Foliennummernplatzhalter 4"/>
           <p:cNvSpPr>
             <a:spLocks noGrp="1"/>
@@ -5453,225 +5942,194 @@
       </p:sp>
       <p:sp>
         <p:nvSpPr>
-          <p:cNvPr id="8" name="Textplatzhalter 3"/>
-          <p:cNvSpPr>
-            <a:spLocks noGrp="1"/>
-          </p:cNvSpPr>
-          <p:nvPr>
-            <p:ph type="body" sz="quarter" idx="13"/>
-          </p:nvPr>
-        </p:nvSpPr>
-        <p:spPr>
-          <a:xfrm>
-            <a:off x="942662" y="389573"/>
-            <a:ext cx="3689350" cy="352425"/>
-          </a:xfrm>
-        </p:spPr>
-        <p:txBody>
-          <a:bodyPr/>
-          <a:lstStyle/>
-          <a:p>
-            <a:r>
-              <a:rPr lang="de-DE" dirty="0" smtClean="0"/>
-              <a:t>Technologien &amp; Architektur</a:t>
-            </a:r>
-            <a:endParaRPr lang="de-DE" dirty="0"/>
-          </a:p>
-        </p:txBody>
-      </p:sp>
-      <p:sp>
-        <p:nvSpPr>
-          <p:cNvPr id="16" name="Textfeld 15"/>
+          <p:cNvPr id="2" name="Textfeld 1"/>
           <p:cNvSpPr txBox="1"/>
           <p:nvPr/>
         </p:nvSpPr>
         <p:spPr>
           <a:xfrm>
-            <a:off x="42842" y="1160774"/>
-            <a:ext cx="829226" cy="369332"/>
+            <a:off x="523864" y="4731448"/>
+            <a:ext cx="8309638" cy="1477328"/>
           </a:xfrm>
           <a:prstGeom prst="rect">
             <a:avLst/>
           </a:prstGeom>
-          <a:noFill/>
-        </p:spPr>
-        <p:txBody>
-          <a:bodyPr wrap="none" rtlCol="0">
+          <a:solidFill>
+            <a:srgbClr val="F5F5F5"/>
+          </a:solidFill>
+        </p:spPr>
+        <p:txBody>
+          <a:bodyPr wrap="square" rtlCol="0">
             <a:spAutoFit/>
           </a:bodyPr>
           <a:lstStyle/>
           <a:p>
             <a:r>
-              <a:rPr lang="de-DE" i="1" dirty="0" smtClean="0">
-                <a:latin typeface="Arial"/>
-                <a:cs typeface="Arial"/>
+              <a:rPr lang="de-DE" dirty="0">
+                <a:latin typeface="Menlo Regular"/>
+                <a:cs typeface="Menlo Regular"/>
               </a:rPr>
-              <a:t>Client</a:t>
-            </a:r>
-            <a:endParaRPr lang="de-DE" i="1" dirty="0">
-              <a:latin typeface="Arial"/>
-              <a:cs typeface="Arial"/>
-            </a:endParaRPr>
-          </a:p>
-        </p:txBody>
-      </p:sp>
-      <p:sp>
-        <p:nvSpPr>
-          <p:cNvPr id="17" name="Textfeld 16"/>
-          <p:cNvSpPr txBox="1"/>
-          <p:nvPr/>
-        </p:nvSpPr>
-        <p:spPr>
-          <a:xfrm>
-            <a:off x="-72640" y="3337088"/>
-            <a:ext cx="918944" cy="369332"/>
-          </a:xfrm>
-          <a:prstGeom prst="rect">
-            <a:avLst/>
-          </a:prstGeom>
-          <a:noFill/>
-        </p:spPr>
-        <p:txBody>
-          <a:bodyPr wrap="none" rtlCol="0">
-            <a:spAutoFit/>
-          </a:bodyPr>
-          <a:lstStyle/>
-          <a:p>
-            <a:r>
-              <a:rPr lang="de-DE" i="1" dirty="0" smtClean="0">
-                <a:latin typeface="Arial"/>
-                <a:cs typeface="Arial"/>
+              <a:t> WITH </a:t>
+            </a:r>
+            <a:r>
+              <a:rPr lang="de-DE" dirty="0" err="1">
+                <a:latin typeface="Menlo Regular"/>
+                <a:cs typeface="Menlo Regular"/>
               </a:rPr>
-              <a:t>Server</a:t>
-            </a:r>
-            <a:endParaRPr lang="de-DE" i="1" dirty="0">
-              <a:latin typeface="Arial"/>
-              <a:cs typeface="Arial"/>
-            </a:endParaRPr>
-          </a:p>
-        </p:txBody>
-      </p:sp>
-      <p:sp>
-        <p:nvSpPr>
-          <p:cNvPr id="18" name="Textfeld 17"/>
-          <p:cNvSpPr txBox="1"/>
-          <p:nvPr/>
-        </p:nvSpPr>
-        <p:spPr>
-          <a:xfrm>
-            <a:off x="-59751" y="5336734"/>
-            <a:ext cx="931906" cy="646331"/>
-          </a:xfrm>
-          <a:prstGeom prst="rect">
-            <a:avLst/>
-          </a:prstGeom>
-          <a:noFill/>
-        </p:spPr>
-        <p:txBody>
-          <a:bodyPr wrap="none" rtlCol="0">
-            <a:spAutoFit/>
-          </a:bodyPr>
-          <a:lstStyle/>
-          <a:p>
-            <a:r>
-              <a:rPr lang="de-DE" i="1" dirty="0" smtClean="0">
-                <a:latin typeface="Arial"/>
-                <a:cs typeface="Arial"/>
+              <a:t>highest</a:t>
+            </a:r>
+            <a:r>
+              <a:rPr lang="de-DE" dirty="0">
+                <a:latin typeface="Menlo Regular"/>
+                <a:cs typeface="Menlo Regular"/>
               </a:rPr>
-              <a:t>Daten-</a:t>
-            </a:r>
-          </a:p>
-          <a:p>
-            <a:r>
-              <a:rPr lang="de-DE" i="1" dirty="0" err="1" smtClean="0">
-                <a:latin typeface="Arial"/>
-                <a:cs typeface="Arial"/>
+              <a:t> (</a:t>
+            </a:r>
+            <a:r>
+              <a:rPr lang="de-DE" dirty="0" err="1">
+                <a:latin typeface="Menlo Regular"/>
+                <a:cs typeface="Menlo Regular"/>
               </a:rPr>
-              <a:t>bank</a:t>
-            </a:r>
-            <a:endParaRPr lang="de-DE" i="1" dirty="0">
-              <a:latin typeface="Arial"/>
-              <a:cs typeface="Arial"/>
-            </a:endParaRPr>
-          </a:p>
-        </p:txBody>
-      </p:sp>
-      <p:sp>
-        <p:nvSpPr>
-          <p:cNvPr id="19" name="Textfeld 18"/>
-          <p:cNvSpPr txBox="1"/>
-          <p:nvPr/>
-        </p:nvSpPr>
-        <p:spPr>
-          <a:xfrm>
-            <a:off x="7912126" y="4970742"/>
-            <a:ext cx="1098493" cy="369332"/>
-          </a:xfrm>
-          <a:prstGeom prst="rect">
-            <a:avLst/>
-          </a:prstGeom>
-          <a:noFill/>
-        </p:spPr>
-        <p:txBody>
-          <a:bodyPr wrap="none" rtlCol="0">
-            <a:spAutoFit/>
-          </a:bodyPr>
-          <a:lstStyle/>
-          <a:p>
-            <a:r>
-              <a:rPr lang="de-DE" i="1" dirty="0" err="1" smtClean="0">
-                <a:latin typeface="Arial"/>
-                <a:cs typeface="Arial"/>
+              <a:t>state_id</a:t>
+            </a:r>
+            <a:r>
+              <a:rPr lang="de-DE" dirty="0">
+                <a:latin typeface="Menlo Regular"/>
+                <a:cs typeface="Menlo Regular"/>
               </a:rPr>
-              <a:t>Importer</a:t>
-            </a:r>
-            <a:endParaRPr lang="de-DE" i="1" dirty="0">
-              <a:latin typeface="Arial"/>
-              <a:cs typeface="Arial"/>
-            </a:endParaRPr>
-          </a:p>
-        </p:txBody>
-      </p:sp>
-      <p:pic>
-        <p:nvPicPr>
-          <p:cNvPr id="21" name="Bild 20" descr="architektur copy.png"/>
-          <p:cNvPicPr>
-            <a:picLocks noChangeAspect="1"/>
-          </p:cNvPicPr>
-          <p:nvPr/>
-        </p:nvPicPr>
-        <p:blipFill>
-          <a:blip r:embed="rId2" cstate="print">
-            <a:extLst>
-              <a:ext uri="{28A0092B-C50C-407E-A947-70E740481C1C}">
-                <a14:useLocalDpi xmlns:a14="http://schemas.microsoft.com/office/drawing/2010/main" val="0"/>
-              </a:ext>
-            </a:extLst>
-          </a:blip>
-          <a:stretch>
-            <a:fillRect/>
-          </a:stretch>
-        </p:blipFill>
-        <p:spPr>
-          <a:xfrm>
-            <a:off x="757006" y="950339"/>
-            <a:ext cx="8426002" cy="5022194"/>
-          </a:xfrm>
-          <a:prstGeom prst="rect">
-            <a:avLst/>
-          </a:prstGeom>
-        </p:spPr>
-      </p:pic>
+              <a:t>, rank) AS (</a:t>
+            </a:r>
+          </a:p>
+          <a:p>
+            <a:r>
+              <a:rPr lang="de-DE" dirty="0">
+                <a:latin typeface="Menlo Regular"/>
+                <a:cs typeface="Menlo Regular"/>
+              </a:rPr>
+              <a:t>        SELECT </a:t>
+            </a:r>
+            <a:r>
+              <a:rPr lang="de-DE" dirty="0" err="1">
+                <a:latin typeface="Menlo Regular"/>
+                <a:cs typeface="Menlo Regular"/>
+              </a:rPr>
+              <a:t>state_id</a:t>
+            </a:r>
+            <a:r>
+              <a:rPr lang="de-DE" dirty="0">
+                <a:latin typeface="Menlo Regular"/>
+                <a:cs typeface="Menlo Regular"/>
+              </a:rPr>
+              <a:t>, </a:t>
+            </a:r>
+            <a:r>
+              <a:rPr lang="de-DE" dirty="0" err="1">
+                <a:latin typeface="Menlo Regular"/>
+                <a:cs typeface="Menlo Regular"/>
+              </a:rPr>
+              <a:t>row_number</a:t>
+            </a:r>
+            <a:r>
+              <a:rPr lang="de-DE" dirty="0">
+                <a:latin typeface="Menlo Regular"/>
+                <a:cs typeface="Menlo Regular"/>
+              </a:rPr>
+              <a:t>() OVER (PARTITION BY </a:t>
+            </a:r>
+            <a:r>
+              <a:rPr lang="de-DE" dirty="0" err="1">
+                <a:latin typeface="Menlo Regular"/>
+                <a:cs typeface="Menlo Regular"/>
+              </a:rPr>
+              <a:t>election_id</a:t>
+            </a:r>
+            <a:r>
+              <a:rPr lang="de-DE" dirty="0">
+                <a:latin typeface="Menlo Regular"/>
+                <a:cs typeface="Menlo Regular"/>
+              </a:rPr>
+              <a:t> ORDER BY </a:t>
+            </a:r>
+            <a:r>
+              <a:rPr lang="de-DE" dirty="0" err="1">
+                <a:latin typeface="Menlo Regular"/>
+                <a:cs typeface="Menlo Regular"/>
+              </a:rPr>
+              <a:t>population</a:t>
+            </a:r>
+            <a:r>
+              <a:rPr lang="de-DE" dirty="0">
+                <a:latin typeface="Menlo Regular"/>
+                <a:cs typeface="Menlo Regular"/>
+              </a:rPr>
+              <a:t> / (i - .5) DESC)</a:t>
+            </a:r>
+          </a:p>
+          <a:p>
+            <a:r>
+              <a:rPr lang="de-DE" dirty="0">
+                <a:latin typeface="Menlo Regular"/>
+                <a:cs typeface="Menlo Regular"/>
+              </a:rPr>
+              <a:t>        FROM </a:t>
+            </a:r>
+            <a:r>
+              <a:rPr lang="de-DE" dirty="0" err="1">
+                <a:latin typeface="Menlo Regular"/>
+                <a:cs typeface="Menlo Regular"/>
+              </a:rPr>
+              <a:t>state</a:t>
+            </a:r>
+            <a:r>
+              <a:rPr lang="de-DE" dirty="0">
+                <a:latin typeface="Menlo Regular"/>
+                <a:cs typeface="Menlo Regular"/>
+              </a:rPr>
+              <a:t>, </a:t>
+            </a:r>
+            <a:r>
+              <a:rPr lang="de-DE" dirty="0" err="1">
+                <a:latin typeface="Menlo Regular"/>
+                <a:cs typeface="Menlo Regular"/>
+              </a:rPr>
+              <a:t>generate_series</a:t>
+            </a:r>
+            <a:r>
+              <a:rPr lang="de-DE" dirty="0">
+                <a:latin typeface="Menlo Regular"/>
+                <a:cs typeface="Menlo Regular"/>
+              </a:rPr>
+              <a:t>(1, 598) i</a:t>
+            </a:r>
+          </a:p>
+          <a:p>
+            <a:r>
+              <a:rPr lang="de-DE" dirty="0">
+                <a:latin typeface="Menlo Regular"/>
+                <a:cs typeface="Menlo Regular"/>
+              </a:rPr>
+              <a:t>    )</a:t>
+            </a:r>
+          </a:p>
+        </p:txBody>
+      </p:sp>
     </p:spTree>
     <p:extLst>
       <p:ext uri="{BB962C8B-B14F-4D97-AF65-F5344CB8AC3E}">
-        <p14:creationId xmlns:p14="http://schemas.microsoft.com/office/powerpoint/2010/main" val="811630741"/>
+        <p14:creationId xmlns:p14="http://schemas.microsoft.com/office/powerpoint/2010/main" val="269492421"/>
       </p:ext>
     </p:extLst>
   </p:cSld>
   <p:clrMapOvr>
     <a:masterClrMapping/>
   </p:clrMapOvr>
+  <p:timing>
+    <p:tnLst>
+      <p:par>
+        <p:cTn xmlns:p14="http://schemas.microsoft.com/office/powerpoint/2010/main" id="1" dur="indefinite" restart="never" nodeType="tmRoot"/>
+      </p:par>
+    </p:tnLst>
+  </p:timing>
 </p:sld>
 </file>
 
@@ -5692,36 +6150,275 @@
           <a:chExt cx="0" cy="0"/>
         </a:xfrm>
       </p:grpSpPr>
-      <p:sp>
-        <p:nvSpPr>
-          <p:cNvPr id="3" name="Inhaltsplatzhalter 2"/>
-          <p:cNvSpPr>
-            <a:spLocks noGrp="1"/>
-          </p:cNvSpPr>
+      <p:graphicFrame>
+        <p:nvGraphicFramePr>
+          <p:cNvPr id="2" name="Inhaltsplatzhalter 1"/>
+          <p:cNvGraphicFramePr>
+            <a:graphicFrameLocks noGrp="1"/>
+          </p:cNvGraphicFramePr>
           <p:nvPr>
             <p:ph idx="1"/>
-          </p:nvPr>
-        </p:nvSpPr>
-        <p:spPr>
-          <a:xfrm>
-            <a:off x="762000" y="1033035"/>
-            <a:ext cx="7543800" cy="3886200"/>
-          </a:xfrm>
-        </p:spPr>
-        <p:txBody>
-          <a:bodyPr anchor="t" anchorCtr="0">
-            <a:normAutofit/>
-          </a:bodyPr>
-          <a:lstStyle/>
-          <a:p>
-            <a:pPr>
-              <a:lnSpc>
-                <a:spcPct val="150000"/>
-              </a:lnSpc>
-            </a:pPr>
-            <a:r>
-              <a:rPr lang="de-DE" i="1" dirty="0" smtClean="0"/>
-              <a:t>TODO</a:t>
+            <p:extLst>
+              <p:ext uri="{D42A27DB-BD31-4B8C-83A1-F6EECF244321}">
+                <p14:modId xmlns:p14="http://schemas.microsoft.com/office/powerpoint/2010/main" val="14158969"/>
+              </p:ext>
+            </p:extLst>
+          </p:nvPr>
+        </p:nvGraphicFramePr>
+        <p:xfrm>
+          <a:off x="682627" y="1727940"/>
+          <a:ext cx="7543800" cy="1112520"/>
+        </p:xfrm>
+        <a:graphic>
+          <a:graphicData uri="http://schemas.openxmlformats.org/drawingml/2006/table">
+            <a:tbl>
+              <a:tblPr firstRow="1" bandRow="1">
+                <a:tableStyleId>{F5AB1C69-6EDB-4FF4-983F-18BD219EF322}</a:tableStyleId>
+              </a:tblPr>
+              <a:tblGrid>
+                <a:gridCol w="2514600"/>
+                <a:gridCol w="2514600"/>
+                <a:gridCol w="2514600"/>
+              </a:tblGrid>
+              <a:tr h="370840">
+                <a:tc>
+                  <a:txBody>
+                    <a:bodyPr/>
+                    <a:lstStyle/>
+                    <a:p>
+                      <a:endParaRPr lang="de-DE" dirty="0"/>
+                    </a:p>
+                  </a:txBody>
+                  <a:tcPr/>
+                </a:tc>
+                <a:tc>
+                  <a:txBody>
+                    <a:bodyPr/>
+                    <a:lstStyle/>
+                    <a:p>
+                      <a:r>
+                        <a:rPr lang="de-DE" dirty="0" smtClean="0"/>
+                        <a:t>t</a:t>
+                      </a:r>
+                      <a:r>
+                        <a:rPr lang="de-DE" baseline="0" dirty="0" smtClean="0"/>
+                        <a:t> = 500ms</a:t>
+                      </a:r>
+                      <a:endParaRPr lang="de-DE" dirty="0"/>
+                    </a:p>
+                  </a:txBody>
+                  <a:tcPr/>
+                </a:tc>
+                <a:tc>
+                  <a:txBody>
+                    <a:bodyPr/>
+                    <a:lstStyle/>
+                    <a:p>
+                      <a:r>
+                        <a:rPr lang="de-DE" dirty="0" smtClean="0"/>
+                        <a:t>t</a:t>
+                      </a:r>
+                      <a:r>
+                        <a:rPr lang="de-DE" baseline="0" dirty="0" smtClean="0"/>
+                        <a:t> = 1.000ms</a:t>
+                      </a:r>
+                      <a:endParaRPr lang="de-DE" dirty="0"/>
+                    </a:p>
+                  </a:txBody>
+                  <a:tcPr/>
+                </a:tc>
+              </a:tr>
+              <a:tr h="370840">
+                <a:tc>
+                  <a:txBody>
+                    <a:bodyPr/>
+                    <a:lstStyle/>
+                    <a:p>
+                      <a:r>
+                        <a:rPr lang="de-DE" baseline="0" dirty="0" smtClean="0"/>
+                        <a:t>n = 10</a:t>
+                      </a:r>
+                      <a:endParaRPr lang="de-DE" dirty="0"/>
+                    </a:p>
+                  </a:txBody>
+                  <a:tcPr/>
+                </a:tc>
+                <a:tc>
+                  <a:txBody>
+                    <a:bodyPr/>
+                    <a:lstStyle/>
+                    <a:p>
+                      <a:r>
+                        <a:rPr lang="de-DE" sz="1800" kern="1200" dirty="0" smtClean="0">
+                          <a:solidFill>
+                            <a:schemeClr val="dk1"/>
+                          </a:solidFill>
+                          <a:latin typeface="+mn-lt"/>
+                          <a:ea typeface="+mn-ea"/>
+                          <a:cs typeface="+mn-cs"/>
+                        </a:rPr>
+                        <a:t>3.088,78 </a:t>
+                      </a:r>
+                      <a:r>
+                        <a:rPr lang="de-DE" sz="1800" kern="1200" dirty="0" err="1" smtClean="0">
+                          <a:solidFill>
+                            <a:schemeClr val="dk1"/>
+                          </a:solidFill>
+                          <a:latin typeface="+mn-lt"/>
+                          <a:ea typeface="+mn-ea"/>
+                          <a:cs typeface="+mn-cs"/>
+                        </a:rPr>
+                        <a:t>ms</a:t>
+                      </a:r>
+                      <a:endParaRPr lang="de-DE" dirty="0"/>
+                    </a:p>
+                  </a:txBody>
+                  <a:tcPr/>
+                </a:tc>
+                <a:tc>
+                  <a:txBody>
+                    <a:bodyPr/>
+                    <a:lstStyle/>
+                    <a:p>
+                      <a:r>
+                        <a:rPr lang="de-DE" sz="1800" kern="1200" dirty="0" smtClean="0">
+                          <a:solidFill>
+                            <a:schemeClr val="dk1"/>
+                          </a:solidFill>
+                          <a:latin typeface="+mn-lt"/>
+                          <a:ea typeface="+mn-ea"/>
+                          <a:cs typeface="+mn-cs"/>
+                        </a:rPr>
+                        <a:t>2.792,44 </a:t>
+                      </a:r>
+                      <a:r>
+                        <a:rPr lang="de-DE" sz="1800" kern="1200" dirty="0" err="1" smtClean="0">
+                          <a:solidFill>
+                            <a:schemeClr val="dk1"/>
+                          </a:solidFill>
+                          <a:latin typeface="+mn-lt"/>
+                          <a:ea typeface="+mn-ea"/>
+                          <a:cs typeface="+mn-cs"/>
+                        </a:rPr>
+                        <a:t>ms</a:t>
+                      </a:r>
+                      <a:endParaRPr lang="de-DE" dirty="0"/>
+                    </a:p>
+                  </a:txBody>
+                  <a:tcPr/>
+                </a:tc>
+              </a:tr>
+              <a:tr h="370840">
+                <a:tc>
+                  <a:txBody>
+                    <a:bodyPr/>
+                    <a:lstStyle/>
+                    <a:p>
+                      <a:r>
+                        <a:rPr lang="de-DE" dirty="0" err="1" smtClean="0"/>
+                        <a:t>n</a:t>
+                      </a:r>
+                      <a:r>
+                        <a:rPr lang="de-DE" dirty="0" smtClean="0"/>
+                        <a:t> = 20</a:t>
+                      </a:r>
+                      <a:endParaRPr lang="de-DE" dirty="0"/>
+                    </a:p>
+                  </a:txBody>
+                  <a:tcPr/>
+                </a:tc>
+                <a:tc>
+                  <a:txBody>
+                    <a:bodyPr/>
+                    <a:lstStyle/>
+                    <a:p>
+                      <a:r>
+                        <a:rPr lang="de-DE" sz="1800" kern="1200" dirty="0" smtClean="0">
+                          <a:solidFill>
+                            <a:schemeClr val="dk1"/>
+                          </a:solidFill>
+                          <a:latin typeface="+mn-lt"/>
+                          <a:ea typeface="+mn-ea"/>
+                          <a:cs typeface="+mn-cs"/>
+                        </a:rPr>
+                        <a:t>6.066,33 </a:t>
+                      </a:r>
+                      <a:r>
+                        <a:rPr lang="de-DE" sz="1800" kern="1200" dirty="0" err="1" smtClean="0">
+                          <a:solidFill>
+                            <a:schemeClr val="dk1"/>
+                          </a:solidFill>
+                          <a:latin typeface="+mn-lt"/>
+                          <a:ea typeface="+mn-ea"/>
+                          <a:cs typeface="+mn-cs"/>
+                        </a:rPr>
+                        <a:t>ms</a:t>
+                      </a:r>
+                      <a:endParaRPr lang="de-DE" dirty="0"/>
+                    </a:p>
+                  </a:txBody>
+                  <a:tcPr/>
+                </a:tc>
+                <a:tc>
+                  <a:txBody>
+                    <a:bodyPr/>
+                    <a:lstStyle/>
+                    <a:p>
+                      <a:r>
+                        <a:rPr lang="de-DE" sz="1800" kern="1200" dirty="0" smtClean="0">
+                          <a:solidFill>
+                            <a:schemeClr val="dk1"/>
+                          </a:solidFill>
+                          <a:latin typeface="+mn-lt"/>
+                          <a:ea typeface="+mn-ea"/>
+                          <a:cs typeface="+mn-cs"/>
+                        </a:rPr>
+                        <a:t>5.880,29 </a:t>
+                      </a:r>
+                      <a:r>
+                        <a:rPr lang="de-DE" sz="1800" kern="1200" dirty="0" err="1" smtClean="0">
+                          <a:solidFill>
+                            <a:schemeClr val="dk1"/>
+                          </a:solidFill>
+                          <a:latin typeface="+mn-lt"/>
+                          <a:ea typeface="+mn-ea"/>
+                          <a:cs typeface="+mn-cs"/>
+                        </a:rPr>
+                        <a:t>ms</a:t>
+                      </a:r>
+                      <a:endParaRPr lang="de-DE" dirty="0"/>
+                    </a:p>
+                  </a:txBody>
+                  <a:tcPr/>
+                </a:tc>
+              </a:tr>
+            </a:tbl>
+          </a:graphicData>
+        </a:graphic>
+      </p:graphicFrame>
+      <p:sp>
+        <p:nvSpPr>
+          <p:cNvPr id="4" name="Textplatzhalter 3"/>
+          <p:cNvSpPr>
+            <a:spLocks noGrp="1"/>
+          </p:cNvSpPr>
+          <p:nvPr>
+            <p:ph type="body" sz="quarter" idx="13"/>
+          </p:nvPr>
+        </p:nvSpPr>
+        <p:spPr>
+          <a:xfrm>
+            <a:off x="942662" y="389573"/>
+            <a:ext cx="3689350" cy="352425"/>
+          </a:xfrm>
+        </p:spPr>
+        <p:txBody>
+          <a:bodyPr/>
+          <a:lstStyle/>
+          <a:p>
+            <a:r>
+              <a:rPr lang="de-DE" dirty="0" smtClean="0"/>
+              <a:t>Leistungsfähigkeit</a:t>
             </a:r>
             <a:endParaRPr lang="de-DE" dirty="0"/>
           </a:p>
@@ -5776,42 +6473,163 @@
       </p:sp>
       <p:sp>
         <p:nvSpPr>
-          <p:cNvPr id="8" name="Textplatzhalter 3"/>
-          <p:cNvSpPr>
-            <a:spLocks noGrp="1"/>
-          </p:cNvSpPr>
-          <p:nvPr>
-            <p:ph type="body" sz="quarter" idx="13"/>
-          </p:nvPr>
-        </p:nvSpPr>
-        <p:spPr>
-          <a:xfrm>
-            <a:off x="942662" y="389573"/>
-            <a:ext cx="3689350" cy="352425"/>
-          </a:xfrm>
-        </p:spPr>
-        <p:txBody>
-          <a:bodyPr/>
-          <a:lstStyle/>
-          <a:p>
-            <a:r>
-              <a:rPr lang="de-DE" dirty="0" smtClean="0"/>
-              <a:t>Sitzverteilungsalgorithmus</a:t>
-            </a:r>
-            <a:endParaRPr lang="de-DE" dirty="0"/>
+          <p:cNvPr id="7" name="Rechteck 6"/>
+          <p:cNvSpPr/>
+          <p:nvPr/>
+        </p:nvSpPr>
+        <p:spPr>
+          <a:xfrm>
+            <a:off x="682627" y="3190370"/>
+            <a:ext cx="4572000" cy="2862323"/>
+          </a:xfrm>
+          <a:prstGeom prst="rect">
+            <a:avLst/>
+          </a:prstGeom>
+        </p:spPr>
+        <p:txBody>
+          <a:bodyPr>
+            <a:spAutoFit/>
+          </a:bodyPr>
+          <a:lstStyle/>
+          <a:p>
+            <a:r>
+              <a:rPr lang="es-ES_tradnl" b="1" dirty="0"/>
+              <a:t>CPU:</a:t>
+            </a:r>
+            <a:r>
+              <a:rPr lang="es-ES_tradnl" dirty="0"/>
+              <a:t>	Intel </a:t>
+            </a:r>
+            <a:r>
+              <a:rPr lang="es-ES_tradnl" dirty="0" err="1"/>
+              <a:t>Core</a:t>
+            </a:r>
+            <a:r>
+              <a:rPr lang="es-ES_tradnl" dirty="0"/>
+              <a:t> i5-2520M, 2.5 GHz</a:t>
+            </a:r>
+          </a:p>
+          <a:p>
+            <a:r>
+              <a:rPr lang="es-ES_tradnl" dirty="0"/>
+              <a:t>   </a:t>
+            </a:r>
+            <a:r>
+              <a:rPr lang="es-ES_tradnl" dirty="0" err="1"/>
+              <a:t>Level</a:t>
+            </a:r>
+            <a:r>
+              <a:rPr lang="es-ES_tradnl" dirty="0"/>
+              <a:t> 1: 2x 32KB </a:t>
+            </a:r>
+            <a:r>
+              <a:rPr lang="es-ES_tradnl" dirty="0" err="1"/>
+              <a:t>instruction</a:t>
+            </a:r>
+            <a:r>
+              <a:rPr lang="es-ES_tradnl" dirty="0"/>
+              <a:t> caches, 2x 32KB data caches</a:t>
+            </a:r>
+          </a:p>
+          <a:p>
+            <a:r>
+              <a:rPr lang="it-IT" dirty="0"/>
+              <a:t>   Level 2: 2x 256 KB</a:t>
+            </a:r>
+          </a:p>
+          <a:p>
+            <a:r>
+              <a:rPr lang="it-IT" dirty="0"/>
+              <a:t>   Level 3: 3MB	</a:t>
+            </a:r>
+          </a:p>
+          <a:p>
+            <a:r>
+              <a:rPr lang="it-IT" b="1" dirty="0"/>
+              <a:t>RAM:</a:t>
+            </a:r>
+            <a:r>
+              <a:rPr lang="it-IT" dirty="0"/>
+              <a:t>	4 GB	</a:t>
+            </a:r>
+          </a:p>
+          <a:p>
+            <a:r>
+              <a:rPr lang="it-IT" b="1" dirty="0" err="1"/>
+              <a:t>Festplatte</a:t>
+            </a:r>
+            <a:r>
+              <a:rPr lang="it-IT" b="1" dirty="0"/>
+              <a:t>:</a:t>
+            </a:r>
+            <a:r>
+              <a:rPr lang="it-IT" dirty="0"/>
+              <a:t>	Seagate </a:t>
+            </a:r>
+            <a:r>
+              <a:rPr lang="it-IT" dirty="0" err="1"/>
+              <a:t>Momentus</a:t>
+            </a:r>
+            <a:r>
+              <a:rPr lang="it-IT" dirty="0"/>
+              <a:t> 7200.4 500GB</a:t>
+            </a:r>
+          </a:p>
+          <a:p>
+            <a:r>
+              <a:rPr lang="it-IT" dirty="0"/>
+              <a:t>   </a:t>
+            </a:r>
+            <a:r>
+              <a:rPr lang="it-IT" dirty="0" err="1"/>
+              <a:t>Zugriffszeit</a:t>
+            </a:r>
+            <a:r>
+              <a:rPr lang="it-IT" dirty="0"/>
+              <a:t> 12 </a:t>
+            </a:r>
+            <a:r>
+              <a:rPr lang="it-IT" dirty="0" err="1"/>
+              <a:t>ms</a:t>
+            </a:r>
+            <a:r>
+              <a:rPr lang="it-IT" dirty="0"/>
+              <a:t>	</a:t>
+            </a:r>
+          </a:p>
+          <a:p>
+            <a:r>
+              <a:rPr lang="it-IT" b="1" dirty="0" err="1"/>
+              <a:t>Betriebssystem</a:t>
+            </a:r>
+            <a:r>
+              <a:rPr lang="it-IT" b="1" dirty="0"/>
+              <a:t>:</a:t>
+            </a:r>
+            <a:r>
+              <a:rPr lang="it-IT" dirty="0"/>
+              <a:t>	Windows 7 (64bit)	</a:t>
+            </a:r>
           </a:p>
         </p:txBody>
       </p:sp>
     </p:spTree>
     <p:extLst>
       <p:ext uri="{BB962C8B-B14F-4D97-AF65-F5344CB8AC3E}">
-        <p14:creationId xmlns:p14="http://schemas.microsoft.com/office/powerpoint/2010/main" val="525514610"/>
+        <p14:creationId xmlns:p14="http://schemas.microsoft.com/office/powerpoint/2010/main" val="299923811"/>
       </p:ext>
     </p:extLst>
   </p:cSld>
   <p:clrMapOvr>
     <a:masterClrMapping/>
   </p:clrMapOvr>
+  <p:timing>
+    <p:tnLst>
+      <p:par>
+        <p:cTn xmlns:p14="http://schemas.microsoft.com/office/powerpoint/2010/main" id="1" dur="indefinite" restart="never" nodeType="tmRoot"/>
+      </p:par>
+    </p:tnLst>
+  </p:timing>
 </p:sld>
 </file>
 
@@ -5844,116 +6662,53 @@
         </p:nvSpPr>
         <p:spPr>
           <a:xfrm>
-            <a:off x="762000" y="1033035"/>
-            <a:ext cx="7543800" cy="3886200"/>
+            <a:off x="761999" y="2720888"/>
+            <a:ext cx="7543800" cy="831718"/>
           </a:xfrm>
         </p:spPr>
         <p:txBody>
           <a:bodyPr anchor="t" anchorCtr="0">
-            <a:normAutofit fontScale="92500" lnSpcReduction="10000"/>
+            <a:noAutofit/>
           </a:bodyPr>
           <a:lstStyle/>
           <a:p>
-            <a:pPr>
+            <a:pPr marL="0" indent="0" algn="ctr">
               <a:lnSpc>
                 <a:spcPct val="150000"/>
               </a:lnSpc>
+              <a:buNone/>
             </a:pPr>
             <a:r>
-              <a:rPr lang="de-DE" i="1" dirty="0" smtClean="0"/>
-              <a:t>TODO</a:t>
-            </a:r>
-            <a:endParaRPr lang="de-DE" i="1" dirty="0" smtClean="0"/>
-          </a:p>
-          <a:p>
-            <a:pPr>
-              <a:lnSpc>
-                <a:spcPct val="150000"/>
-              </a:lnSpc>
-            </a:pPr>
+              <a:rPr lang="de-DE" sz="4000" b="1" i="1" dirty="0" smtClean="0"/>
+              <a:t>Demo</a:t>
+            </a:r>
+            <a:endParaRPr lang="de-DE" sz="4000" b="1" i="1" dirty="0"/>
+          </a:p>
+        </p:txBody>
+      </p:sp>
+      <p:sp>
+        <p:nvSpPr>
+          <p:cNvPr id="4" name="Textplatzhalter 3"/>
+          <p:cNvSpPr>
+            <a:spLocks noGrp="1"/>
+          </p:cNvSpPr>
+          <p:nvPr>
+            <p:ph type="body" sz="quarter" idx="13"/>
+          </p:nvPr>
+        </p:nvSpPr>
+        <p:spPr>
+          <a:xfrm>
+            <a:off x="942662" y="389573"/>
+            <a:ext cx="3689350" cy="352425"/>
+          </a:xfrm>
+        </p:spPr>
+        <p:txBody>
+          <a:bodyPr/>
+          <a:lstStyle/>
+          <a:p>
             <a:r>
               <a:rPr lang="de-DE" dirty="0" smtClean="0"/>
-              <a:t>Sitzverteilung vollständig in SQL</a:t>
-            </a:r>
-          </a:p>
-          <a:p>
-            <a:pPr lvl="1">
-              <a:lnSpc>
-                <a:spcPct val="150000"/>
-              </a:lnSpc>
-            </a:pPr>
-            <a:r>
-              <a:rPr lang="de-DE" dirty="0" err="1" smtClean="0"/>
-              <a:t>Materialized</a:t>
-            </a:r>
-            <a:r>
-              <a:rPr lang="de-DE" dirty="0" smtClean="0"/>
-              <a:t> Views</a:t>
-            </a:r>
-          </a:p>
-          <a:p>
-            <a:pPr>
-              <a:lnSpc>
-                <a:spcPct val="150000"/>
-              </a:lnSpc>
-            </a:pPr>
-            <a:r>
-              <a:rPr lang="de-DE" dirty="0" smtClean="0"/>
-              <a:t>SQL-</a:t>
-            </a:r>
-            <a:r>
-              <a:rPr lang="de-DE" dirty="0" err="1" smtClean="0"/>
-              <a:t>Injection</a:t>
-            </a:r>
-            <a:endParaRPr lang="de-DE" dirty="0" smtClean="0"/>
-          </a:p>
-          <a:p>
-            <a:pPr>
-              <a:lnSpc>
-                <a:spcPct val="150000"/>
-              </a:lnSpc>
-            </a:pPr>
-            <a:r>
-              <a:rPr lang="de-DE" dirty="0" err="1" smtClean="0"/>
-              <a:t>Importer</a:t>
-            </a:r>
-            <a:r>
-              <a:rPr lang="de-DE" dirty="0" smtClean="0"/>
-              <a:t> </a:t>
-            </a:r>
-            <a:r>
-              <a:rPr lang="de-DE" dirty="0" err="1" smtClean="0"/>
-              <a:t>Commandline</a:t>
-            </a:r>
-            <a:r>
-              <a:rPr lang="de-DE" dirty="0" smtClean="0"/>
-              <a:t> Tool</a:t>
-            </a:r>
-          </a:p>
-          <a:p>
-            <a:pPr>
-              <a:lnSpc>
-                <a:spcPct val="150000"/>
-              </a:lnSpc>
-            </a:pPr>
-            <a:r>
-              <a:rPr lang="de-DE" dirty="0" smtClean="0"/>
-              <a:t>Performance / JavaScript</a:t>
-            </a:r>
-          </a:p>
-          <a:p>
-            <a:pPr>
-              <a:lnSpc>
-                <a:spcPct val="150000"/>
-              </a:lnSpc>
-            </a:pPr>
-            <a:r>
-              <a:rPr lang="de-DE" dirty="0" err="1" smtClean="0"/>
-              <a:t>Responsiveness</a:t>
-            </a:r>
-            <a:r>
-              <a:rPr lang="de-DE" dirty="0" smtClean="0"/>
-              <a:t> UI</a:t>
+              <a:t>Demo</a:t>
             </a:r>
             <a:endParaRPr lang="de-DE" dirty="0"/>
           </a:p>
@@ -6006,44 +6761,23 @@
           </a:p>
         </p:txBody>
       </p:sp>
-      <p:sp>
-        <p:nvSpPr>
-          <p:cNvPr id="8" name="Textplatzhalter 3"/>
-          <p:cNvSpPr>
-            <a:spLocks noGrp="1"/>
-          </p:cNvSpPr>
-          <p:nvPr>
-            <p:ph type="body" sz="quarter" idx="13"/>
-          </p:nvPr>
-        </p:nvSpPr>
-        <p:spPr>
-          <a:xfrm>
-            <a:off x="942662" y="389573"/>
-            <a:ext cx="3689350" cy="352425"/>
-          </a:xfrm>
-        </p:spPr>
-        <p:txBody>
-          <a:bodyPr/>
-          <a:lstStyle/>
-          <a:p>
-            <a:r>
-              <a:rPr lang="de-DE" dirty="0" smtClean="0"/>
-              <a:t>Highlights</a:t>
-            </a:r>
-            <a:endParaRPr lang="de-DE" dirty="0"/>
-          </a:p>
-        </p:txBody>
-      </p:sp>
     </p:spTree>
     <p:extLst>
       <p:ext uri="{BB962C8B-B14F-4D97-AF65-F5344CB8AC3E}">
-        <p14:creationId xmlns:p14="http://schemas.microsoft.com/office/powerpoint/2010/main" val="349985774"/>
+        <p14:creationId xmlns:p14="http://schemas.microsoft.com/office/powerpoint/2010/main" val="1624581442"/>
       </p:ext>
     </p:extLst>
   </p:cSld>
   <p:clrMapOvr>
     <a:masterClrMapping/>
   </p:clrMapOvr>
+  <p:timing>
+    <p:tnLst>
+      <p:par>
+        <p:cTn xmlns:p14="http://schemas.microsoft.com/office/powerpoint/2010/main" id="1" dur="indefinite" restart="never" nodeType="tmRoot"/>
+      </p:par>
+    </p:tnLst>
+  </p:timing>
 </p:sld>
 </file>
 

--- a/docs/presentation.pptx
+++ b/docs/presentation.pptx
@@ -5,18 +5,20 @@
     <p:sldMasterId id="2147483660" r:id="rId1"/>
   </p:sldMasterIdLst>
   <p:notesMasterIdLst>
-    <p:notesMasterId r:id="rId8"/>
+    <p:notesMasterId r:id="rId10"/>
   </p:notesMasterIdLst>
   <p:handoutMasterIdLst>
-    <p:handoutMasterId r:id="rId9"/>
+    <p:handoutMasterId r:id="rId11"/>
   </p:handoutMasterIdLst>
   <p:sldIdLst>
-    <p:sldId id="256" r:id="rId2"/>
-    <p:sldId id="257" r:id="rId3"/>
-    <p:sldId id="261" r:id="rId4"/>
-    <p:sldId id="265" r:id="rId5"/>
-    <p:sldId id="266" r:id="rId6"/>
-    <p:sldId id="262" r:id="rId7"/>
+    <p:sldId id="267" r:id="rId2"/>
+    <p:sldId id="256" r:id="rId3"/>
+    <p:sldId id="257" r:id="rId4"/>
+    <p:sldId id="261" r:id="rId5"/>
+    <p:sldId id="265" r:id="rId6"/>
+    <p:sldId id="266" r:id="rId7"/>
+    <p:sldId id="262" r:id="rId8"/>
+    <p:sldId id="268" r:id="rId9"/>
   </p:sldIdLst>
   <p:sldSz cx="9144000" cy="6858000" type="screen4x3"/>
   <p:notesSz cx="6858000" cy="9144000"/>
@@ -200,7 +202,7 @@
           <a:p>
             <a:fld id="{D47E9658-922E-1446-8D67-07A05034B11D}" type="datetimeFigureOut">
               <a:rPr lang="de-DE" smtClean="0"/>
-              <a:t>23/01/14</a:t>
+              <a:t>24.01.14</a:t>
             </a:fld>
             <a:endParaRPr lang="de-DE"/>
           </a:p>
@@ -366,7 +368,7 @@
           <a:p>
             <a:fld id="{35D45E2C-55D3-9F48-AC81-1DE0B06D30F4}" type="datetimeFigureOut">
               <a:rPr lang="de-DE" smtClean="0"/>
-              <a:t>23/01/14</a:t>
+              <a:t>24.01.14</a:t>
             </a:fld>
             <a:endParaRPr lang="de-DE"/>
           </a:p>
@@ -700,7 +702,7 @@
           <a:p>
             <a:fld id="{AE5E8D2D-D2F5-9642-A0D7-19654D6CF236}" type="slidenum">
               <a:rPr lang="de-DE" smtClean="0"/>
-              <a:t>3</a:t>
+              <a:t>4</a:t>
             </a:fld>
             <a:endParaRPr lang="de-DE"/>
           </a:p>
@@ -810,7 +812,7 @@
           <a:p>
             <a:fld id="{AE5E8D2D-D2F5-9642-A0D7-19654D6CF236}" type="slidenum">
               <a:rPr lang="de-DE" smtClean="0"/>
-              <a:t>4</a:t>
+              <a:t>5</a:t>
             </a:fld>
             <a:endParaRPr lang="de-DE"/>
           </a:p>
@@ -862,8 +864,8 @@
         </p:blipFill>
         <p:spPr>
           <a:xfrm>
-            <a:off x="0" y="-312983"/>
-            <a:ext cx="9144000" cy="3503965"/>
+            <a:off x="0" y="0"/>
+            <a:ext cx="9144000" cy="2527263"/>
           </a:xfrm>
           <a:prstGeom prst="rect">
             <a:avLst/>
@@ -1043,7 +1045,7 @@
           <a:p>
             <a:fld id="{9ABBB6ED-5864-CF4C-817A-3FB709F5DE13}" type="datetime1">
               <a:rPr lang="en-US" smtClean="0"/>
-              <a:t>23/01/14</a:t>
+              <a:t>24.01.14</a:t>
             </a:fld>
             <a:endParaRPr lang="en-US"/>
           </a:p>
@@ -1131,8 +1133,8 @@
         </p:blipFill>
         <p:spPr>
           <a:xfrm>
-            <a:off x="760938" y="575427"/>
-            <a:ext cx="1859978" cy="1739626"/>
+            <a:off x="451803" y="453907"/>
+            <a:ext cx="1671829" cy="1563651"/>
           </a:xfrm>
           <a:prstGeom prst="rect">
             <a:avLst/>
@@ -1149,15 +1151,15 @@
         </p:nvSpPr>
         <p:spPr>
           <a:xfrm>
-            <a:off x="2749902" y="615112"/>
-            <a:ext cx="5635274" cy="1769388"/>
+            <a:off x="2189145" y="453907"/>
+            <a:ext cx="6550677" cy="1563651"/>
           </a:xfrm>
           <a:prstGeom prst="rect">
             <a:avLst/>
           </a:prstGeom>
         </p:spPr>
         <p:txBody>
-          <a:bodyPr vert="horz" lIns="91440" tIns="45720" rIns="91440" bIns="45720" rtlCol="0" anchor="b" anchorCtr="0">
+          <a:bodyPr vert="horz" lIns="91440" tIns="45720" rIns="91440" bIns="45720" rtlCol="0" anchor="ctr" anchorCtr="0">
             <a:noAutofit/>
           </a:bodyPr>
           <a:lstStyle>
@@ -1236,15 +1238,16 @@
             </a:lvl9pPr>
           </a:lstStyle>
           <a:p>
-            <a:r>
-              <a:rPr lang="de-DE" sz="5400" dirty="0" smtClean="0">
+            <a:pPr algn="l"/>
+            <a:r>
+              <a:rPr lang="de-DE" sz="4800" dirty="0" smtClean="0">
                 <a:solidFill>
                   <a:schemeClr val="bg1"/>
                 </a:solidFill>
               </a:rPr>
-              <a:t>Wahlinformations-system</a:t>
-            </a:r>
-            <a:endParaRPr lang="de-DE" sz="5400" dirty="0">
+              <a:t>Wahlinformationssystem</a:t>
+            </a:r>
+            <a:endParaRPr lang="de-DE" sz="4400" dirty="0">
               <a:solidFill>
                 <a:schemeClr val="bg1"/>
               </a:solidFill>
@@ -1382,7 +1385,7 @@
           <a:p>
             <a:fld id="{220AE175-C0F4-5C4C-A8FA-0DADCA4A648C}" type="datetime1">
               <a:rPr lang="en-US" smtClean="0"/>
-              <a:t>23/01/14</a:t>
+              <a:t>24.01.14</a:t>
             </a:fld>
             <a:endParaRPr lang="en-US"/>
           </a:p>
@@ -1607,7 +1610,7 @@
           <a:p>
             <a:fld id="{44816CBC-07CA-3049-932D-0F621D5882D7}" type="datetime1">
               <a:rPr lang="en-US" smtClean="0"/>
-              <a:t>23/01/14</a:t>
+              <a:t>24.01.14</a:t>
             </a:fld>
             <a:endParaRPr lang="en-US"/>
           </a:p>
@@ -1832,7 +1835,7 @@
           <a:p>
             <a:fld id="{AD11CFC6-54E5-9F4E-9F23-771F7EDEC23A}" type="datetime1">
               <a:rPr lang="en-US" smtClean="0"/>
-              <a:t>23/01/14</a:t>
+              <a:t>24.01.14</a:t>
             </a:fld>
             <a:endParaRPr lang="en-US"/>
           </a:p>
@@ -2169,7 +2172,7 @@
           <a:p>
             <a:fld id="{E384C15D-B26D-4C40-A898-C196925B36C5}" type="datetime1">
               <a:rPr lang="en-US" smtClean="0"/>
-              <a:t>23/01/14</a:t>
+              <a:t>24.01.14</a:t>
             </a:fld>
             <a:endParaRPr lang="en-US"/>
           </a:p>
@@ -2508,7 +2511,7 @@
           <a:p>
             <a:fld id="{38993681-2691-1244-81A5-5DEFA9A55968}" type="datetime1">
               <a:rPr lang="en-US" smtClean="0"/>
-              <a:t>23/01/14</a:t>
+              <a:t>24.01.14</a:t>
             </a:fld>
             <a:endParaRPr lang="en-US"/>
           </a:p>
@@ -2988,7 +2991,7 @@
           <a:p>
             <a:fld id="{B052336D-603C-6840-8941-D14C5EB42324}" type="datetime1">
               <a:rPr lang="en-US" smtClean="0"/>
-              <a:t>23/01/14</a:t>
+              <a:t>24.01.14</a:t>
             </a:fld>
             <a:endParaRPr lang="en-US"/>
           </a:p>
@@ -3216,7 +3219,7 @@
           <a:p>
             <a:fld id="{1ACCCE5A-A646-154F-8C8B-9ECE221FFE2B}" type="datetime1">
               <a:rPr lang="en-US" smtClean="0"/>
-              <a:t>23/01/14</a:t>
+              <a:t>24.01.14</a:t>
             </a:fld>
             <a:endParaRPr lang="en-US"/>
           </a:p>
@@ -3353,7 +3356,7 @@
           <a:p>
             <a:fld id="{A35F542B-B047-F84E-8D15-AB6D723FED92}" type="datetime1">
               <a:rPr lang="en-US" smtClean="0"/>
-              <a:t>23/01/14</a:t>
+              <a:t>24.01.14</a:t>
             </a:fld>
             <a:endParaRPr lang="en-US"/>
           </a:p>
@@ -3683,7 +3686,7 @@
           <a:p>
             <a:fld id="{969196BD-92B3-834F-812E-A58AC89CD135}" type="datetime1">
               <a:rPr lang="en-US" smtClean="0"/>
-              <a:t>23/01/14</a:t>
+              <a:t>24.01.14</a:t>
             </a:fld>
             <a:endParaRPr lang="en-US"/>
           </a:p>
@@ -4032,7 +4035,7 @@
           <a:p>
             <a:fld id="{460FC2CE-A0FC-7141-AF65-36DF018D98EE}" type="datetime1">
               <a:rPr lang="en-US" smtClean="0"/>
-              <a:t>23/01/14</a:t>
+              <a:t>24.01.14</a:t>
             </a:fld>
             <a:endParaRPr lang="en-US"/>
           </a:p>
@@ -4259,7 +4262,7 @@
           <a:p>
             <a:fld id="{300EB746-111B-514A-BDA9-2D694A62EC1B}" type="datetime1">
               <a:rPr lang="en-US" smtClean="0"/>
-              <a:t>23/01/14</a:t>
+              <a:t>24.01.14</a:t>
             </a:fld>
             <a:endParaRPr lang="en-US"/>
           </a:p>
@@ -4980,12 +4983,12 @@
       </p:grpSpPr>
       <p:sp>
         <p:nvSpPr>
-          <p:cNvPr id="2" name="Titel 1"/>
-          <p:cNvSpPr>
-            <a:spLocks noGrp="1"/>
-          </p:cNvSpPr>
-          <p:nvPr>
-            <p:ph type="ctrTitle"/>
+          <p:cNvPr id="4" name="Fußzeilenplatzhalter 3"/>
+          <p:cNvSpPr>
+            <a:spLocks noGrp="1"/>
+          </p:cNvSpPr>
+          <p:nvPr>
+            <p:ph type="ftr" sz="quarter" idx="11"/>
           </p:nvPr>
         </p:nvSpPr>
         <p:spPr/>
@@ -4994,212 +4997,82 @@
           <a:lstStyle/>
           <a:p>
             <a:r>
-              <a:rPr lang="de-DE" sz="7200" dirty="0" smtClean="0"/>
-              <a:t>Datenbanksysteme</a:t>
-            </a:r>
-            <a:endParaRPr lang="de-DE" sz="7200" dirty="0"/>
-          </a:p>
-        </p:txBody>
-      </p:sp>
-      <p:sp>
-        <p:nvSpPr>
-          <p:cNvPr id="3" name="Untertitel 2"/>
-          <p:cNvSpPr>
-            <a:spLocks noGrp="1"/>
-          </p:cNvSpPr>
-          <p:nvPr>
-            <p:ph type="subTitle" idx="1"/>
-          </p:nvPr>
+              <a:rPr lang="de-DE" smtClean="0"/>
+              <a:t>Jan Auer, Manuel Gerding, Philip Schäfer</a:t>
+            </a:r>
+            <a:endParaRPr lang="en-US"/>
+          </a:p>
+        </p:txBody>
+      </p:sp>
+      <p:sp>
+        <p:nvSpPr>
+          <p:cNvPr id="5" name="Textplatzhalter 4"/>
+          <p:cNvSpPr>
+            <a:spLocks noGrp="1"/>
+          </p:cNvSpPr>
+          <p:nvPr>
+            <p:ph type="body" sz="quarter" idx="13"/>
+          </p:nvPr>
+        </p:nvSpPr>
+        <p:spPr/>
+        <p:txBody>
+          <a:bodyPr/>
+          <a:lstStyle/>
+          <a:p>
+            <a:endParaRPr lang="de-DE"/>
+          </a:p>
+        </p:txBody>
+      </p:sp>
+      <p:sp>
+        <p:nvSpPr>
+          <p:cNvPr id="6" name="Rechteck 5"/>
+          <p:cNvSpPr/>
+          <p:nvPr/>
         </p:nvSpPr>
         <p:spPr>
           <a:xfrm>
-            <a:off x="762000" y="4287876"/>
-            <a:ext cx="6858000" cy="990600"/>
-          </a:xfrm>
-        </p:spPr>
-        <p:txBody>
-          <a:bodyPr>
-            <a:normAutofit lnSpcReduction="10000"/>
-          </a:bodyPr>
-          <a:lstStyle/>
-          <a:p>
-            <a:r>
-              <a:rPr lang="de-DE" dirty="0" smtClean="0"/>
-              <a:t>Technische Universität München,</a:t>
-            </a:r>
-          </a:p>
-          <a:p>
-            <a:r>
-              <a:rPr lang="de-DE" dirty="0" smtClean="0"/>
-              <a:t>Elitestudiengang Software-Engineering</a:t>
-            </a:r>
-          </a:p>
-        </p:txBody>
-      </p:sp>
-      <p:pic>
-        <p:nvPicPr>
-          <p:cNvPr id="4" name="Bild 3"/>
-          <p:cNvPicPr>
-            <a:picLocks noChangeAspect="1"/>
-          </p:cNvPicPr>
-          <p:nvPr/>
-        </p:nvPicPr>
-        <p:blipFill>
-          <a:blip r:embed="rId2"/>
-          <a:stretch>
-            <a:fillRect/>
-          </a:stretch>
-        </p:blipFill>
-        <p:spPr>
-          <a:xfrm>
-            <a:off x="760938" y="575427"/>
-            <a:ext cx="1859978" cy="1739626"/>
+            <a:off x="-99073" y="-117096"/>
+            <a:ext cx="9366914" cy="7277969"/>
           </a:xfrm>
           <a:prstGeom prst="rect">
             <a:avLst/>
           </a:prstGeom>
+          <a:solidFill>
+            <a:schemeClr val="tx1"/>
+          </a:solidFill>
+          <a:ln>
+            <a:solidFill>
+              <a:schemeClr val="tx1"/>
+            </a:solidFill>
+          </a:ln>
         </p:spPr>
-      </p:pic>
-      <p:sp>
-        <p:nvSpPr>
-          <p:cNvPr id="5" name="Titel 1"/>
-          <p:cNvSpPr txBox="1">
-            <a:spLocks/>
-          </p:cNvSpPr>
-          <p:nvPr/>
-        </p:nvSpPr>
-        <p:spPr>
-          <a:xfrm>
-            <a:off x="2749902" y="615112"/>
-            <a:ext cx="5635274" cy="1769388"/>
-          </a:xfrm>
-          <a:prstGeom prst="rect">
-            <a:avLst/>
-          </a:prstGeom>
-        </p:spPr>
-        <p:txBody>
-          <a:bodyPr vert="horz" lIns="91440" tIns="45720" rIns="91440" bIns="45720" rtlCol="0" anchor="b" anchorCtr="0">
-            <a:noAutofit/>
-          </a:bodyPr>
-          <a:lstStyle>
-            <a:lvl1pPr algn="l" defTabSz="914400" rtl="0" eaLnBrk="1" latinLnBrk="0" hangingPunct="1">
-              <a:spcBef>
-                <a:spcPct val="0"/>
-              </a:spcBef>
-              <a:buNone/>
-              <a:defRPr sz="8000" kern="1200">
-                <a:solidFill>
-                  <a:schemeClr val="tx1">
-                    <a:lumMod val="85000"/>
-                    <a:lumOff val="15000"/>
-                  </a:schemeClr>
-                </a:solidFill>
-                <a:latin typeface="+mj-lt"/>
-                <a:ea typeface="+mj-ea"/>
-                <a:cs typeface="+mj-cs"/>
-              </a:defRPr>
-            </a:lvl1pPr>
-            <a:lvl2pPr eaLnBrk="1" hangingPunct="1">
-              <a:defRPr>
-                <a:solidFill>
-                  <a:schemeClr val="tx2"/>
-                </a:solidFill>
-              </a:defRPr>
-            </a:lvl2pPr>
-            <a:lvl3pPr eaLnBrk="1" hangingPunct="1">
-              <a:defRPr>
-                <a:solidFill>
-                  <a:schemeClr val="tx2"/>
-                </a:solidFill>
-              </a:defRPr>
-            </a:lvl3pPr>
-            <a:lvl4pPr eaLnBrk="1" hangingPunct="1">
-              <a:defRPr>
-                <a:solidFill>
-                  <a:schemeClr val="tx2"/>
-                </a:solidFill>
-              </a:defRPr>
-            </a:lvl4pPr>
-            <a:lvl5pPr eaLnBrk="1" hangingPunct="1">
-              <a:defRPr>
-                <a:solidFill>
-                  <a:schemeClr val="tx2"/>
-                </a:solidFill>
-              </a:defRPr>
-            </a:lvl5pPr>
-            <a:lvl6pPr eaLnBrk="1" hangingPunct="1">
-              <a:defRPr>
-                <a:solidFill>
-                  <a:schemeClr val="tx2"/>
-                </a:solidFill>
-              </a:defRPr>
-            </a:lvl6pPr>
-            <a:lvl7pPr eaLnBrk="1" hangingPunct="1">
-              <a:defRPr>
-                <a:solidFill>
-                  <a:schemeClr val="tx2"/>
-                </a:solidFill>
-              </a:defRPr>
-            </a:lvl7pPr>
-            <a:lvl8pPr eaLnBrk="1" hangingPunct="1">
-              <a:defRPr>
-                <a:solidFill>
-                  <a:schemeClr val="tx2"/>
-                </a:solidFill>
-              </a:defRPr>
-            </a:lvl8pPr>
-            <a:lvl9pPr eaLnBrk="1" hangingPunct="1">
-              <a:defRPr>
-                <a:solidFill>
-                  <a:schemeClr val="tx2"/>
-                </a:solidFill>
-              </a:defRPr>
-            </a:lvl9pPr>
-          </a:lstStyle>
-          <a:p>
-            <a:r>
-              <a:rPr lang="de-DE" sz="5400" dirty="0" smtClean="0">
-                <a:solidFill>
-                  <a:schemeClr val="bg1"/>
-                </a:solidFill>
-              </a:rPr>
-              <a:t>Wahlinformations-system</a:t>
-            </a:r>
-            <a:endParaRPr lang="de-DE" sz="5400" dirty="0">
-              <a:solidFill>
-                <a:schemeClr val="bg1"/>
-              </a:solidFill>
-            </a:endParaRPr>
-          </a:p>
-        </p:txBody>
-      </p:sp>
-      <p:sp>
-        <p:nvSpPr>
-          <p:cNvPr id="7" name="Fußzeilenplatzhalter 6"/>
-          <p:cNvSpPr>
-            <a:spLocks noGrp="1"/>
-          </p:cNvSpPr>
-          <p:nvPr>
-            <p:ph type="ftr" sz="quarter" idx="11"/>
-          </p:nvPr>
-        </p:nvSpPr>
-        <p:spPr/>
-        <p:txBody>
-          <a:bodyPr/>
+        <p:style>
+          <a:lnRef idx="1">
+            <a:schemeClr val="accent1"/>
+          </a:lnRef>
+          <a:fillRef idx="3">
+            <a:schemeClr val="accent1"/>
+          </a:fillRef>
+          <a:effectRef idx="2">
+            <a:schemeClr val="accent1"/>
+          </a:effectRef>
+          <a:fontRef idx="minor">
+            <a:schemeClr val="lt1"/>
+          </a:fontRef>
+        </p:style>
+        <p:txBody>
+          <a:bodyPr rtlCol="0" anchor="ctr"/>
           <a:lstStyle/>
           <a:p>
-            <a:r>
-              <a:rPr lang="de-DE" smtClean="0"/>
-              <a:t>Jan Auer, Manuel Gerding, Philip Schäfer</a:t>
-            </a:r>
-            <a:endParaRPr lang="en-US"/>
+            <a:pPr algn="ctr"/>
+            <a:endParaRPr lang="de-DE"/>
           </a:p>
         </p:txBody>
       </p:sp>
     </p:spTree>
     <p:extLst>
       <p:ext uri="{BB962C8B-B14F-4D97-AF65-F5344CB8AC3E}">
-        <p14:creationId xmlns:p14="http://schemas.microsoft.com/office/powerpoint/2010/main" val="674316842"/>
+        <p14:creationId xmlns:p14="http://schemas.microsoft.com/office/powerpoint/2010/main" val="2161457405"/>
       </p:ext>
     </p:extLst>
   </p:cSld>
@@ -5235,202 +5108,128 @@
       </p:grpSpPr>
       <p:sp>
         <p:nvSpPr>
-          <p:cNvPr id="3" name="Inhaltsplatzhalter 2"/>
-          <p:cNvSpPr>
-            <a:spLocks noGrp="1"/>
-          </p:cNvSpPr>
-          <p:nvPr>
-            <p:ph idx="1"/>
+          <p:cNvPr id="2" name="Titel 1"/>
+          <p:cNvSpPr>
+            <a:spLocks noGrp="1"/>
+          </p:cNvSpPr>
+          <p:nvPr>
+            <p:ph type="ctrTitle"/>
           </p:nvPr>
         </p:nvSpPr>
         <p:spPr>
           <a:xfrm>
-            <a:off x="762000" y="1033035"/>
-            <a:ext cx="7543800" cy="3886200"/>
+            <a:off x="762000" y="3123704"/>
+            <a:ext cx="7543800" cy="957101"/>
           </a:xfrm>
         </p:spPr>
         <p:txBody>
-          <a:bodyPr anchor="t" anchorCtr="0">
-            <a:normAutofit/>
+          <a:bodyPr/>
+          <a:lstStyle/>
+          <a:p>
+            <a:r>
+              <a:rPr lang="de-DE" sz="4400" dirty="0" smtClean="0"/>
+              <a:t>Projekt, </a:t>
+            </a:r>
+            <a:r>
+              <a:rPr lang="de-DE" sz="4400" dirty="0" smtClean="0"/>
+              <a:t>Datenbanksysteme</a:t>
+            </a:r>
+            <a:endParaRPr lang="de-DE" sz="7200" dirty="0"/>
+          </a:p>
+        </p:txBody>
+      </p:sp>
+      <p:sp>
+        <p:nvSpPr>
+          <p:cNvPr id="3" name="Untertitel 2"/>
+          <p:cNvSpPr>
+            <a:spLocks noGrp="1"/>
+          </p:cNvSpPr>
+          <p:nvPr>
+            <p:ph type="subTitle" idx="1"/>
+          </p:nvPr>
+        </p:nvSpPr>
+        <p:spPr>
+          <a:xfrm>
+            <a:off x="762000" y="4001974"/>
+            <a:ext cx="6858000" cy="990600"/>
+          </a:xfrm>
+        </p:spPr>
+        <p:txBody>
+          <a:bodyPr>
+            <a:normAutofit lnSpcReduction="10000"/>
           </a:bodyPr>
           <a:lstStyle/>
           <a:p>
-            <a:pPr>
-              <a:lnSpc>
-                <a:spcPct val="150000"/>
-              </a:lnSpc>
-            </a:pPr>
             <a:r>
               <a:rPr lang="de-DE" dirty="0" smtClean="0"/>
-              <a:t>Technologien </a:t>
-            </a:r>
+              <a:t>Technische Universität München,</a:t>
+            </a:r>
+          </a:p>
+          <a:p>
             <a:r>
               <a:rPr lang="de-DE" dirty="0" smtClean="0"/>
-              <a:t>&amp; Architektur</a:t>
-            </a:r>
-          </a:p>
-          <a:p>
-            <a:pPr>
-              <a:lnSpc>
-                <a:spcPct val="150000"/>
-              </a:lnSpc>
-            </a:pPr>
-            <a:r>
-              <a:rPr lang="de-DE" dirty="0" smtClean="0"/>
-              <a:t>Sitzverteilungsalgorithmus</a:t>
-            </a:r>
-          </a:p>
-          <a:p>
-            <a:pPr>
-              <a:lnSpc>
-                <a:spcPct val="150000"/>
-              </a:lnSpc>
-            </a:pPr>
-            <a:r>
-              <a:rPr lang="de-DE" dirty="0"/>
-              <a:t>Leistungsfähigkeit</a:t>
-            </a:r>
-          </a:p>
-          <a:p>
-            <a:pPr>
-              <a:lnSpc>
-                <a:spcPct val="150000"/>
-              </a:lnSpc>
-            </a:pPr>
-            <a:r>
-              <a:rPr lang="de-DE" dirty="0" smtClean="0"/>
-              <a:t>Demo</a:t>
-            </a:r>
-            <a:endParaRPr lang="de-DE" dirty="0" smtClean="0"/>
-          </a:p>
-          <a:p>
-            <a:pPr marL="0" indent="0">
-              <a:lnSpc>
-                <a:spcPct val="150000"/>
-              </a:lnSpc>
-              <a:buNone/>
-            </a:pPr>
-            <a:endParaRPr lang="de-DE" dirty="0" smtClean="0"/>
-          </a:p>
-          <a:p>
-            <a:pPr>
-              <a:lnSpc>
-                <a:spcPct val="150000"/>
-              </a:lnSpc>
-            </a:pPr>
-            <a:endParaRPr lang="de-DE" dirty="0" smtClean="0"/>
-          </a:p>
-          <a:p>
-            <a:pPr>
-              <a:lnSpc>
-                <a:spcPct val="150000"/>
-              </a:lnSpc>
-            </a:pPr>
-            <a:endParaRPr lang="de-DE" dirty="0" smtClean="0"/>
-          </a:p>
-          <a:p>
-            <a:pPr>
-              <a:lnSpc>
-                <a:spcPct val="150000"/>
-              </a:lnSpc>
-            </a:pPr>
-            <a:endParaRPr lang="de-DE" dirty="0" smtClean="0"/>
-          </a:p>
-          <a:p>
-            <a:pPr>
-              <a:lnSpc>
-                <a:spcPct val="150000"/>
-              </a:lnSpc>
-            </a:pPr>
-            <a:endParaRPr lang="de-DE" dirty="0"/>
-          </a:p>
-        </p:txBody>
-      </p:sp>
-      <p:sp>
-        <p:nvSpPr>
-          <p:cNvPr id="4" name="Textplatzhalter 3"/>
-          <p:cNvSpPr>
-            <a:spLocks noGrp="1"/>
-          </p:cNvSpPr>
-          <p:nvPr>
-            <p:ph type="body" sz="quarter" idx="13"/>
-          </p:nvPr>
-        </p:nvSpPr>
-        <p:spPr>
-          <a:xfrm>
-            <a:off x="942662" y="389573"/>
-            <a:ext cx="3689350" cy="352425"/>
-          </a:xfrm>
-        </p:spPr>
+              <a:t>Elitestudiengang Software-Engineering</a:t>
+            </a:r>
+          </a:p>
+        </p:txBody>
+      </p:sp>
+      <p:sp>
+        <p:nvSpPr>
+          <p:cNvPr id="7" name="Fußzeilenplatzhalter 6"/>
+          <p:cNvSpPr>
+            <a:spLocks noGrp="1"/>
+          </p:cNvSpPr>
+          <p:nvPr>
+            <p:ph type="ftr" sz="quarter" idx="11"/>
+          </p:nvPr>
+        </p:nvSpPr>
+        <p:spPr/>
         <p:txBody>
           <a:bodyPr/>
           <a:lstStyle/>
           <a:p>
             <a:r>
               <a:rPr lang="de-DE" dirty="0" smtClean="0"/>
-              <a:t>Gliederung</a:t>
-            </a:r>
-            <a:endParaRPr lang="de-DE" dirty="0"/>
-          </a:p>
-        </p:txBody>
-      </p:sp>
-      <p:sp>
-        <p:nvSpPr>
-          <p:cNvPr id="5" name="Foliennummernplatzhalter 4"/>
-          <p:cNvSpPr>
-            <a:spLocks noGrp="1"/>
-          </p:cNvSpPr>
-          <p:nvPr>
-            <p:ph type="sldNum" sz="quarter" idx="12"/>
-          </p:nvPr>
-        </p:nvSpPr>
-        <p:spPr/>
-        <p:txBody>
-          <a:bodyPr/>
-          <a:lstStyle/>
-          <a:p>
-            <a:fld id="{BFEBEB0A-9E3D-4B14-9782-E2AE3DA60D96}" type="slidenum">
-              <a:rPr lang="en-US" smtClean="0"/>
-              <a:pPr/>
-              <a:t>2</a:t>
-            </a:fld>
-            <a:endParaRPr lang="en-US"/>
-          </a:p>
-        </p:txBody>
-      </p:sp>
-      <p:sp>
-        <p:nvSpPr>
-          <p:cNvPr id="6" name="Fußzeilenplatzhalter 5"/>
-          <p:cNvSpPr>
-            <a:spLocks noGrp="1"/>
-          </p:cNvSpPr>
-          <p:nvPr>
-            <p:ph type="ftr" sz="quarter" idx="11"/>
-          </p:nvPr>
-        </p:nvSpPr>
-        <p:spPr/>
-        <p:txBody>
-          <a:bodyPr/>
-          <a:lstStyle/>
-          <a:p>
-            <a:r>
-              <a:rPr lang="de-DE" smtClean="0"/>
-              <a:t>Jan Auer, Manuel Gerding, Philip Schäfer</a:t>
-            </a:r>
-            <a:endParaRPr lang="en-US"/>
+              <a:t>Jan Michael </a:t>
+            </a:r>
+            <a:r>
+              <a:rPr lang="de-DE" dirty="0" smtClean="0"/>
+              <a:t>Auer, Manuel </a:t>
+            </a:r>
+            <a:r>
+              <a:rPr lang="de-DE" dirty="0" err="1" smtClean="0"/>
+              <a:t>Gerding</a:t>
+            </a:r>
+            <a:r>
+              <a:rPr lang="de-DE" dirty="0" smtClean="0"/>
+              <a:t>, Philip Schäfer</a:t>
+            </a:r>
+            <a:endParaRPr lang="en-US" dirty="0"/>
           </a:p>
         </p:txBody>
       </p:sp>
     </p:spTree>
     <p:extLst>
       <p:ext uri="{BB962C8B-B14F-4D97-AF65-F5344CB8AC3E}">
-        <p14:creationId xmlns:p14="http://schemas.microsoft.com/office/powerpoint/2010/main" val="2431912478"/>
+        <p14:creationId xmlns:p14="http://schemas.microsoft.com/office/powerpoint/2010/main" val="674316842"/>
       </p:ext>
     </p:extLst>
   </p:cSld>
   <p:clrMapOvr>
     <a:masterClrMapping/>
   </p:clrMapOvr>
+  <mc:AlternateContent xmlns:mc="http://schemas.openxmlformats.org/markup-compatibility/2006">
+    <mc:Choice xmlns:p14="http://schemas.microsoft.com/office/powerpoint/2010/main" Requires="p14">
+      <p:transition spd="med" p14:dur="700">
+        <p:fade/>
+      </p:transition>
+    </mc:Choice>
+    <mc:Fallback>
+      <p:transition xmlns:p14="http://schemas.microsoft.com/office/powerpoint/2010/main" spd="med">
+        <p:fade/>
+      </p:transition>
+    </mc:Fallback>
+  </mc:AlternateContent>
   <p:timing>
     <p:tnLst>
       <p:par>
@@ -5460,6 +5259,126 @@
       </p:grpSpPr>
       <p:sp>
         <p:nvSpPr>
+          <p:cNvPr id="3" name="Inhaltsplatzhalter 2"/>
+          <p:cNvSpPr>
+            <a:spLocks noGrp="1"/>
+          </p:cNvSpPr>
+          <p:nvPr>
+            <p:ph idx="1"/>
+          </p:nvPr>
+        </p:nvSpPr>
+        <p:spPr>
+          <a:xfrm>
+            <a:off x="762000" y="1497724"/>
+            <a:ext cx="7543800" cy="3915103"/>
+          </a:xfrm>
+        </p:spPr>
+        <p:txBody>
+          <a:bodyPr anchor="t" anchorCtr="0">
+            <a:normAutofit/>
+          </a:bodyPr>
+          <a:lstStyle/>
+          <a:p>
+            <a:pPr>
+              <a:lnSpc>
+                <a:spcPct val="120000"/>
+              </a:lnSpc>
+              <a:spcBef>
+                <a:spcPts val="1800"/>
+              </a:spcBef>
+              <a:spcAft>
+                <a:spcPts val="1800"/>
+              </a:spcAft>
+            </a:pPr>
+            <a:r>
+              <a:rPr lang="de-DE" sz="2800" dirty="0" smtClean="0"/>
+              <a:t>Technologien &amp; Architektur</a:t>
+            </a:r>
+          </a:p>
+          <a:p>
+            <a:pPr>
+              <a:lnSpc>
+                <a:spcPct val="120000"/>
+              </a:lnSpc>
+              <a:spcBef>
+                <a:spcPts val="1800"/>
+              </a:spcBef>
+              <a:spcAft>
+                <a:spcPts val="1800"/>
+              </a:spcAft>
+            </a:pPr>
+            <a:r>
+              <a:rPr lang="de-DE" sz="2800" dirty="0" smtClean="0"/>
+              <a:t>Sitzverteilungsalgorithmus</a:t>
+            </a:r>
+          </a:p>
+          <a:p>
+            <a:pPr>
+              <a:lnSpc>
+                <a:spcPct val="120000"/>
+              </a:lnSpc>
+              <a:spcBef>
+                <a:spcPts val="1800"/>
+              </a:spcBef>
+              <a:spcAft>
+                <a:spcPts val="1800"/>
+              </a:spcAft>
+            </a:pPr>
+            <a:r>
+              <a:rPr lang="de-DE" sz="2800" dirty="0"/>
+              <a:t>Leistungsfähigkeit</a:t>
+            </a:r>
+          </a:p>
+          <a:p>
+            <a:pPr>
+              <a:lnSpc>
+                <a:spcPct val="120000"/>
+              </a:lnSpc>
+              <a:spcBef>
+                <a:spcPts val="1800"/>
+              </a:spcBef>
+              <a:spcAft>
+                <a:spcPts val="1800"/>
+              </a:spcAft>
+            </a:pPr>
+            <a:r>
+              <a:rPr lang="de-DE" sz="2800" dirty="0" smtClean="0"/>
+              <a:t>Demo</a:t>
+            </a:r>
+            <a:endParaRPr lang="de-DE" dirty="0" smtClean="0"/>
+          </a:p>
+        </p:txBody>
+      </p:sp>
+      <p:sp>
+        <p:nvSpPr>
+          <p:cNvPr id="4" name="Textplatzhalter 3"/>
+          <p:cNvSpPr>
+            <a:spLocks noGrp="1"/>
+          </p:cNvSpPr>
+          <p:nvPr>
+            <p:ph type="body" sz="quarter" idx="13"/>
+          </p:nvPr>
+        </p:nvSpPr>
+        <p:spPr>
+          <a:xfrm>
+            <a:off x="942662" y="389573"/>
+            <a:ext cx="3689350" cy="352425"/>
+          </a:xfrm>
+        </p:spPr>
+        <p:txBody>
+          <a:bodyPr/>
+          <a:lstStyle/>
+          <a:p>
+            <a:r>
+              <a:rPr lang="de-DE" dirty="0" smtClean="0"/>
+              <a:t>Gliederung</a:t>
+            </a:r>
+            <a:endParaRPr lang="de-DE" dirty="0"/>
+          </a:p>
+        </p:txBody>
+      </p:sp>
+      <p:sp>
+        <p:nvSpPr>
           <p:cNvPr id="5" name="Foliennummernplatzhalter 4"/>
           <p:cNvSpPr>
             <a:spLocks noGrp="1"/>
@@ -5505,227 +5424,28 @@
           </a:p>
         </p:txBody>
       </p:sp>
-      <p:sp>
-        <p:nvSpPr>
-          <p:cNvPr id="8" name="Textplatzhalter 3"/>
-          <p:cNvSpPr>
-            <a:spLocks noGrp="1"/>
-          </p:cNvSpPr>
-          <p:nvPr>
-            <p:ph type="body" sz="quarter" idx="13"/>
-          </p:nvPr>
-        </p:nvSpPr>
-        <p:spPr>
-          <a:xfrm>
-            <a:off x="942662" y="389573"/>
-            <a:ext cx="3689350" cy="352425"/>
-          </a:xfrm>
-        </p:spPr>
-        <p:txBody>
-          <a:bodyPr/>
-          <a:lstStyle/>
-          <a:p>
-            <a:r>
-              <a:rPr lang="de-DE" dirty="0" smtClean="0"/>
-              <a:t>Technologien &amp; Architektur</a:t>
-            </a:r>
-            <a:endParaRPr lang="de-DE" dirty="0"/>
-          </a:p>
-        </p:txBody>
-      </p:sp>
-      <p:sp>
-        <p:nvSpPr>
-          <p:cNvPr id="16" name="Textfeld 15"/>
-          <p:cNvSpPr txBox="1"/>
-          <p:nvPr/>
-        </p:nvSpPr>
-        <p:spPr>
-          <a:xfrm>
-            <a:off x="161906" y="1160774"/>
-            <a:ext cx="829226" cy="369332"/>
-          </a:xfrm>
-          <a:prstGeom prst="rect">
-            <a:avLst/>
-          </a:prstGeom>
-          <a:noFill/>
-        </p:spPr>
-        <p:txBody>
-          <a:bodyPr wrap="none" rtlCol="0">
-            <a:spAutoFit/>
-          </a:bodyPr>
-          <a:lstStyle/>
-          <a:p>
-            <a:r>
-              <a:rPr lang="de-DE" i="1" dirty="0" smtClean="0">
-                <a:latin typeface="Arial"/>
-                <a:cs typeface="Arial"/>
-              </a:rPr>
-              <a:t>Client</a:t>
-            </a:r>
-            <a:endParaRPr lang="de-DE" i="1" dirty="0">
-              <a:latin typeface="Arial"/>
-              <a:cs typeface="Arial"/>
-            </a:endParaRPr>
-          </a:p>
-        </p:txBody>
-      </p:sp>
-      <p:sp>
-        <p:nvSpPr>
-          <p:cNvPr id="17" name="Textfeld 16"/>
-          <p:cNvSpPr txBox="1"/>
-          <p:nvPr/>
-        </p:nvSpPr>
-        <p:spPr>
-          <a:xfrm>
-            <a:off x="46424" y="3337088"/>
-            <a:ext cx="918944" cy="369332"/>
-          </a:xfrm>
-          <a:prstGeom prst="rect">
-            <a:avLst/>
-          </a:prstGeom>
-          <a:noFill/>
-        </p:spPr>
-        <p:txBody>
-          <a:bodyPr wrap="none" rtlCol="0">
-            <a:spAutoFit/>
-          </a:bodyPr>
-          <a:lstStyle/>
-          <a:p>
-            <a:r>
-              <a:rPr lang="de-DE" i="1" dirty="0" smtClean="0">
-                <a:latin typeface="Arial"/>
-                <a:cs typeface="Arial"/>
-              </a:rPr>
-              <a:t>Server</a:t>
-            </a:r>
-            <a:endParaRPr lang="de-DE" i="1" dirty="0">
-              <a:latin typeface="Arial"/>
-              <a:cs typeface="Arial"/>
-            </a:endParaRPr>
-          </a:p>
-        </p:txBody>
-      </p:sp>
-      <p:sp>
-        <p:nvSpPr>
-          <p:cNvPr id="18" name="Textfeld 17"/>
-          <p:cNvSpPr txBox="1"/>
-          <p:nvPr/>
-        </p:nvSpPr>
-        <p:spPr>
-          <a:xfrm>
-            <a:off x="59313" y="5336734"/>
-            <a:ext cx="931906" cy="646331"/>
-          </a:xfrm>
-          <a:prstGeom prst="rect">
-            <a:avLst/>
-          </a:prstGeom>
-          <a:noFill/>
-        </p:spPr>
-        <p:txBody>
-          <a:bodyPr wrap="none" rtlCol="0">
-            <a:spAutoFit/>
-          </a:bodyPr>
-          <a:lstStyle/>
-          <a:p>
-            <a:r>
-              <a:rPr lang="de-DE" i="1" dirty="0" smtClean="0">
-                <a:latin typeface="Arial"/>
-                <a:cs typeface="Arial"/>
-              </a:rPr>
-              <a:t>Daten-</a:t>
-            </a:r>
-          </a:p>
-          <a:p>
-            <a:r>
-              <a:rPr lang="de-DE" i="1" dirty="0" err="1" smtClean="0">
-                <a:latin typeface="Arial"/>
-                <a:cs typeface="Arial"/>
-              </a:rPr>
-              <a:t>bank</a:t>
-            </a:r>
-            <a:endParaRPr lang="de-DE" i="1" dirty="0">
-              <a:latin typeface="Arial"/>
-              <a:cs typeface="Arial"/>
-            </a:endParaRPr>
-          </a:p>
-        </p:txBody>
-      </p:sp>
-      <p:sp>
-        <p:nvSpPr>
-          <p:cNvPr id="19" name="Textfeld 18"/>
-          <p:cNvSpPr txBox="1"/>
-          <p:nvPr/>
-        </p:nvSpPr>
-        <p:spPr>
-          <a:xfrm>
-            <a:off x="7912126" y="4970742"/>
-            <a:ext cx="1098493" cy="369332"/>
-          </a:xfrm>
-          <a:prstGeom prst="rect">
-            <a:avLst/>
-          </a:prstGeom>
-          <a:noFill/>
-        </p:spPr>
-        <p:txBody>
-          <a:bodyPr wrap="none" rtlCol="0">
-            <a:spAutoFit/>
-          </a:bodyPr>
-          <a:lstStyle/>
-          <a:p>
-            <a:r>
-              <a:rPr lang="de-DE" i="1" dirty="0" err="1" smtClean="0">
-                <a:latin typeface="Arial"/>
-                <a:cs typeface="Arial"/>
-              </a:rPr>
-              <a:t>Importer</a:t>
-            </a:r>
-            <a:endParaRPr lang="de-DE" i="1" dirty="0">
-              <a:latin typeface="Arial"/>
-              <a:cs typeface="Arial"/>
-            </a:endParaRPr>
-          </a:p>
-        </p:txBody>
-      </p:sp>
-      <p:pic>
-        <p:nvPicPr>
-          <p:cNvPr id="21" name="Bild 20" descr="architektur copy.png"/>
-          <p:cNvPicPr>
-            <a:picLocks noChangeAspect="1"/>
-          </p:cNvPicPr>
-          <p:nvPr/>
-        </p:nvPicPr>
-        <p:blipFill>
-          <a:blip r:embed="rId3" cstate="print">
-            <a:extLst>
-              <a:ext uri="{28A0092B-C50C-407E-A947-70E740481C1C}">
-                <a14:useLocalDpi xmlns:a14="http://schemas.microsoft.com/office/drawing/2010/main" val="0"/>
-              </a:ext>
-            </a:extLst>
-          </a:blip>
-          <a:stretch>
-            <a:fillRect/>
-          </a:stretch>
-        </p:blipFill>
-        <p:spPr>
-          <a:xfrm>
-            <a:off x="945524" y="950339"/>
-            <a:ext cx="8033537" cy="4788271"/>
-          </a:xfrm>
-          <a:prstGeom prst="rect">
-            <a:avLst/>
-          </a:prstGeom>
-        </p:spPr>
-      </p:pic>
     </p:spTree>
     <p:extLst>
       <p:ext uri="{BB962C8B-B14F-4D97-AF65-F5344CB8AC3E}">
-        <p14:creationId xmlns:p14="http://schemas.microsoft.com/office/powerpoint/2010/main" val="811630741"/>
+        <p14:creationId xmlns:p14="http://schemas.microsoft.com/office/powerpoint/2010/main" val="2431912478"/>
       </p:ext>
     </p:extLst>
   </p:cSld>
   <p:clrMapOvr>
     <a:masterClrMapping/>
   </p:clrMapOvr>
+  <mc:AlternateContent xmlns:mc="http://schemas.openxmlformats.org/markup-compatibility/2006">
+    <mc:Choice xmlns:p14="http://schemas.microsoft.com/office/powerpoint/2010/main" Requires="p14">
+      <p:transition spd="med" p14:dur="700">
+        <p:fade/>
+      </p:transition>
+    </mc:Choice>
+    <mc:Fallback>
+      <p:transition xmlns:p14="http://schemas.microsoft.com/office/powerpoint/2010/main" spd="med">
+        <p:fade/>
+      </p:transition>
+    </mc:Fallback>
+  </mc:AlternateContent>
   <p:timing>
     <p:tnLst>
       <p:par>
@@ -5753,121 +5473,86 @@
           <a:chExt cx="0" cy="0"/>
         </a:xfrm>
       </p:grpSpPr>
-      <p:sp>
-        <p:nvSpPr>
-          <p:cNvPr id="3" name="Inhaltsplatzhalter 2"/>
-          <p:cNvSpPr>
-            <a:spLocks noGrp="1"/>
-          </p:cNvSpPr>
-          <p:nvPr>
-            <p:ph idx="1"/>
-          </p:nvPr>
-        </p:nvSpPr>
+      <p:pic>
+        <p:nvPicPr>
+          <p:cNvPr id="21" name="Bild 20" descr="architektur copy.png"/>
+          <p:cNvPicPr>
+            <a:picLocks noChangeAspect="1"/>
+          </p:cNvPicPr>
+          <p:nvPr/>
+        </p:nvPicPr>
+        <p:blipFill>
+          <a:blip r:embed="rId3" cstate="print">
+            <a:extLst>
+              <a:ext uri="{28A0092B-C50C-407E-A947-70E740481C1C}">
+                <a14:useLocalDpi xmlns:a14="http://schemas.microsoft.com/office/drawing/2010/main" val="0"/>
+              </a:ext>
+            </a:extLst>
+          </a:blip>
+          <a:stretch>
+            <a:fillRect/>
+          </a:stretch>
+        </p:blipFill>
         <p:spPr>
           <a:xfrm>
-            <a:off x="762000" y="1033035"/>
-            <a:ext cx="7543800" cy="3886200"/>
+            <a:off x="792937" y="1176545"/>
+            <a:ext cx="7558127" cy="4504910"/>
           </a:xfrm>
+          <a:prstGeom prst="rect">
+            <a:avLst/>
+          </a:prstGeom>
         </p:spPr>
-        <p:txBody>
-          <a:bodyPr anchor="t" anchorCtr="0">
-            <a:normAutofit fontScale="92500"/>
-          </a:bodyPr>
+      </p:pic>
+      <p:sp>
+        <p:nvSpPr>
+          <p:cNvPr id="5" name="Foliennummernplatzhalter 4"/>
+          <p:cNvSpPr>
+            <a:spLocks noGrp="1"/>
+          </p:cNvSpPr>
+          <p:nvPr>
+            <p:ph type="sldNum" sz="quarter" idx="12"/>
+          </p:nvPr>
+        </p:nvSpPr>
+        <p:spPr/>
+        <p:txBody>
+          <a:bodyPr/>
           <a:lstStyle/>
           <a:p>
-            <a:r>
-              <a:rPr lang="de-DE" dirty="0" smtClean="0"/>
-              <a:t>Wie </a:t>
-            </a:r>
-            <a:r>
-              <a:rPr lang="de-DE" dirty="0"/>
-              <a:t>viele Sitze stehen einem Bundesland zu</a:t>
-            </a:r>
-            <a:r>
-              <a:rPr lang="de-DE" dirty="0" smtClean="0"/>
-              <a:t>?</a:t>
-            </a:r>
-          </a:p>
-          <a:p>
-            <a:r>
-              <a:rPr lang="de-DE" dirty="0" smtClean="0"/>
-              <a:t>Wie </a:t>
-            </a:r>
-            <a:r>
-              <a:rPr lang="de-DE" dirty="0"/>
-              <a:t>verteilt sich das Sitzkontingent eines Bundeslandes auf die zu berücksichtigenden Parteien, die in diesem Bundesland mit einer Landesliste angetreten sind</a:t>
-            </a:r>
-            <a:r>
-              <a:rPr lang="de-DE" dirty="0" smtClean="0"/>
-              <a:t>?</a:t>
-            </a:r>
-            <a:endParaRPr lang="de-DE" dirty="0"/>
-          </a:p>
-          <a:p>
-            <a:r>
-              <a:rPr lang="de-DE" dirty="0"/>
-              <a:t>Wie viele Sitze bekommt eine Partei nachdem Schritt 1 und 2 durchgeführt wurden</a:t>
-            </a:r>
-            <a:r>
-              <a:rPr lang="de-DE" dirty="0" smtClean="0"/>
-              <a:t>?</a:t>
-            </a:r>
-          </a:p>
-          <a:p>
-            <a:r>
-              <a:rPr lang="de-DE" dirty="0" smtClean="0"/>
-              <a:t>Wie </a:t>
-            </a:r>
-            <a:r>
-              <a:rPr lang="de-DE" dirty="0"/>
-              <a:t>viele Sitze müsste der Bundestag dann insgesamt haben, damit alle Parteien auch die für sie ermittelte Mindestsitzzahl erhalten? </a:t>
-            </a:r>
-            <a:endParaRPr lang="de-DE" dirty="0" smtClean="0"/>
-          </a:p>
-          <a:p>
-            <a:r>
-              <a:rPr lang="de-DE" dirty="0" smtClean="0"/>
-              <a:t>Wie </a:t>
-            </a:r>
-            <a:r>
-              <a:rPr lang="de-DE" dirty="0"/>
-              <a:t>viele Sitze einer Partei entfallen auf ihre Landeslisten</a:t>
-            </a:r>
-            <a:r>
-              <a:rPr lang="de-DE" dirty="0" smtClean="0"/>
-              <a:t>?</a:t>
-            </a:r>
-            <a:endParaRPr lang="de-DE" dirty="0" smtClean="0"/>
-          </a:p>
-          <a:p>
-            <a:pPr>
-              <a:lnSpc>
-                <a:spcPct val="150000"/>
-              </a:lnSpc>
-            </a:pPr>
-            <a:endParaRPr lang="de-DE" dirty="0" smtClean="0"/>
-          </a:p>
-          <a:p>
-            <a:pPr>
-              <a:lnSpc>
-                <a:spcPct val="150000"/>
-              </a:lnSpc>
-            </a:pPr>
-            <a:endParaRPr lang="de-DE" dirty="0" smtClean="0"/>
-          </a:p>
-          <a:p>
-            <a:pPr>
-              <a:lnSpc>
-                <a:spcPct val="150000"/>
-              </a:lnSpc>
-            </a:pPr>
-            <a:endParaRPr lang="de-DE" dirty="0"/>
-          </a:p>
-        </p:txBody>
-      </p:sp>
-      <p:sp>
-        <p:nvSpPr>
-          <p:cNvPr id="4" name="Textplatzhalter 3"/>
+            <a:fld id="{BFEBEB0A-9E3D-4B14-9782-E2AE3DA60D96}" type="slidenum">
+              <a:rPr lang="en-US" smtClean="0"/>
+              <a:pPr/>
+              <a:t>4</a:t>
+            </a:fld>
+            <a:endParaRPr lang="en-US"/>
+          </a:p>
+        </p:txBody>
+      </p:sp>
+      <p:sp>
+        <p:nvSpPr>
+          <p:cNvPr id="6" name="Fußzeilenplatzhalter 5"/>
+          <p:cNvSpPr>
+            <a:spLocks noGrp="1"/>
+          </p:cNvSpPr>
+          <p:nvPr>
+            <p:ph type="ftr" sz="quarter" idx="11"/>
+          </p:nvPr>
+        </p:nvSpPr>
+        <p:spPr/>
+        <p:txBody>
+          <a:bodyPr/>
+          <a:lstStyle/>
+          <a:p>
+            <a:r>
+              <a:rPr lang="de-DE" smtClean="0"/>
+              <a:t>Jan Auer, Manuel Gerding, Philip Schäfer</a:t>
+            </a:r>
+            <a:endParaRPr lang="en-US"/>
+          </a:p>
+        </p:txBody>
+      </p:sp>
+      <p:sp>
+        <p:nvSpPr>
+          <p:cNvPr id="8" name="Textplatzhalter 3"/>
           <p:cNvSpPr>
             <a:spLocks noGrp="1"/>
           </p:cNvSpPr>
@@ -5887,7 +5572,7 @@
           <a:p>
             <a:r>
               <a:rPr lang="de-DE" dirty="0" smtClean="0"/>
-              <a:t>Sitzverteilungsalgorithmus</a:t>
+              <a:t>Technologien &amp; Architektur</a:t>
             </a:r>
             <a:endParaRPr lang="de-DE" dirty="0"/>
           </a:p>
@@ -5895,68 +5580,91 @@
       </p:sp>
       <p:sp>
         <p:nvSpPr>
-          <p:cNvPr id="5" name="Foliennummernplatzhalter 4"/>
-          <p:cNvSpPr>
-            <a:spLocks noGrp="1"/>
-          </p:cNvSpPr>
-          <p:nvPr>
-            <p:ph type="sldNum" sz="quarter" idx="12"/>
-          </p:nvPr>
-        </p:nvSpPr>
-        <p:spPr/>
-        <p:txBody>
-          <a:bodyPr/>
-          <a:lstStyle/>
-          <a:p>
-            <a:fld id="{BFEBEB0A-9E3D-4B14-9782-E2AE3DA60D96}" type="slidenum">
-              <a:rPr lang="en-US" smtClean="0"/>
-              <a:pPr/>
-              <a:t>4</a:t>
-            </a:fld>
-            <a:endParaRPr lang="en-US"/>
-          </a:p>
-        </p:txBody>
-      </p:sp>
-      <p:sp>
-        <p:nvSpPr>
-          <p:cNvPr id="6" name="Fußzeilenplatzhalter 5"/>
-          <p:cNvSpPr>
-            <a:spLocks noGrp="1"/>
-          </p:cNvSpPr>
-          <p:nvPr>
-            <p:ph type="ftr" sz="quarter" idx="11"/>
-          </p:nvPr>
-        </p:nvSpPr>
-        <p:spPr/>
-        <p:txBody>
-          <a:bodyPr/>
-          <a:lstStyle/>
-          <a:p>
-            <a:r>
-              <a:rPr lang="de-DE" smtClean="0"/>
-              <a:t>Jan Auer, Manuel Gerding, Philip Schäfer</a:t>
-            </a:r>
-            <a:endParaRPr lang="en-US"/>
-          </a:p>
-        </p:txBody>
-      </p:sp>
-      <p:sp>
-        <p:nvSpPr>
-          <p:cNvPr id="2" name="Textfeld 1"/>
+          <p:cNvPr id="16" name="Textfeld 15"/>
           <p:cNvSpPr txBox="1"/>
           <p:nvPr/>
         </p:nvSpPr>
         <p:spPr>
           <a:xfrm>
-            <a:off x="523864" y="4731448"/>
-            <a:ext cx="8309638" cy="1477328"/>
+            <a:off x="2509217" y="804511"/>
+            <a:ext cx="825880" cy="369332"/>
           </a:xfrm>
           <a:prstGeom prst="rect">
             <a:avLst/>
           </a:prstGeom>
-          <a:solidFill>
-            <a:srgbClr val="F5F5F5"/>
-          </a:solidFill>
+          <a:noFill/>
+        </p:spPr>
+        <p:txBody>
+          <a:bodyPr wrap="none" rtlCol="0">
+            <a:spAutoFit/>
+          </a:bodyPr>
+          <a:lstStyle/>
+          <a:p>
+            <a:r>
+              <a:rPr lang="de-DE" b="1" dirty="0" smtClean="0">
+                <a:latin typeface="Arial"/>
+                <a:cs typeface="Arial"/>
+              </a:rPr>
+              <a:t>Client</a:t>
+            </a:r>
+            <a:endParaRPr lang="de-DE" b="1" dirty="0">
+              <a:latin typeface="Arial"/>
+              <a:cs typeface="Arial"/>
+            </a:endParaRPr>
+          </a:p>
+        </p:txBody>
+      </p:sp>
+      <p:sp>
+        <p:nvSpPr>
+          <p:cNvPr id="17" name="Textfeld 16"/>
+          <p:cNvSpPr txBox="1"/>
+          <p:nvPr/>
+        </p:nvSpPr>
+        <p:spPr>
+          <a:xfrm>
+            <a:off x="300334" y="3000431"/>
+            <a:ext cx="461665" cy="811092"/>
+          </a:xfrm>
+          <a:prstGeom prst="rect">
+            <a:avLst/>
+          </a:prstGeom>
+          <a:noFill/>
+        </p:spPr>
+        <p:txBody>
+          <a:bodyPr vert="vert270" wrap="none" rtlCol="0">
+            <a:spAutoFit/>
+          </a:bodyPr>
+          <a:lstStyle/>
+          <a:p>
+            <a:r>
+              <a:rPr lang="de-DE" b="1" dirty="0" smtClean="0">
+                <a:latin typeface="Arial"/>
+                <a:cs typeface="Arial"/>
+              </a:rPr>
+              <a:t>Server</a:t>
+            </a:r>
+            <a:endParaRPr lang="de-DE" b="1" dirty="0">
+              <a:latin typeface="Arial"/>
+              <a:cs typeface="Arial"/>
+            </a:endParaRPr>
+          </a:p>
+        </p:txBody>
+      </p:sp>
+      <p:sp>
+        <p:nvSpPr>
+          <p:cNvPr id="18" name="Textfeld 17"/>
+          <p:cNvSpPr txBox="1"/>
+          <p:nvPr/>
+        </p:nvSpPr>
+        <p:spPr>
+          <a:xfrm>
+            <a:off x="2205174" y="5652240"/>
+            <a:ext cx="1420895" cy="369332"/>
+          </a:xfrm>
+          <a:prstGeom prst="rect">
+            <a:avLst/>
+          </a:prstGeom>
+          <a:noFill/>
         </p:spPr>
         <p:txBody>
           <a:bodyPr wrap="square" rtlCol="0">
@@ -5965,164 +5673,68 @@
           <a:lstStyle/>
           <a:p>
             <a:r>
-              <a:rPr lang="de-DE" dirty="0">
-                <a:latin typeface="Menlo Regular"/>
-                <a:cs typeface="Menlo Regular"/>
+              <a:rPr lang="de-DE" b="1" dirty="0" smtClean="0">
+                <a:latin typeface="Arial"/>
+                <a:cs typeface="Arial"/>
               </a:rPr>
-              <a:t> WITH </a:t>
-            </a:r>
-            <a:r>
-              <a:rPr lang="de-DE" dirty="0" err="1">
-                <a:latin typeface="Menlo Regular"/>
-                <a:cs typeface="Menlo Regular"/>
+              <a:t>Datenbank</a:t>
+            </a:r>
+            <a:endParaRPr lang="de-DE" b="1" dirty="0">
+              <a:latin typeface="Arial"/>
+              <a:cs typeface="Arial"/>
+            </a:endParaRPr>
+          </a:p>
+        </p:txBody>
+      </p:sp>
+      <p:sp>
+        <p:nvSpPr>
+          <p:cNvPr id="19" name="Textfeld 18"/>
+          <p:cNvSpPr txBox="1"/>
+          <p:nvPr/>
+        </p:nvSpPr>
+        <p:spPr>
+          <a:xfrm>
+            <a:off x="6276266" y="2120034"/>
+            <a:ext cx="1120957" cy="369332"/>
+          </a:xfrm>
+          <a:prstGeom prst="rect">
+            <a:avLst/>
+          </a:prstGeom>
+          <a:noFill/>
+        </p:spPr>
+        <p:txBody>
+          <a:bodyPr wrap="none" rtlCol="0">
+            <a:spAutoFit/>
+          </a:bodyPr>
+          <a:lstStyle/>
+          <a:p>
+            <a:r>
+              <a:rPr lang="de-DE" b="1" dirty="0" err="1" smtClean="0">
+                <a:latin typeface="Arial"/>
+                <a:cs typeface="Arial"/>
               </a:rPr>
-              <a:t>highest</a:t>
-            </a:r>
-            <a:r>
-              <a:rPr lang="de-DE" dirty="0">
-                <a:latin typeface="Menlo Regular"/>
-                <a:cs typeface="Menlo Regular"/>
-              </a:rPr>
-              <a:t> (</a:t>
-            </a:r>
-            <a:r>
-              <a:rPr lang="de-DE" dirty="0" err="1">
-                <a:latin typeface="Menlo Regular"/>
-                <a:cs typeface="Menlo Regular"/>
-              </a:rPr>
-              <a:t>state_id</a:t>
-            </a:r>
-            <a:r>
-              <a:rPr lang="de-DE" dirty="0">
-                <a:latin typeface="Menlo Regular"/>
-                <a:cs typeface="Menlo Regular"/>
-              </a:rPr>
-              <a:t>, rank) AS (</a:t>
-            </a:r>
-          </a:p>
-          <a:p>
-            <a:r>
-              <a:rPr lang="de-DE" dirty="0">
-                <a:latin typeface="Menlo Regular"/>
-                <a:cs typeface="Menlo Regular"/>
-              </a:rPr>
-              <a:t>        SELECT </a:t>
-            </a:r>
-            <a:r>
-              <a:rPr lang="de-DE" dirty="0" err="1">
-                <a:latin typeface="Menlo Regular"/>
-                <a:cs typeface="Menlo Regular"/>
-              </a:rPr>
-              <a:t>state_id</a:t>
-            </a:r>
-            <a:r>
-              <a:rPr lang="de-DE" dirty="0">
-                <a:latin typeface="Menlo Regular"/>
-                <a:cs typeface="Menlo Regular"/>
-              </a:rPr>
-              <a:t>, </a:t>
-            </a:r>
-            <a:r>
-              <a:rPr lang="de-DE" dirty="0" err="1">
-                <a:latin typeface="Menlo Regular"/>
-                <a:cs typeface="Menlo Regular"/>
-              </a:rPr>
-              <a:t>row_number</a:t>
-            </a:r>
-            <a:r>
-              <a:rPr lang="de-DE" dirty="0">
-                <a:latin typeface="Menlo Regular"/>
-                <a:cs typeface="Menlo Regular"/>
-              </a:rPr>
-              <a:t>() OVER (PARTITION BY </a:t>
-            </a:r>
-            <a:r>
-              <a:rPr lang="de-DE" dirty="0" err="1">
-                <a:latin typeface="Menlo Regular"/>
-                <a:cs typeface="Menlo Regular"/>
-              </a:rPr>
-              <a:t>election_id</a:t>
-            </a:r>
-            <a:r>
-              <a:rPr lang="de-DE" dirty="0">
-                <a:latin typeface="Menlo Regular"/>
-                <a:cs typeface="Menlo Regular"/>
-              </a:rPr>
-              <a:t> ORDER BY </a:t>
-            </a:r>
-            <a:r>
-              <a:rPr lang="de-DE" dirty="0" err="1">
-                <a:latin typeface="Menlo Regular"/>
-                <a:cs typeface="Menlo Regular"/>
-              </a:rPr>
-              <a:t>population</a:t>
-            </a:r>
-            <a:r>
-              <a:rPr lang="de-DE" dirty="0">
-                <a:latin typeface="Menlo Regular"/>
-                <a:cs typeface="Menlo Regular"/>
-              </a:rPr>
-              <a:t> / (i - .5) DESC)</a:t>
-            </a:r>
-          </a:p>
-          <a:p>
-            <a:r>
-              <a:rPr lang="de-DE" dirty="0">
-                <a:latin typeface="Menlo Regular"/>
-                <a:cs typeface="Menlo Regular"/>
-              </a:rPr>
-              <a:t>        FROM </a:t>
-            </a:r>
-            <a:r>
-              <a:rPr lang="de-DE" dirty="0" err="1">
-                <a:latin typeface="Menlo Regular"/>
-                <a:cs typeface="Menlo Regular"/>
-              </a:rPr>
-              <a:t>state</a:t>
-            </a:r>
-            <a:r>
-              <a:rPr lang="de-DE" dirty="0">
-                <a:latin typeface="Menlo Regular"/>
-                <a:cs typeface="Menlo Regular"/>
-              </a:rPr>
-              <a:t>, </a:t>
-            </a:r>
-            <a:r>
-              <a:rPr lang="de-DE" dirty="0" err="1">
-                <a:latin typeface="Menlo Regular"/>
-                <a:cs typeface="Menlo Regular"/>
-              </a:rPr>
-              <a:t>generate_series</a:t>
-            </a:r>
-            <a:r>
-              <a:rPr lang="de-DE" dirty="0">
-                <a:latin typeface="Menlo Regular"/>
-                <a:cs typeface="Menlo Regular"/>
-              </a:rPr>
-              <a:t>(1, 598) i</a:t>
-            </a:r>
-          </a:p>
-          <a:p>
-            <a:r>
-              <a:rPr lang="de-DE" dirty="0">
-                <a:latin typeface="Menlo Regular"/>
-                <a:cs typeface="Menlo Regular"/>
-              </a:rPr>
-              <a:t>    )</a:t>
-            </a:r>
+              <a:t>Importer</a:t>
+            </a:r>
+            <a:endParaRPr lang="de-DE" b="1" dirty="0">
+              <a:latin typeface="Arial"/>
+              <a:cs typeface="Arial"/>
+            </a:endParaRPr>
           </a:p>
         </p:txBody>
       </p:sp>
     </p:spTree>
     <p:extLst>
       <p:ext uri="{BB962C8B-B14F-4D97-AF65-F5344CB8AC3E}">
-        <p14:creationId xmlns:p14="http://schemas.microsoft.com/office/powerpoint/2010/main" val="269492421"/>
+        <p14:creationId xmlns:p14="http://schemas.microsoft.com/office/powerpoint/2010/main" val="811630741"/>
       </p:ext>
     </p:extLst>
   </p:cSld>
   <p:clrMapOvr>
     <a:masterClrMapping/>
   </p:clrMapOvr>
+  <p:transition xmlns:p14="http://schemas.microsoft.com/office/powerpoint/2010/main" spd="slow">
+    <p:fade thruBlk="1"/>
+  </p:transition>
   <p:timing>
     <p:tnLst>
       <p:par>
@@ -6150,252 +5762,159 @@
           <a:chExt cx="0" cy="0"/>
         </a:xfrm>
       </p:grpSpPr>
-      <p:graphicFrame>
-        <p:nvGraphicFramePr>
-          <p:cNvPr id="2" name="Inhaltsplatzhalter 1"/>
-          <p:cNvGraphicFramePr>
-            <a:graphicFrameLocks noGrp="1"/>
-          </p:cNvGraphicFramePr>
+      <p:sp>
+        <p:nvSpPr>
+          <p:cNvPr id="3" name="Inhaltsplatzhalter 2"/>
+          <p:cNvSpPr>
+            <a:spLocks noGrp="1"/>
+          </p:cNvSpPr>
           <p:nvPr>
             <p:ph idx="1"/>
-            <p:extLst>
-              <p:ext uri="{D42A27DB-BD31-4B8C-83A1-F6EECF244321}">
-                <p14:modId xmlns:p14="http://schemas.microsoft.com/office/powerpoint/2010/main" val="14158969"/>
-              </p:ext>
-            </p:extLst>
-          </p:nvPr>
-        </p:nvGraphicFramePr>
-        <p:xfrm>
-          <a:off x="682627" y="1727940"/>
-          <a:ext cx="7543800" cy="1112520"/>
-        </p:xfrm>
-        <a:graphic>
-          <a:graphicData uri="http://schemas.openxmlformats.org/drawingml/2006/table">
-            <a:tbl>
-              <a:tblPr firstRow="1" bandRow="1">
-                <a:tableStyleId>{F5AB1C69-6EDB-4FF4-983F-18BD219EF322}</a:tableStyleId>
-              </a:tblPr>
-              <a:tblGrid>
-                <a:gridCol w="2514600"/>
-                <a:gridCol w="2514600"/>
-                <a:gridCol w="2514600"/>
-              </a:tblGrid>
-              <a:tr h="370840">
-                <a:tc>
-                  <a:txBody>
-                    <a:bodyPr/>
-                    <a:lstStyle/>
-                    <a:p>
-                      <a:endParaRPr lang="de-DE" dirty="0"/>
-                    </a:p>
-                  </a:txBody>
-                  <a:tcPr/>
-                </a:tc>
-                <a:tc>
-                  <a:txBody>
-                    <a:bodyPr/>
-                    <a:lstStyle/>
-                    <a:p>
-                      <a:r>
-                        <a:rPr lang="de-DE" dirty="0" smtClean="0"/>
-                        <a:t>t</a:t>
-                      </a:r>
-                      <a:r>
-                        <a:rPr lang="de-DE" baseline="0" dirty="0" smtClean="0"/>
-                        <a:t> = 500ms</a:t>
-                      </a:r>
-                      <a:endParaRPr lang="de-DE" dirty="0"/>
-                    </a:p>
-                  </a:txBody>
-                  <a:tcPr/>
-                </a:tc>
-                <a:tc>
-                  <a:txBody>
-                    <a:bodyPr/>
-                    <a:lstStyle/>
-                    <a:p>
-                      <a:r>
-                        <a:rPr lang="de-DE" dirty="0" smtClean="0"/>
-                        <a:t>t</a:t>
-                      </a:r>
-                      <a:r>
-                        <a:rPr lang="de-DE" baseline="0" dirty="0" smtClean="0"/>
-                        <a:t> = 1.000ms</a:t>
-                      </a:r>
-                      <a:endParaRPr lang="de-DE" dirty="0"/>
-                    </a:p>
-                  </a:txBody>
-                  <a:tcPr/>
-                </a:tc>
-              </a:tr>
-              <a:tr h="370840">
-                <a:tc>
-                  <a:txBody>
-                    <a:bodyPr/>
-                    <a:lstStyle/>
-                    <a:p>
-                      <a:r>
-                        <a:rPr lang="de-DE" baseline="0" dirty="0" smtClean="0"/>
-                        <a:t>n = 10</a:t>
-                      </a:r>
-                      <a:endParaRPr lang="de-DE" dirty="0"/>
-                    </a:p>
-                  </a:txBody>
-                  <a:tcPr/>
-                </a:tc>
-                <a:tc>
-                  <a:txBody>
-                    <a:bodyPr/>
-                    <a:lstStyle/>
-                    <a:p>
-                      <a:r>
-                        <a:rPr lang="de-DE" sz="1800" kern="1200" dirty="0" smtClean="0">
-                          <a:solidFill>
-                            <a:schemeClr val="dk1"/>
-                          </a:solidFill>
-                          <a:latin typeface="+mn-lt"/>
-                          <a:ea typeface="+mn-ea"/>
-                          <a:cs typeface="+mn-cs"/>
-                        </a:rPr>
-                        <a:t>3.088,78 </a:t>
-                      </a:r>
-                      <a:r>
-                        <a:rPr lang="de-DE" sz="1800" kern="1200" dirty="0" err="1" smtClean="0">
-                          <a:solidFill>
-                            <a:schemeClr val="dk1"/>
-                          </a:solidFill>
-                          <a:latin typeface="+mn-lt"/>
-                          <a:ea typeface="+mn-ea"/>
-                          <a:cs typeface="+mn-cs"/>
-                        </a:rPr>
-                        <a:t>ms</a:t>
-                      </a:r>
-                      <a:endParaRPr lang="de-DE" dirty="0"/>
-                    </a:p>
-                  </a:txBody>
-                  <a:tcPr/>
-                </a:tc>
-                <a:tc>
-                  <a:txBody>
-                    <a:bodyPr/>
-                    <a:lstStyle/>
-                    <a:p>
-                      <a:r>
-                        <a:rPr lang="de-DE" sz="1800" kern="1200" dirty="0" smtClean="0">
-                          <a:solidFill>
-                            <a:schemeClr val="dk1"/>
-                          </a:solidFill>
-                          <a:latin typeface="+mn-lt"/>
-                          <a:ea typeface="+mn-ea"/>
-                          <a:cs typeface="+mn-cs"/>
-                        </a:rPr>
-                        <a:t>2.792,44 </a:t>
-                      </a:r>
-                      <a:r>
-                        <a:rPr lang="de-DE" sz="1800" kern="1200" dirty="0" err="1" smtClean="0">
-                          <a:solidFill>
-                            <a:schemeClr val="dk1"/>
-                          </a:solidFill>
-                          <a:latin typeface="+mn-lt"/>
-                          <a:ea typeface="+mn-ea"/>
-                          <a:cs typeface="+mn-cs"/>
-                        </a:rPr>
-                        <a:t>ms</a:t>
-                      </a:r>
-                      <a:endParaRPr lang="de-DE" dirty="0"/>
-                    </a:p>
-                  </a:txBody>
-                  <a:tcPr/>
-                </a:tc>
-              </a:tr>
-              <a:tr h="370840">
-                <a:tc>
-                  <a:txBody>
-                    <a:bodyPr/>
-                    <a:lstStyle/>
-                    <a:p>
-                      <a:r>
-                        <a:rPr lang="de-DE" dirty="0" err="1" smtClean="0"/>
-                        <a:t>n</a:t>
-                      </a:r>
-                      <a:r>
-                        <a:rPr lang="de-DE" dirty="0" smtClean="0"/>
-                        <a:t> = 20</a:t>
-                      </a:r>
-                      <a:endParaRPr lang="de-DE" dirty="0"/>
-                    </a:p>
-                  </a:txBody>
-                  <a:tcPr/>
-                </a:tc>
-                <a:tc>
-                  <a:txBody>
-                    <a:bodyPr/>
-                    <a:lstStyle/>
-                    <a:p>
-                      <a:r>
-                        <a:rPr lang="de-DE" sz="1800" kern="1200" dirty="0" smtClean="0">
-                          <a:solidFill>
-                            <a:schemeClr val="dk1"/>
-                          </a:solidFill>
-                          <a:latin typeface="+mn-lt"/>
-                          <a:ea typeface="+mn-ea"/>
-                          <a:cs typeface="+mn-cs"/>
-                        </a:rPr>
-                        <a:t>6.066,33 </a:t>
-                      </a:r>
-                      <a:r>
-                        <a:rPr lang="de-DE" sz="1800" kern="1200" dirty="0" err="1" smtClean="0">
-                          <a:solidFill>
-                            <a:schemeClr val="dk1"/>
-                          </a:solidFill>
-                          <a:latin typeface="+mn-lt"/>
-                          <a:ea typeface="+mn-ea"/>
-                          <a:cs typeface="+mn-cs"/>
-                        </a:rPr>
-                        <a:t>ms</a:t>
-                      </a:r>
-                      <a:endParaRPr lang="de-DE" dirty="0"/>
-                    </a:p>
-                  </a:txBody>
-                  <a:tcPr/>
-                </a:tc>
-                <a:tc>
-                  <a:txBody>
-                    <a:bodyPr/>
-                    <a:lstStyle/>
-                    <a:p>
-                      <a:r>
-                        <a:rPr lang="de-DE" sz="1800" kern="1200" dirty="0" smtClean="0">
-                          <a:solidFill>
-                            <a:schemeClr val="dk1"/>
-                          </a:solidFill>
-                          <a:latin typeface="+mn-lt"/>
-                          <a:ea typeface="+mn-ea"/>
-                          <a:cs typeface="+mn-cs"/>
-                        </a:rPr>
-                        <a:t>5.880,29 </a:t>
-                      </a:r>
-                      <a:r>
-                        <a:rPr lang="de-DE" sz="1800" kern="1200" dirty="0" err="1" smtClean="0">
-                          <a:solidFill>
-                            <a:schemeClr val="dk1"/>
-                          </a:solidFill>
-                          <a:latin typeface="+mn-lt"/>
-                          <a:ea typeface="+mn-ea"/>
-                          <a:cs typeface="+mn-cs"/>
-                        </a:rPr>
-                        <a:t>ms</a:t>
-                      </a:r>
-                      <a:endParaRPr lang="de-DE" dirty="0"/>
-                    </a:p>
-                  </a:txBody>
-                  <a:tcPr/>
-                </a:tc>
-              </a:tr>
-            </a:tbl>
-          </a:graphicData>
-        </a:graphic>
-      </p:graphicFrame>
+          </p:nvPr>
+        </p:nvSpPr>
+        <p:spPr>
+          <a:xfrm>
+            <a:off x="762000" y="1033034"/>
+            <a:ext cx="7543800" cy="4583952"/>
+          </a:xfrm>
+        </p:spPr>
+        <p:txBody>
+          <a:bodyPr anchor="t" anchorCtr="0">
+            <a:normAutofit fontScale="92500"/>
+          </a:bodyPr>
+          <a:lstStyle/>
+          <a:p>
+            <a:pPr marL="457200" indent="-457200">
+              <a:lnSpc>
+                <a:spcPct val="110000"/>
+              </a:lnSpc>
+              <a:spcBef>
+                <a:spcPts val="600"/>
+              </a:spcBef>
+              <a:spcAft>
+                <a:spcPts val="600"/>
+              </a:spcAft>
+              <a:buFont typeface="+mj-lt"/>
+              <a:buAutoNum type="arabicPeriod"/>
+            </a:pPr>
+            <a:r>
+              <a:rPr lang="de-DE" dirty="0" smtClean="0"/>
+              <a:t>Wie </a:t>
+            </a:r>
+            <a:r>
+              <a:rPr lang="de-DE" dirty="0"/>
+              <a:t>viele Sitze stehen einem Bundesland zu</a:t>
+            </a:r>
+            <a:r>
+              <a:rPr lang="de-DE" dirty="0" smtClean="0"/>
+              <a:t>?</a:t>
+            </a:r>
+          </a:p>
+          <a:p>
+            <a:pPr marL="457200" indent="-457200">
+              <a:lnSpc>
+                <a:spcPct val="110000"/>
+              </a:lnSpc>
+              <a:spcBef>
+                <a:spcPts val="600"/>
+              </a:spcBef>
+              <a:spcAft>
+                <a:spcPts val="600"/>
+              </a:spcAft>
+              <a:buFont typeface="+mj-lt"/>
+              <a:buAutoNum type="arabicPeriod"/>
+            </a:pPr>
+            <a:r>
+              <a:rPr lang="de-DE" dirty="0" smtClean="0"/>
+              <a:t>Wie </a:t>
+            </a:r>
+            <a:r>
+              <a:rPr lang="de-DE" dirty="0"/>
+              <a:t>verteilt sich das Sitzkontingent eines Bundeslandes auf die zu berücksichtigenden Parteien, die in diesem Bundesland mit einer Landesliste angetreten sind</a:t>
+            </a:r>
+            <a:r>
+              <a:rPr lang="de-DE" dirty="0" smtClean="0"/>
+              <a:t>?</a:t>
+            </a:r>
+            <a:endParaRPr lang="de-DE" dirty="0"/>
+          </a:p>
+          <a:p>
+            <a:pPr marL="457200" indent="-457200">
+              <a:lnSpc>
+                <a:spcPct val="110000"/>
+              </a:lnSpc>
+              <a:spcBef>
+                <a:spcPts val="600"/>
+              </a:spcBef>
+              <a:spcAft>
+                <a:spcPts val="600"/>
+              </a:spcAft>
+              <a:buFont typeface="+mj-lt"/>
+              <a:buAutoNum type="arabicPeriod"/>
+            </a:pPr>
+            <a:r>
+              <a:rPr lang="de-DE" dirty="0"/>
+              <a:t>Wie viele Sitze bekommt eine Partei nachdem Schritt 1 und 2 durchgeführt wurden</a:t>
+            </a:r>
+            <a:r>
+              <a:rPr lang="de-DE" dirty="0" smtClean="0"/>
+              <a:t>?</a:t>
+            </a:r>
+          </a:p>
+          <a:p>
+            <a:pPr marL="457200" indent="-457200">
+              <a:lnSpc>
+                <a:spcPct val="110000"/>
+              </a:lnSpc>
+              <a:spcBef>
+                <a:spcPts val="600"/>
+              </a:spcBef>
+              <a:spcAft>
+                <a:spcPts val="600"/>
+              </a:spcAft>
+              <a:buFont typeface="+mj-lt"/>
+              <a:buAutoNum type="arabicPeriod"/>
+            </a:pPr>
+            <a:r>
+              <a:rPr lang="de-DE" dirty="0" smtClean="0"/>
+              <a:t>Wie </a:t>
+            </a:r>
+            <a:r>
+              <a:rPr lang="de-DE" dirty="0"/>
+              <a:t>viele Sitze müsste der Bundestag dann insgesamt haben, damit alle Parteien auch die für sie ermittelte Mindestsitzzahl erhalten? </a:t>
+            </a:r>
+            <a:endParaRPr lang="de-DE" dirty="0" smtClean="0"/>
+          </a:p>
+          <a:p>
+            <a:pPr marL="457200" indent="-457200">
+              <a:lnSpc>
+                <a:spcPct val="110000"/>
+              </a:lnSpc>
+              <a:spcBef>
+                <a:spcPts val="600"/>
+              </a:spcBef>
+              <a:spcAft>
+                <a:spcPts val="600"/>
+              </a:spcAft>
+              <a:buFont typeface="+mj-lt"/>
+              <a:buAutoNum type="arabicPeriod"/>
+            </a:pPr>
+            <a:r>
+              <a:rPr lang="de-DE" dirty="0" smtClean="0"/>
+              <a:t>Wie </a:t>
+            </a:r>
+            <a:r>
+              <a:rPr lang="de-DE" dirty="0"/>
+              <a:t>viele Sitze einer Partei entfallen auf ihre Landeslisten</a:t>
+            </a:r>
+            <a:r>
+              <a:rPr lang="de-DE" dirty="0" smtClean="0"/>
+              <a:t>?</a:t>
+            </a:r>
+            <a:endParaRPr lang="de-DE" dirty="0" smtClean="0"/>
+          </a:p>
+        </p:txBody>
+      </p:sp>
       <p:sp>
         <p:nvSpPr>
           <p:cNvPr id="4" name="Textplatzhalter 3"/>
@@ -6418,7 +5937,7 @@
           <a:p>
             <a:r>
               <a:rPr lang="de-DE" dirty="0" smtClean="0"/>
-              <a:t>Leistungsfähigkeit</a:t>
+              <a:t>Sitzverteilungsalgorithmus</a:t>
             </a:r>
             <a:endParaRPr lang="de-DE" dirty="0"/>
           </a:p>
@@ -6473,162 +5992,814 @@
       </p:sp>
       <p:sp>
         <p:nvSpPr>
-          <p:cNvPr id="7" name="Rechteck 6"/>
-          <p:cNvSpPr/>
+          <p:cNvPr id="2" name="Textfeld 1"/>
+          <p:cNvSpPr txBox="1"/>
           <p:nvPr/>
         </p:nvSpPr>
         <p:spPr>
           <a:xfrm>
-            <a:off x="682627" y="3190370"/>
-            <a:ext cx="4572000" cy="2862323"/>
+            <a:off x="761999" y="2942713"/>
+            <a:ext cx="7543800" cy="3016211"/>
           </a:xfrm>
           <a:prstGeom prst="rect">
             <a:avLst/>
           </a:prstGeom>
         </p:spPr>
-        <p:txBody>
-          <a:bodyPr>
+        <p:style>
+          <a:lnRef idx="2">
+            <a:schemeClr val="dk1"/>
+          </a:lnRef>
+          <a:fillRef idx="1">
+            <a:schemeClr val="lt1"/>
+          </a:fillRef>
+          <a:effectRef idx="0">
+            <a:schemeClr val="dk1"/>
+          </a:effectRef>
+          <a:fontRef idx="minor">
+            <a:schemeClr val="dk1"/>
+          </a:fontRef>
+        </p:style>
+        <p:txBody>
+          <a:bodyPr wrap="square" rtlCol="0">
             <a:spAutoFit/>
           </a:bodyPr>
           <a:lstStyle/>
           <a:p>
-            <a:r>
-              <a:rPr lang="es-ES_tradnl" b="1" dirty="0"/>
-              <a:t>CPU:</a:t>
-            </a:r>
-            <a:r>
-              <a:rPr lang="es-ES_tradnl" dirty="0"/>
-              <a:t>	Intel </a:t>
-            </a:r>
-            <a:r>
-              <a:rPr lang="es-ES_tradnl" dirty="0" err="1"/>
-              <a:t>Core</a:t>
-            </a:r>
-            <a:r>
-              <a:rPr lang="es-ES_tradnl" dirty="0"/>
-              <a:t> i5-2520M, 2.5 GHz</a:t>
-            </a:r>
-          </a:p>
-          <a:p>
-            <a:r>
-              <a:rPr lang="es-ES_tradnl" dirty="0"/>
-              <a:t>   </a:t>
-            </a:r>
-            <a:r>
-              <a:rPr lang="es-ES_tradnl" dirty="0" err="1"/>
-              <a:t>Level</a:t>
-            </a:r>
-            <a:r>
-              <a:rPr lang="es-ES_tradnl" dirty="0"/>
-              <a:t> 1: 2x 32KB </a:t>
-            </a:r>
-            <a:r>
-              <a:rPr lang="es-ES_tradnl" dirty="0" err="1"/>
-              <a:t>instruction</a:t>
-            </a:r>
-            <a:r>
-              <a:rPr lang="es-ES_tradnl" dirty="0"/>
-              <a:t> caches, 2x 32KB data caches</a:t>
-            </a:r>
-          </a:p>
-          <a:p>
-            <a:r>
-              <a:rPr lang="it-IT" dirty="0"/>
-              <a:t>   Level 2: 2x 256 KB</a:t>
-            </a:r>
-          </a:p>
-          <a:p>
-            <a:r>
-              <a:rPr lang="it-IT" dirty="0"/>
-              <a:t>   Level 3: 3MB	</a:t>
-            </a:r>
-          </a:p>
-          <a:p>
-            <a:r>
-              <a:rPr lang="it-IT" b="1" dirty="0"/>
-              <a:t>RAM:</a:t>
-            </a:r>
-            <a:r>
-              <a:rPr lang="it-IT" dirty="0"/>
-              <a:t>	4 GB	</a:t>
-            </a:r>
-          </a:p>
-          <a:p>
-            <a:r>
-              <a:rPr lang="it-IT" b="1" dirty="0" err="1"/>
-              <a:t>Festplatte</a:t>
-            </a:r>
-            <a:r>
-              <a:rPr lang="it-IT" b="1" dirty="0"/>
-              <a:t>:</a:t>
-            </a:r>
-            <a:r>
-              <a:rPr lang="it-IT" dirty="0"/>
-              <a:t>	Seagate </a:t>
-            </a:r>
-            <a:r>
-              <a:rPr lang="it-IT" dirty="0" err="1"/>
-              <a:t>Momentus</a:t>
-            </a:r>
-            <a:r>
-              <a:rPr lang="it-IT" dirty="0"/>
-              <a:t> 7200.4 500GB</a:t>
-            </a:r>
-          </a:p>
-          <a:p>
-            <a:r>
-              <a:rPr lang="it-IT" dirty="0"/>
-              <a:t>   </a:t>
-            </a:r>
-            <a:r>
-              <a:rPr lang="it-IT" dirty="0" err="1"/>
-              <a:t>Zugriffszeit</a:t>
-            </a:r>
-            <a:r>
-              <a:rPr lang="it-IT" dirty="0"/>
-              <a:t> 12 </a:t>
-            </a:r>
-            <a:r>
-              <a:rPr lang="it-IT" dirty="0" err="1"/>
-              <a:t>ms</a:t>
-            </a:r>
-            <a:r>
-              <a:rPr lang="it-IT" dirty="0"/>
-              <a:t>	</a:t>
-            </a:r>
-          </a:p>
-          <a:p>
-            <a:r>
-              <a:rPr lang="it-IT" b="1" dirty="0" err="1"/>
-              <a:t>Betriebssystem</a:t>
-            </a:r>
-            <a:r>
-              <a:rPr lang="it-IT" b="1" dirty="0"/>
-              <a:t>:</a:t>
-            </a:r>
-            <a:r>
-              <a:rPr lang="it-IT" dirty="0"/>
-              <a:t>	Windows 7 (64bit)	</a:t>
-            </a:r>
+            <a:pPr marL="444500" indent="-444500">
+              <a:buClr>
+                <a:schemeClr val="bg1">
+                  <a:lumMod val="65000"/>
+                </a:schemeClr>
+              </a:buClr>
+              <a:buSzPct val="80000"/>
+              <a:buFont typeface="Wingdings" charset="2"/>
+              <a:buAutoNum type="arabicPlain"/>
+            </a:pPr>
+            <a:r>
+              <a:rPr lang="de-DE" sz="1900" b="1" dirty="0" smtClean="0">
+                <a:solidFill>
+                  <a:srgbClr val="000090"/>
+                </a:solidFill>
+                <a:latin typeface="Menlo Regular"/>
+                <a:cs typeface="Menlo Regular"/>
+              </a:rPr>
+              <a:t>WITH</a:t>
+            </a:r>
+            <a:r>
+              <a:rPr lang="de-DE" sz="1900" dirty="0" smtClean="0">
+                <a:solidFill>
+                  <a:srgbClr val="000090"/>
+                </a:solidFill>
+                <a:latin typeface="Menlo Regular"/>
+                <a:cs typeface="Menlo Regular"/>
+              </a:rPr>
+              <a:t> </a:t>
+            </a:r>
+            <a:r>
+              <a:rPr lang="de-DE" sz="1900" dirty="0" err="1">
+                <a:latin typeface="Menlo Regular"/>
+                <a:cs typeface="Menlo Regular"/>
+              </a:rPr>
+              <a:t>highest</a:t>
+            </a:r>
+            <a:r>
+              <a:rPr lang="de-DE" sz="1900" dirty="0">
+                <a:latin typeface="Menlo Regular"/>
+                <a:cs typeface="Menlo Regular"/>
+              </a:rPr>
+              <a:t> (</a:t>
+            </a:r>
+            <a:r>
+              <a:rPr lang="de-DE" sz="1900" dirty="0" err="1">
+                <a:latin typeface="Menlo Regular"/>
+                <a:cs typeface="Menlo Regular"/>
+              </a:rPr>
+              <a:t>state_id</a:t>
+            </a:r>
+            <a:r>
+              <a:rPr lang="de-DE" sz="1900" dirty="0">
+                <a:latin typeface="Menlo Regular"/>
+                <a:cs typeface="Menlo Regular"/>
+              </a:rPr>
+              <a:t>, rank) </a:t>
+            </a:r>
+            <a:r>
+              <a:rPr lang="de-DE" sz="1900" b="1" dirty="0">
+                <a:solidFill>
+                  <a:srgbClr val="000090"/>
+                </a:solidFill>
+                <a:latin typeface="Menlo Regular"/>
+                <a:cs typeface="Menlo Regular"/>
+              </a:rPr>
+              <a:t>AS</a:t>
+            </a:r>
+            <a:r>
+              <a:rPr lang="de-DE" sz="1900" dirty="0">
+                <a:solidFill>
+                  <a:srgbClr val="000090"/>
+                </a:solidFill>
+                <a:latin typeface="Menlo Regular"/>
+                <a:cs typeface="Menlo Regular"/>
+              </a:rPr>
+              <a:t> </a:t>
+            </a:r>
+            <a:r>
+              <a:rPr lang="de-DE" sz="1900" dirty="0">
+                <a:latin typeface="Menlo Regular"/>
+                <a:cs typeface="Menlo Regular"/>
+              </a:rPr>
+              <a:t>(</a:t>
+            </a:r>
+          </a:p>
+          <a:p>
+            <a:pPr marL="444500" indent="-444500">
+              <a:buClr>
+                <a:schemeClr val="bg1">
+                  <a:lumMod val="65000"/>
+                </a:schemeClr>
+              </a:buClr>
+              <a:buSzPct val="80000"/>
+              <a:buFont typeface="Wingdings" charset="2"/>
+              <a:buAutoNum type="arabicPlain"/>
+            </a:pPr>
+            <a:r>
+              <a:rPr lang="de-DE" sz="1900" dirty="0">
+                <a:latin typeface="Menlo Regular"/>
+                <a:cs typeface="Menlo Regular"/>
+              </a:rPr>
+              <a:t> </a:t>
+            </a:r>
+            <a:r>
+              <a:rPr lang="de-DE" sz="1900" dirty="0">
+                <a:latin typeface="Menlo Regular"/>
+                <a:cs typeface="Menlo Regular"/>
+              </a:rPr>
+              <a:t> </a:t>
+            </a:r>
+            <a:r>
+              <a:rPr lang="de-DE" sz="1900" b="1" dirty="0" smtClean="0">
+                <a:solidFill>
+                  <a:srgbClr val="000090"/>
+                </a:solidFill>
+                <a:latin typeface="Menlo Regular"/>
+                <a:cs typeface="Menlo Regular"/>
+              </a:rPr>
+              <a:t>SELECT</a:t>
+            </a:r>
+            <a:r>
+              <a:rPr lang="de-DE" sz="1900" dirty="0" smtClean="0">
+                <a:solidFill>
+                  <a:srgbClr val="000090"/>
+                </a:solidFill>
+                <a:latin typeface="Menlo Regular"/>
+                <a:cs typeface="Menlo Regular"/>
+              </a:rPr>
+              <a:t> </a:t>
+            </a:r>
+            <a:r>
+              <a:rPr lang="de-DE" sz="1900" dirty="0" err="1">
+                <a:latin typeface="Menlo Regular"/>
+                <a:cs typeface="Menlo Regular"/>
+              </a:rPr>
+              <a:t>state_id</a:t>
+            </a:r>
+            <a:r>
+              <a:rPr lang="de-DE" sz="1900" dirty="0">
+                <a:latin typeface="Menlo Regular"/>
+                <a:cs typeface="Menlo Regular"/>
+              </a:rPr>
+              <a:t>, </a:t>
+            </a:r>
+            <a:r>
+              <a:rPr lang="de-DE" sz="1900" i="1" dirty="0" err="1">
+                <a:solidFill>
+                  <a:srgbClr val="008000"/>
+                </a:solidFill>
+                <a:latin typeface="Menlo Regular"/>
+                <a:cs typeface="Menlo Regular"/>
+              </a:rPr>
+              <a:t>row_number</a:t>
+            </a:r>
+            <a:r>
+              <a:rPr lang="de-DE" sz="1900" dirty="0">
+                <a:latin typeface="Menlo Regular"/>
+                <a:cs typeface="Menlo Regular"/>
+              </a:rPr>
+              <a:t>() </a:t>
+            </a:r>
+            <a:r>
+              <a:rPr lang="de-DE" sz="1900" b="1" dirty="0">
+                <a:solidFill>
+                  <a:srgbClr val="000090"/>
+                </a:solidFill>
+                <a:latin typeface="Menlo Regular"/>
+                <a:cs typeface="Menlo Regular"/>
+              </a:rPr>
+              <a:t>OVER</a:t>
+            </a:r>
+            <a:r>
+              <a:rPr lang="de-DE" sz="1900" dirty="0">
+                <a:solidFill>
+                  <a:srgbClr val="000090"/>
+                </a:solidFill>
+                <a:latin typeface="Menlo Regular"/>
+                <a:cs typeface="Menlo Regular"/>
+              </a:rPr>
+              <a:t> </a:t>
+            </a:r>
+            <a:r>
+              <a:rPr lang="de-DE" sz="1900" dirty="0" smtClean="0">
+                <a:latin typeface="Menlo Regular"/>
+                <a:cs typeface="Menlo Regular"/>
+              </a:rPr>
+              <a:t>(</a:t>
+            </a:r>
+          </a:p>
+          <a:p>
+            <a:pPr marL="444500" indent="-444500">
+              <a:buClr>
+                <a:schemeClr val="bg1">
+                  <a:lumMod val="65000"/>
+                </a:schemeClr>
+              </a:buClr>
+              <a:buSzPct val="80000"/>
+              <a:buFont typeface="Wingdings" charset="2"/>
+              <a:buAutoNum type="arabicPlain"/>
+            </a:pPr>
+            <a:r>
+              <a:rPr lang="de-DE" sz="1900" dirty="0" smtClean="0">
+                <a:latin typeface="Menlo Regular"/>
+                <a:cs typeface="Menlo Regular"/>
+              </a:rPr>
+              <a:t>    </a:t>
+            </a:r>
+            <a:r>
+              <a:rPr lang="de-DE" sz="1900" b="1" dirty="0" smtClean="0">
+                <a:solidFill>
+                  <a:srgbClr val="000090"/>
+                </a:solidFill>
+                <a:latin typeface="Menlo Regular"/>
+                <a:cs typeface="Menlo Regular"/>
+              </a:rPr>
+              <a:t>PARTITION </a:t>
+            </a:r>
+            <a:r>
+              <a:rPr lang="de-DE" sz="1900" b="1" dirty="0">
+                <a:solidFill>
+                  <a:srgbClr val="000090"/>
+                </a:solidFill>
+                <a:latin typeface="Menlo Regular"/>
+                <a:cs typeface="Menlo Regular"/>
+              </a:rPr>
+              <a:t>BY </a:t>
+            </a:r>
+            <a:r>
+              <a:rPr lang="de-DE" sz="1900" dirty="0" err="1">
+                <a:latin typeface="Menlo Regular"/>
+                <a:cs typeface="Menlo Regular"/>
+              </a:rPr>
+              <a:t>election_id</a:t>
+            </a:r>
+            <a:r>
+              <a:rPr lang="de-DE" sz="1900" dirty="0">
+                <a:latin typeface="Menlo Regular"/>
+                <a:cs typeface="Menlo Regular"/>
+              </a:rPr>
+              <a:t> </a:t>
+            </a:r>
+            <a:endParaRPr lang="de-DE" sz="1900" dirty="0" smtClean="0">
+              <a:latin typeface="Menlo Regular"/>
+              <a:cs typeface="Menlo Regular"/>
+            </a:endParaRPr>
+          </a:p>
+          <a:p>
+            <a:pPr marL="444500" indent="-444500">
+              <a:buClr>
+                <a:schemeClr val="bg1">
+                  <a:lumMod val="65000"/>
+                </a:schemeClr>
+              </a:buClr>
+              <a:buSzPct val="80000"/>
+              <a:buFont typeface="Wingdings" charset="2"/>
+              <a:buAutoNum type="arabicPlain"/>
+            </a:pPr>
+            <a:r>
+              <a:rPr lang="de-DE" sz="1900" dirty="0">
+                <a:latin typeface="Menlo Regular"/>
+                <a:cs typeface="Menlo Regular"/>
+              </a:rPr>
+              <a:t> </a:t>
+            </a:r>
+            <a:r>
+              <a:rPr lang="de-DE" sz="1900" dirty="0" smtClean="0">
+                <a:latin typeface="Menlo Regular"/>
+                <a:cs typeface="Menlo Regular"/>
+              </a:rPr>
+              <a:t>   </a:t>
+            </a:r>
+            <a:r>
+              <a:rPr lang="de-DE" sz="1900" b="1" dirty="0" smtClean="0">
+                <a:solidFill>
+                  <a:srgbClr val="000090"/>
+                </a:solidFill>
+                <a:latin typeface="Menlo Regular"/>
+                <a:cs typeface="Menlo Regular"/>
+              </a:rPr>
+              <a:t>ORDER </a:t>
+            </a:r>
+            <a:r>
+              <a:rPr lang="de-DE" sz="1900" b="1" dirty="0">
+                <a:solidFill>
+                  <a:srgbClr val="000090"/>
+                </a:solidFill>
+                <a:latin typeface="Menlo Regular"/>
+                <a:cs typeface="Menlo Regular"/>
+              </a:rPr>
+              <a:t>BY </a:t>
+            </a:r>
+            <a:r>
+              <a:rPr lang="de-DE" sz="1900" dirty="0" err="1">
+                <a:latin typeface="Menlo Regular"/>
+                <a:cs typeface="Menlo Regular"/>
+              </a:rPr>
+              <a:t>population</a:t>
+            </a:r>
+            <a:r>
+              <a:rPr lang="de-DE" sz="1900" dirty="0">
+                <a:latin typeface="Menlo Regular"/>
+                <a:cs typeface="Menlo Regular"/>
+              </a:rPr>
+              <a:t> / (i - </a:t>
+            </a:r>
+            <a:r>
+              <a:rPr lang="de-DE" sz="1900" dirty="0" smtClean="0">
+                <a:solidFill>
+                  <a:srgbClr val="3366FF"/>
+                </a:solidFill>
+                <a:latin typeface="Menlo Regular"/>
+                <a:cs typeface="Menlo Regular"/>
+              </a:rPr>
+              <a:t>0.5</a:t>
+            </a:r>
+            <a:r>
+              <a:rPr lang="de-DE" sz="1900" dirty="0">
+                <a:latin typeface="Menlo Regular"/>
+                <a:cs typeface="Menlo Regular"/>
+              </a:rPr>
+              <a:t>) </a:t>
+            </a:r>
+            <a:r>
+              <a:rPr lang="de-DE" sz="1900" b="1" dirty="0">
+                <a:solidFill>
+                  <a:srgbClr val="000090"/>
+                </a:solidFill>
+                <a:latin typeface="Menlo Regular"/>
+                <a:cs typeface="Menlo Regular"/>
+              </a:rPr>
+              <a:t>DESC</a:t>
+            </a:r>
+            <a:r>
+              <a:rPr lang="de-DE" sz="1900" dirty="0">
+                <a:latin typeface="Menlo Regular"/>
+                <a:cs typeface="Menlo Regular"/>
+              </a:rPr>
+              <a:t>)</a:t>
+            </a:r>
+          </a:p>
+          <a:p>
+            <a:pPr marL="444500" indent="-444500">
+              <a:buClr>
+                <a:schemeClr val="bg1">
+                  <a:lumMod val="65000"/>
+                </a:schemeClr>
+              </a:buClr>
+              <a:buSzPct val="80000"/>
+              <a:buFont typeface="Wingdings" charset="2"/>
+              <a:buAutoNum type="arabicPlain"/>
+            </a:pPr>
+            <a:r>
+              <a:rPr lang="de-DE" sz="1900" dirty="0" smtClean="0">
+                <a:latin typeface="Menlo Regular"/>
+                <a:cs typeface="Menlo Regular"/>
+              </a:rPr>
+              <a:t>  </a:t>
+            </a:r>
+            <a:r>
+              <a:rPr lang="de-DE" sz="1900" b="1" dirty="0" smtClean="0">
+                <a:solidFill>
+                  <a:srgbClr val="000090"/>
+                </a:solidFill>
+                <a:latin typeface="Menlo Regular"/>
+                <a:cs typeface="Menlo Regular"/>
+              </a:rPr>
+              <a:t>FROM</a:t>
+            </a:r>
+            <a:r>
+              <a:rPr lang="de-DE" sz="1900" dirty="0" smtClean="0">
+                <a:solidFill>
+                  <a:srgbClr val="000090"/>
+                </a:solidFill>
+                <a:latin typeface="Menlo Regular"/>
+                <a:cs typeface="Menlo Regular"/>
+              </a:rPr>
+              <a:t> </a:t>
+            </a:r>
+            <a:r>
+              <a:rPr lang="de-DE" sz="1900" dirty="0" err="1">
+                <a:latin typeface="Menlo Regular"/>
+                <a:cs typeface="Menlo Regular"/>
+              </a:rPr>
+              <a:t>state</a:t>
+            </a:r>
+            <a:r>
+              <a:rPr lang="de-DE" sz="1900" dirty="0">
+                <a:latin typeface="Menlo Regular"/>
+                <a:cs typeface="Menlo Regular"/>
+              </a:rPr>
+              <a:t>, </a:t>
+            </a:r>
+            <a:r>
+              <a:rPr lang="de-DE" sz="1900" i="1" dirty="0" err="1">
+                <a:solidFill>
+                  <a:srgbClr val="008000"/>
+                </a:solidFill>
+                <a:latin typeface="Menlo Regular"/>
+                <a:cs typeface="Menlo Regular"/>
+              </a:rPr>
+              <a:t>generate_series</a:t>
+            </a:r>
+            <a:r>
+              <a:rPr lang="de-DE" sz="1900" dirty="0">
+                <a:latin typeface="Menlo Regular"/>
+                <a:cs typeface="Menlo Regular"/>
+              </a:rPr>
+              <a:t>(</a:t>
+            </a:r>
+            <a:r>
+              <a:rPr lang="de-DE" sz="1900" dirty="0">
+                <a:solidFill>
+                  <a:srgbClr val="3366FF"/>
+                </a:solidFill>
+                <a:latin typeface="Menlo Regular"/>
+                <a:cs typeface="Menlo Regular"/>
+              </a:rPr>
+              <a:t>1</a:t>
+            </a:r>
+            <a:r>
+              <a:rPr lang="de-DE" sz="1900" dirty="0">
+                <a:latin typeface="Menlo Regular"/>
+                <a:cs typeface="Menlo Regular"/>
+              </a:rPr>
+              <a:t>, </a:t>
+            </a:r>
+            <a:r>
+              <a:rPr lang="de-DE" sz="1900" dirty="0">
+                <a:solidFill>
+                  <a:srgbClr val="3366FF"/>
+                </a:solidFill>
+                <a:latin typeface="Menlo Regular"/>
+                <a:cs typeface="Menlo Regular"/>
+              </a:rPr>
+              <a:t>598</a:t>
+            </a:r>
+            <a:r>
+              <a:rPr lang="de-DE" sz="1900" dirty="0">
+                <a:latin typeface="Menlo Regular"/>
+                <a:cs typeface="Menlo Regular"/>
+              </a:rPr>
+              <a:t>) i</a:t>
+            </a:r>
+          </a:p>
+          <a:p>
+            <a:pPr marL="444500" indent="-444500">
+              <a:buClr>
+                <a:schemeClr val="bg1">
+                  <a:lumMod val="65000"/>
+                </a:schemeClr>
+              </a:buClr>
+              <a:buSzPct val="80000"/>
+              <a:buFont typeface="Wingdings" charset="2"/>
+              <a:buAutoNum type="arabicPlain"/>
+            </a:pPr>
+            <a:r>
+              <a:rPr lang="de-DE" sz="1900" dirty="0" smtClean="0">
+                <a:latin typeface="Menlo Regular"/>
+                <a:cs typeface="Menlo Regular"/>
+              </a:rPr>
+              <a:t>)</a:t>
+            </a:r>
+          </a:p>
+          <a:p>
+            <a:pPr marL="444500" indent="-444500">
+              <a:buClr>
+                <a:schemeClr val="bg1">
+                  <a:lumMod val="65000"/>
+                </a:schemeClr>
+              </a:buClr>
+              <a:buSzPct val="80000"/>
+              <a:buFont typeface="Wingdings" charset="2"/>
+              <a:buAutoNum type="arabicPlain"/>
+            </a:pPr>
+            <a:r>
+              <a:rPr lang="de-DE" sz="1900" b="1" dirty="0" smtClean="0">
+                <a:solidFill>
+                  <a:srgbClr val="000090"/>
+                </a:solidFill>
+                <a:latin typeface="Menlo Regular"/>
+                <a:cs typeface="Menlo Regular"/>
+              </a:rPr>
+              <a:t>SELECT</a:t>
+            </a:r>
+            <a:r>
+              <a:rPr lang="de-DE" sz="1900" dirty="0" smtClean="0">
+                <a:solidFill>
+                  <a:srgbClr val="000090"/>
+                </a:solidFill>
+                <a:latin typeface="Menlo Regular"/>
+                <a:cs typeface="Menlo Regular"/>
+              </a:rPr>
+              <a:t> </a:t>
+            </a:r>
+            <a:r>
+              <a:rPr lang="de-DE" sz="1900" dirty="0" err="1" smtClean="0">
+                <a:latin typeface="Menlo Regular"/>
+                <a:cs typeface="Menlo Regular"/>
+              </a:rPr>
+              <a:t>state_id</a:t>
+            </a:r>
+            <a:r>
+              <a:rPr lang="de-DE" sz="1900" dirty="0">
+                <a:latin typeface="Menlo Regular"/>
+                <a:cs typeface="Menlo Regular"/>
+              </a:rPr>
+              <a:t>, </a:t>
+            </a:r>
+            <a:r>
+              <a:rPr lang="de-DE" sz="1900" i="1" dirty="0" err="1">
+                <a:solidFill>
+                  <a:srgbClr val="008000"/>
+                </a:solidFill>
+                <a:latin typeface="Menlo Regular"/>
+                <a:cs typeface="Menlo Regular"/>
+              </a:rPr>
+              <a:t>count</a:t>
+            </a:r>
+            <a:r>
+              <a:rPr lang="de-DE" sz="1900" dirty="0">
+                <a:latin typeface="Menlo Regular"/>
+                <a:cs typeface="Menlo Regular"/>
+              </a:rPr>
+              <a:t>(</a:t>
+            </a:r>
+            <a:r>
+              <a:rPr lang="de-DE" sz="1900" dirty="0">
+                <a:solidFill>
+                  <a:srgbClr val="3366FF"/>
+                </a:solidFill>
+                <a:latin typeface="Menlo Regular"/>
+                <a:cs typeface="Menlo Regular"/>
+              </a:rPr>
+              <a:t>1</a:t>
+            </a:r>
+            <a:r>
+              <a:rPr lang="de-DE" sz="1900" dirty="0">
+                <a:latin typeface="Menlo Regular"/>
+                <a:cs typeface="Menlo Regular"/>
+              </a:rPr>
+              <a:t>)</a:t>
+            </a:r>
+          </a:p>
+          <a:p>
+            <a:pPr marL="444500" indent="-444500">
+              <a:buClr>
+                <a:schemeClr val="bg1">
+                  <a:lumMod val="65000"/>
+                </a:schemeClr>
+              </a:buClr>
+              <a:buSzPct val="80000"/>
+              <a:buFont typeface="Wingdings" charset="2"/>
+              <a:buAutoNum type="arabicPlain"/>
+            </a:pPr>
+            <a:r>
+              <a:rPr lang="de-DE" sz="1900" b="1" dirty="0">
+                <a:solidFill>
+                  <a:srgbClr val="000090"/>
+                </a:solidFill>
+                <a:latin typeface="Menlo Regular"/>
+                <a:cs typeface="Menlo Regular"/>
+              </a:rPr>
+              <a:t>FROM</a:t>
+            </a:r>
+            <a:r>
+              <a:rPr lang="de-DE" sz="1900" dirty="0">
+                <a:solidFill>
+                  <a:srgbClr val="000090"/>
+                </a:solidFill>
+                <a:latin typeface="Menlo Regular"/>
+                <a:cs typeface="Menlo Regular"/>
+              </a:rPr>
+              <a:t> </a:t>
+            </a:r>
+            <a:r>
+              <a:rPr lang="de-DE" sz="1900" dirty="0" err="1" smtClean="0">
+                <a:latin typeface="Menlo Regular"/>
+                <a:cs typeface="Menlo Regular"/>
+              </a:rPr>
+              <a:t>highest</a:t>
+            </a:r>
+            <a:endParaRPr lang="de-DE" sz="1900" dirty="0">
+              <a:latin typeface="Menlo Regular"/>
+              <a:cs typeface="Menlo Regular"/>
+            </a:endParaRPr>
+          </a:p>
+          <a:p>
+            <a:pPr marL="444500" indent="-444500">
+              <a:buClr>
+                <a:schemeClr val="bg1">
+                  <a:lumMod val="65000"/>
+                </a:schemeClr>
+              </a:buClr>
+              <a:buSzPct val="80000"/>
+              <a:buFont typeface="Wingdings" charset="2"/>
+              <a:buAutoNum type="arabicPlain"/>
+            </a:pPr>
+            <a:r>
+              <a:rPr lang="de-DE" sz="1900" b="1" dirty="0" smtClean="0">
+                <a:solidFill>
+                  <a:srgbClr val="000090"/>
+                </a:solidFill>
+                <a:latin typeface="Menlo Regular"/>
+                <a:cs typeface="Menlo Regular"/>
+              </a:rPr>
+              <a:t>WHERE </a:t>
+            </a:r>
+            <a:r>
+              <a:rPr lang="de-DE" sz="1900" dirty="0" smtClean="0">
+                <a:latin typeface="Menlo Regular"/>
+                <a:cs typeface="Menlo Regular"/>
+              </a:rPr>
+              <a:t>rank </a:t>
+            </a:r>
+            <a:r>
+              <a:rPr lang="de-DE" sz="1900" dirty="0">
+                <a:latin typeface="Menlo Regular"/>
+                <a:cs typeface="Menlo Regular"/>
+              </a:rPr>
+              <a:t>&lt;= </a:t>
+            </a:r>
+            <a:r>
+              <a:rPr lang="de-DE" sz="1900" dirty="0">
+                <a:solidFill>
+                  <a:srgbClr val="3366FF"/>
+                </a:solidFill>
+                <a:latin typeface="Menlo Regular"/>
+                <a:cs typeface="Menlo Regular"/>
+              </a:rPr>
+              <a:t>598</a:t>
+            </a:r>
+          </a:p>
+          <a:p>
+            <a:pPr marL="444500" indent="-444500">
+              <a:buClr>
+                <a:schemeClr val="bg1">
+                  <a:lumMod val="65000"/>
+                </a:schemeClr>
+              </a:buClr>
+              <a:buSzPct val="80000"/>
+              <a:buFont typeface="Wingdings" charset="2"/>
+              <a:buAutoNum type="arabicPlain"/>
+            </a:pPr>
+            <a:r>
+              <a:rPr lang="de-DE" sz="1900" b="1" dirty="0" smtClean="0">
+                <a:solidFill>
+                  <a:srgbClr val="000090"/>
+                </a:solidFill>
+                <a:latin typeface="Menlo Regular"/>
+                <a:cs typeface="Menlo Regular"/>
+              </a:rPr>
+              <a:t>GROUP BY </a:t>
+            </a:r>
+            <a:r>
+              <a:rPr lang="de-DE" sz="1900" dirty="0" err="1" smtClean="0">
+                <a:latin typeface="Menlo Regular"/>
+                <a:cs typeface="Menlo Regular"/>
+              </a:rPr>
+              <a:t>state_id</a:t>
+            </a:r>
+            <a:endParaRPr lang="de-DE" sz="1900" dirty="0">
+              <a:latin typeface="Menlo Regular"/>
+              <a:cs typeface="Menlo Regular"/>
+            </a:endParaRPr>
           </a:p>
         </p:txBody>
       </p:sp>
     </p:spTree>
     <p:extLst>
       <p:ext uri="{BB962C8B-B14F-4D97-AF65-F5344CB8AC3E}">
-        <p14:creationId xmlns:p14="http://schemas.microsoft.com/office/powerpoint/2010/main" val="299923811"/>
+        <p14:creationId xmlns:p14="http://schemas.microsoft.com/office/powerpoint/2010/main" val="269492421"/>
       </p:ext>
     </p:extLst>
   </p:cSld>
   <p:clrMapOvr>
     <a:masterClrMapping/>
   </p:clrMapOvr>
+  <mc:AlternateContent xmlns:mc="http://schemas.openxmlformats.org/markup-compatibility/2006">
+    <mc:Choice xmlns:p14="http://schemas.microsoft.com/office/powerpoint/2010/main" Requires="p14">
+      <p:transition spd="med" p14:dur="700">
+        <p:fade/>
+      </p:transition>
+    </mc:Choice>
+    <mc:Fallback>
+      <p:transition xmlns:p14="http://schemas.microsoft.com/office/powerpoint/2010/main" spd="med">
+        <p:fade/>
+      </p:transition>
+    </mc:Fallback>
+  </mc:AlternateContent>
   <p:timing>
     <p:tnLst>
       <p:par>
-        <p:cTn xmlns:p14="http://schemas.microsoft.com/office/powerpoint/2010/main" id="1" dur="indefinite" restart="never" nodeType="tmRoot"/>
+        <p:cTn xmlns:p14="http://schemas.microsoft.com/office/powerpoint/2010/main" id="1" dur="indefinite" restart="never" nodeType="tmRoot">
+          <p:childTnLst>
+            <p:seq concurrent="1" nextAc="seek">
+              <p:cTn id="2" dur="indefinite" nodeType="mainSeq">
+                <p:childTnLst>
+                  <p:par>
+                    <p:cTn id="3" fill="hold">
+                      <p:stCondLst>
+                        <p:cond delay="indefinite"/>
+                      </p:stCondLst>
+                      <p:childTnLst>
+                        <p:par>
+                          <p:cTn id="4" fill="hold">
+                            <p:stCondLst>
+                              <p:cond delay="0"/>
+                            </p:stCondLst>
+                            <p:childTnLst>
+                              <p:par>
+                                <p:cTn id="5" presetID="10" presetClass="exit" presetSubtype="0" fill="hold" grpId="0" nodeType="clickEffect">
+                                  <p:stCondLst>
+                                    <p:cond delay="0"/>
+                                  </p:stCondLst>
+                                  <p:childTnLst>
+                                    <p:animEffect transition="out" filter="fade">
+                                      <p:cBhvr>
+                                        <p:cTn id="6" dur="500"/>
+                                        <p:tgtEl>
+                                          <p:spTgt spid="2"/>
+                                        </p:tgtEl>
+                                      </p:cBhvr>
+                                    </p:animEffect>
+                                    <p:set>
+                                      <p:cBhvr>
+                                        <p:cTn id="7" dur="1" fill="hold">
+                                          <p:stCondLst>
+                                            <p:cond delay="499"/>
+                                          </p:stCondLst>
+                                        </p:cTn>
+                                        <p:tgtEl>
+                                          <p:spTgt spid="2"/>
+                                        </p:tgtEl>
+                                        <p:attrNameLst>
+                                          <p:attrName>style.visibility</p:attrName>
+                                        </p:attrNameLst>
+                                      </p:cBhvr>
+                                      <p:to>
+                                        <p:strVal val="hidden"/>
+                                      </p:to>
+                                    </p:set>
+                                  </p:childTnLst>
+                                </p:cTn>
+                              </p:par>
+                            </p:childTnLst>
+                          </p:cTn>
+                        </p:par>
+                      </p:childTnLst>
+                    </p:cTn>
+                  </p:par>
+                </p:childTnLst>
+              </p:cTn>
+              <p:prevCondLst>
+                <p:cond evt="onPrev" delay="0">
+                  <p:tgtEl>
+                    <p:sldTgt/>
+                  </p:tgtEl>
+                </p:cond>
+              </p:prevCondLst>
+              <p:nextCondLst>
+                <p:cond evt="onNext" delay="0">
+                  <p:tgtEl>
+                    <p:sldTgt/>
+                  </p:tgtEl>
+                </p:cond>
+              </p:nextCondLst>
+            </p:seq>
+          </p:childTnLst>
+        </p:cTn>
       </p:par>
     </p:tnLst>
+    <p:bldLst>
+      <p:bldP spid="2" grpId="0" animBg="1"/>
+    </p:bldLst>
   </p:timing>
 </p:sld>
 </file>
@@ -6650,6 +6821,837 @@
           <a:chExt cx="0" cy="0"/>
         </a:xfrm>
       </p:grpSpPr>
+      <p:graphicFrame>
+        <p:nvGraphicFramePr>
+          <p:cNvPr id="2" name="Inhaltsplatzhalter 1"/>
+          <p:cNvGraphicFramePr>
+            <a:graphicFrameLocks noGrp="1"/>
+          </p:cNvGraphicFramePr>
+          <p:nvPr>
+            <p:ph idx="1"/>
+            <p:extLst>
+              <p:ext uri="{D42A27DB-BD31-4B8C-83A1-F6EECF244321}">
+                <p14:modId xmlns:p14="http://schemas.microsoft.com/office/powerpoint/2010/main" val="1955450083"/>
+              </p:ext>
+            </p:extLst>
+          </p:nvPr>
+        </p:nvGraphicFramePr>
+        <p:xfrm>
+          <a:off x="761999" y="1305951"/>
+          <a:ext cx="7543800" cy="1188720"/>
+        </p:xfrm>
+        <a:graphic>
+          <a:graphicData uri="http://schemas.openxmlformats.org/drawingml/2006/table">
+            <a:tbl>
+              <a:tblPr firstRow="1" bandRow="1">
+                <a:tableStyleId>{F5AB1C69-6EDB-4FF4-983F-18BD219EF322}</a:tableStyleId>
+              </a:tblPr>
+              <a:tblGrid>
+                <a:gridCol w="2514600"/>
+                <a:gridCol w="2514600"/>
+                <a:gridCol w="2514600"/>
+              </a:tblGrid>
+              <a:tr h="370840">
+                <a:tc>
+                  <a:txBody>
+                    <a:bodyPr/>
+                    <a:lstStyle/>
+                    <a:p>
+                      <a:endParaRPr lang="de-DE" sz="2000" dirty="0">
+                        <a:latin typeface="Lucida Grande"/>
+                        <a:cs typeface="Lucida Grande"/>
+                      </a:endParaRPr>
+                    </a:p>
+                  </a:txBody>
+                  <a:tcPr>
+                    <a:solidFill>
+                      <a:srgbClr val="F68420"/>
+                    </a:solidFill>
+                  </a:tcPr>
+                </a:tc>
+                <a:tc>
+                  <a:txBody>
+                    <a:bodyPr/>
+                    <a:lstStyle/>
+                    <a:p>
+                      <a:pPr algn="r"/>
+                      <a:r>
+                        <a:rPr lang="de-DE" sz="2000" dirty="0" smtClean="0">
+                          <a:latin typeface="Lucida Grande"/>
+                          <a:cs typeface="Lucida Grande"/>
+                        </a:rPr>
+                        <a:t>t</a:t>
+                      </a:r>
+                      <a:r>
+                        <a:rPr lang="de-DE" sz="2000" baseline="0" dirty="0" smtClean="0">
+                          <a:latin typeface="Lucida Grande"/>
+                          <a:cs typeface="Lucida Grande"/>
+                        </a:rPr>
+                        <a:t> = 500ms</a:t>
+                      </a:r>
+                      <a:endParaRPr lang="de-DE" sz="2000" dirty="0">
+                        <a:latin typeface="Lucida Grande"/>
+                        <a:cs typeface="Lucida Grande"/>
+                      </a:endParaRPr>
+                    </a:p>
+                  </a:txBody>
+                  <a:tcPr>
+                    <a:solidFill>
+                      <a:srgbClr val="F68420"/>
+                    </a:solidFill>
+                  </a:tcPr>
+                </a:tc>
+                <a:tc>
+                  <a:txBody>
+                    <a:bodyPr/>
+                    <a:lstStyle/>
+                    <a:p>
+                      <a:pPr algn="r"/>
+                      <a:r>
+                        <a:rPr lang="de-DE" sz="2000" dirty="0" smtClean="0">
+                          <a:latin typeface="Lucida Grande"/>
+                          <a:cs typeface="Lucida Grande"/>
+                        </a:rPr>
+                        <a:t>t</a:t>
+                      </a:r>
+                      <a:r>
+                        <a:rPr lang="de-DE" sz="2000" baseline="0" dirty="0" smtClean="0">
+                          <a:latin typeface="Lucida Grande"/>
+                          <a:cs typeface="Lucida Grande"/>
+                        </a:rPr>
+                        <a:t> = 1.000ms</a:t>
+                      </a:r>
+                      <a:endParaRPr lang="de-DE" sz="2000" dirty="0">
+                        <a:latin typeface="Lucida Grande"/>
+                        <a:cs typeface="Lucida Grande"/>
+                      </a:endParaRPr>
+                    </a:p>
+                  </a:txBody>
+                  <a:tcPr>
+                    <a:solidFill>
+                      <a:srgbClr val="F68420"/>
+                    </a:solidFill>
+                  </a:tcPr>
+                </a:tc>
+              </a:tr>
+              <a:tr h="370840">
+                <a:tc>
+                  <a:txBody>
+                    <a:bodyPr/>
+                    <a:lstStyle/>
+                    <a:p>
+                      <a:r>
+                        <a:rPr lang="de-DE" sz="2000" baseline="0" dirty="0" smtClean="0">
+                          <a:latin typeface="Lucida Grande"/>
+                          <a:cs typeface="Lucida Grande"/>
+                        </a:rPr>
+                        <a:t>n = 10</a:t>
+                      </a:r>
+                      <a:endParaRPr lang="de-DE" sz="2000" dirty="0">
+                        <a:latin typeface="Lucida Grande"/>
+                        <a:cs typeface="Lucida Grande"/>
+                      </a:endParaRPr>
+                    </a:p>
+                  </a:txBody>
+                  <a:tcPr/>
+                </a:tc>
+                <a:tc>
+                  <a:txBody>
+                    <a:bodyPr/>
+                    <a:lstStyle/>
+                    <a:p>
+                      <a:pPr algn="r"/>
+                      <a:r>
+                        <a:rPr lang="de-DE" sz="2000" kern="1200" dirty="0" smtClean="0">
+                          <a:solidFill>
+                            <a:schemeClr val="dk1"/>
+                          </a:solidFill>
+                          <a:latin typeface="Lucida Grande"/>
+                          <a:ea typeface="+mn-ea"/>
+                          <a:cs typeface="Lucida Grande"/>
+                        </a:rPr>
+                        <a:t>3.088,78ms</a:t>
+                      </a:r>
+                      <a:endParaRPr lang="de-DE" sz="2000" dirty="0">
+                        <a:latin typeface="Lucida Grande"/>
+                        <a:cs typeface="Lucida Grande"/>
+                      </a:endParaRPr>
+                    </a:p>
+                  </a:txBody>
+                  <a:tcPr/>
+                </a:tc>
+                <a:tc>
+                  <a:txBody>
+                    <a:bodyPr/>
+                    <a:lstStyle/>
+                    <a:p>
+                      <a:pPr algn="r"/>
+                      <a:r>
+                        <a:rPr lang="de-DE" sz="2000" kern="1200" dirty="0" smtClean="0">
+                          <a:solidFill>
+                            <a:schemeClr val="dk1"/>
+                          </a:solidFill>
+                          <a:latin typeface="Lucida Grande"/>
+                          <a:ea typeface="+mn-ea"/>
+                          <a:cs typeface="Lucida Grande"/>
+                        </a:rPr>
+                        <a:t>2.792,44ms</a:t>
+                      </a:r>
+                      <a:endParaRPr lang="de-DE" sz="2000" dirty="0">
+                        <a:latin typeface="Lucida Grande"/>
+                        <a:cs typeface="Lucida Grande"/>
+                      </a:endParaRPr>
+                    </a:p>
+                  </a:txBody>
+                  <a:tcPr/>
+                </a:tc>
+              </a:tr>
+              <a:tr h="370840">
+                <a:tc>
+                  <a:txBody>
+                    <a:bodyPr/>
+                    <a:lstStyle/>
+                    <a:p>
+                      <a:r>
+                        <a:rPr lang="de-DE" sz="2000" dirty="0" err="1" smtClean="0">
+                          <a:latin typeface="Lucida Grande"/>
+                          <a:cs typeface="Lucida Grande"/>
+                        </a:rPr>
+                        <a:t>n</a:t>
+                      </a:r>
+                      <a:r>
+                        <a:rPr lang="de-DE" sz="2000" dirty="0" smtClean="0">
+                          <a:latin typeface="Lucida Grande"/>
+                          <a:cs typeface="Lucida Grande"/>
+                        </a:rPr>
+                        <a:t> = 20</a:t>
+                      </a:r>
+                      <a:endParaRPr lang="de-DE" sz="2000" dirty="0">
+                        <a:latin typeface="Lucida Grande"/>
+                        <a:cs typeface="Lucida Grande"/>
+                      </a:endParaRPr>
+                    </a:p>
+                  </a:txBody>
+                  <a:tcPr/>
+                </a:tc>
+                <a:tc>
+                  <a:txBody>
+                    <a:bodyPr/>
+                    <a:lstStyle/>
+                    <a:p>
+                      <a:pPr algn="r"/>
+                      <a:r>
+                        <a:rPr lang="de-DE" sz="2000" kern="1200" dirty="0" smtClean="0">
+                          <a:solidFill>
+                            <a:schemeClr val="dk1"/>
+                          </a:solidFill>
+                          <a:latin typeface="Lucida Grande"/>
+                          <a:ea typeface="+mn-ea"/>
+                          <a:cs typeface="Lucida Grande"/>
+                        </a:rPr>
+                        <a:t>6.066,33ms</a:t>
+                      </a:r>
+                      <a:endParaRPr lang="de-DE" sz="2000" dirty="0">
+                        <a:latin typeface="Lucida Grande"/>
+                        <a:cs typeface="Lucida Grande"/>
+                      </a:endParaRPr>
+                    </a:p>
+                  </a:txBody>
+                  <a:tcPr/>
+                </a:tc>
+                <a:tc>
+                  <a:txBody>
+                    <a:bodyPr/>
+                    <a:lstStyle/>
+                    <a:p>
+                      <a:pPr algn="r"/>
+                      <a:r>
+                        <a:rPr lang="de-DE" sz="2000" kern="1200" dirty="0" smtClean="0">
+                          <a:solidFill>
+                            <a:schemeClr val="dk1"/>
+                          </a:solidFill>
+                          <a:latin typeface="Lucida Grande"/>
+                          <a:ea typeface="+mn-ea"/>
+                          <a:cs typeface="Lucida Grande"/>
+                        </a:rPr>
+                        <a:t>5.880,29ms</a:t>
+                      </a:r>
+                      <a:endParaRPr lang="de-DE" sz="2000" dirty="0">
+                        <a:latin typeface="Lucida Grande"/>
+                        <a:cs typeface="Lucida Grande"/>
+                      </a:endParaRPr>
+                    </a:p>
+                  </a:txBody>
+                  <a:tcPr/>
+                </a:tc>
+              </a:tr>
+            </a:tbl>
+          </a:graphicData>
+        </a:graphic>
+      </p:graphicFrame>
+      <p:sp>
+        <p:nvSpPr>
+          <p:cNvPr id="4" name="Textplatzhalter 3"/>
+          <p:cNvSpPr>
+            <a:spLocks noGrp="1"/>
+          </p:cNvSpPr>
+          <p:nvPr>
+            <p:ph type="body" sz="quarter" idx="13"/>
+          </p:nvPr>
+        </p:nvSpPr>
+        <p:spPr>
+          <a:xfrm>
+            <a:off x="942662" y="389573"/>
+            <a:ext cx="3689350" cy="352425"/>
+          </a:xfrm>
+        </p:spPr>
+        <p:txBody>
+          <a:bodyPr/>
+          <a:lstStyle/>
+          <a:p>
+            <a:r>
+              <a:rPr lang="de-DE" dirty="0" smtClean="0"/>
+              <a:t>Leistungsfähigkeit</a:t>
+            </a:r>
+            <a:endParaRPr lang="de-DE" dirty="0"/>
+          </a:p>
+        </p:txBody>
+      </p:sp>
+      <p:sp>
+        <p:nvSpPr>
+          <p:cNvPr id="5" name="Foliennummernplatzhalter 4"/>
+          <p:cNvSpPr>
+            <a:spLocks noGrp="1"/>
+          </p:cNvSpPr>
+          <p:nvPr>
+            <p:ph type="sldNum" sz="quarter" idx="12"/>
+          </p:nvPr>
+        </p:nvSpPr>
+        <p:spPr/>
+        <p:txBody>
+          <a:bodyPr/>
+          <a:lstStyle/>
+          <a:p>
+            <a:fld id="{BFEBEB0A-9E3D-4B14-9782-E2AE3DA60D96}" type="slidenum">
+              <a:rPr lang="en-US" smtClean="0"/>
+              <a:pPr/>
+              <a:t>6</a:t>
+            </a:fld>
+            <a:endParaRPr lang="en-US"/>
+          </a:p>
+        </p:txBody>
+      </p:sp>
+      <p:sp>
+        <p:nvSpPr>
+          <p:cNvPr id="6" name="Fußzeilenplatzhalter 5"/>
+          <p:cNvSpPr>
+            <a:spLocks noGrp="1"/>
+          </p:cNvSpPr>
+          <p:nvPr>
+            <p:ph type="ftr" sz="quarter" idx="11"/>
+          </p:nvPr>
+        </p:nvSpPr>
+        <p:spPr/>
+        <p:txBody>
+          <a:bodyPr/>
+          <a:lstStyle/>
+          <a:p>
+            <a:r>
+              <a:rPr lang="de-DE" smtClean="0"/>
+              <a:t>Jan Auer, Manuel Gerding, Philip Schäfer</a:t>
+            </a:r>
+            <a:endParaRPr lang="en-US"/>
+          </a:p>
+        </p:txBody>
+      </p:sp>
+      <p:sp>
+        <p:nvSpPr>
+          <p:cNvPr id="7" name="Rechteck 6"/>
+          <p:cNvSpPr/>
+          <p:nvPr/>
+        </p:nvSpPr>
+        <p:spPr>
+          <a:xfrm>
+            <a:off x="682626" y="3036156"/>
+            <a:ext cx="7699373" cy="2840778"/>
+          </a:xfrm>
+          <a:prstGeom prst="rect">
+            <a:avLst/>
+          </a:prstGeom>
+        </p:spPr>
+        <p:txBody>
+          <a:bodyPr wrap="square">
+            <a:spAutoFit/>
+          </a:bodyPr>
+          <a:lstStyle/>
+          <a:p>
+            <a:pPr>
+              <a:spcAft>
+                <a:spcPts val="1200"/>
+              </a:spcAft>
+              <a:tabLst>
+                <a:tab pos="1887538" algn="l"/>
+              </a:tabLst>
+            </a:pPr>
+            <a:r>
+              <a:rPr lang="es-ES_tradnl" b="1" dirty="0" smtClean="0">
+                <a:solidFill>
+                  <a:srgbClr val="F68420"/>
+                </a:solidFill>
+                <a:latin typeface="+mj-lt"/>
+              </a:rPr>
+              <a:t>Systemkonfiguration</a:t>
+            </a:r>
+          </a:p>
+          <a:p>
+            <a:pPr>
+              <a:lnSpc>
+                <a:spcPct val="120000"/>
+              </a:lnSpc>
+              <a:tabLst>
+                <a:tab pos="1887538" algn="l"/>
+              </a:tabLst>
+            </a:pPr>
+            <a:r>
+              <a:rPr lang="es-ES_tradnl" b="1" dirty="0" smtClean="0"/>
+              <a:t>CPU</a:t>
+            </a:r>
+            <a:r>
+              <a:rPr lang="es-ES_tradnl" b="1" dirty="0"/>
+              <a:t>:</a:t>
+            </a:r>
+            <a:r>
+              <a:rPr lang="es-ES_tradnl" dirty="0"/>
+              <a:t>	Intel Core i5-2520M, 2.5 GHz</a:t>
+            </a:r>
+          </a:p>
+          <a:p>
+            <a:pPr>
+              <a:lnSpc>
+                <a:spcPct val="120000"/>
+              </a:lnSpc>
+              <a:tabLst>
+                <a:tab pos="180975" algn="l"/>
+                <a:tab pos="271463" algn="l"/>
+                <a:tab pos="1887538" algn="l"/>
+              </a:tabLst>
+            </a:pPr>
+            <a:r>
+              <a:rPr lang="es-ES_tradnl" dirty="0" smtClean="0"/>
+              <a:t>	</a:t>
+            </a:r>
+            <a:r>
+              <a:rPr lang="es-ES_tradnl" i="1" dirty="0" smtClean="0"/>
+              <a:t>Level 1:</a:t>
+            </a:r>
+            <a:r>
+              <a:rPr lang="es-ES_tradnl" dirty="0" smtClean="0"/>
+              <a:t> 	2x </a:t>
+            </a:r>
+            <a:r>
+              <a:rPr lang="es-ES_tradnl" dirty="0"/>
+              <a:t>32KB instruction caches, 2x 32KB data caches</a:t>
+            </a:r>
+          </a:p>
+          <a:p>
+            <a:pPr>
+              <a:lnSpc>
+                <a:spcPct val="120000"/>
+              </a:lnSpc>
+              <a:tabLst>
+                <a:tab pos="180975" algn="l"/>
+                <a:tab pos="271463" algn="l"/>
+                <a:tab pos="1887538" algn="l"/>
+              </a:tabLst>
+            </a:pPr>
+            <a:r>
+              <a:rPr lang="it-IT" dirty="0" smtClean="0"/>
+              <a:t>	</a:t>
+            </a:r>
+            <a:r>
+              <a:rPr lang="it-IT" i="1" dirty="0" smtClean="0"/>
+              <a:t>Level </a:t>
+            </a:r>
+            <a:r>
+              <a:rPr lang="it-IT" i="1" dirty="0"/>
+              <a:t>2:</a:t>
+            </a:r>
+            <a:r>
+              <a:rPr lang="it-IT" dirty="0"/>
+              <a:t> </a:t>
+            </a:r>
+            <a:r>
+              <a:rPr lang="it-IT" dirty="0" smtClean="0"/>
+              <a:t>	2x </a:t>
+            </a:r>
+            <a:r>
+              <a:rPr lang="it-IT" dirty="0"/>
+              <a:t>256 KB</a:t>
+            </a:r>
+          </a:p>
+          <a:p>
+            <a:pPr>
+              <a:lnSpc>
+                <a:spcPct val="120000"/>
+              </a:lnSpc>
+              <a:tabLst>
+                <a:tab pos="180975" algn="l"/>
+                <a:tab pos="271463" algn="l"/>
+                <a:tab pos="1887538" algn="l"/>
+              </a:tabLst>
+            </a:pPr>
+            <a:r>
+              <a:rPr lang="it-IT" dirty="0" smtClean="0"/>
+              <a:t>	</a:t>
+            </a:r>
+            <a:r>
+              <a:rPr lang="it-IT" i="1" dirty="0" smtClean="0"/>
+              <a:t>Level </a:t>
+            </a:r>
+            <a:r>
+              <a:rPr lang="it-IT" i="1" dirty="0"/>
+              <a:t>3:</a:t>
+            </a:r>
+            <a:r>
+              <a:rPr lang="it-IT" dirty="0"/>
+              <a:t> </a:t>
+            </a:r>
+            <a:r>
+              <a:rPr lang="it-IT" dirty="0" smtClean="0"/>
+              <a:t>	3MB</a:t>
+            </a:r>
+            <a:r>
+              <a:rPr lang="it-IT" dirty="0"/>
+              <a:t>	</a:t>
+            </a:r>
+          </a:p>
+          <a:p>
+            <a:pPr>
+              <a:lnSpc>
+                <a:spcPct val="120000"/>
+              </a:lnSpc>
+              <a:tabLst>
+                <a:tab pos="1887538" algn="l"/>
+              </a:tabLst>
+            </a:pPr>
+            <a:r>
+              <a:rPr lang="it-IT" b="1" dirty="0"/>
+              <a:t>RAM:</a:t>
+            </a:r>
+            <a:r>
+              <a:rPr lang="it-IT" dirty="0"/>
+              <a:t>	4 GB	</a:t>
+            </a:r>
+          </a:p>
+          <a:p>
+            <a:pPr>
+              <a:lnSpc>
+                <a:spcPct val="120000"/>
+              </a:lnSpc>
+              <a:tabLst>
+                <a:tab pos="1887538" algn="l"/>
+              </a:tabLst>
+            </a:pPr>
+            <a:r>
+              <a:rPr lang="it-IT" b="1" dirty="0"/>
+              <a:t>Festplatte:</a:t>
+            </a:r>
+            <a:r>
+              <a:rPr lang="it-IT" dirty="0"/>
+              <a:t>	Seagate Momentus 7200.4 </a:t>
+            </a:r>
+            <a:r>
+              <a:rPr lang="it-IT" dirty="0" smtClean="0"/>
+              <a:t>500GB (Zugriffszeit </a:t>
+            </a:r>
+            <a:r>
+              <a:rPr lang="it-IT" dirty="0"/>
+              <a:t>12 </a:t>
+            </a:r>
+            <a:r>
+              <a:rPr lang="it-IT" dirty="0" smtClean="0"/>
+              <a:t>ms)</a:t>
+            </a:r>
+            <a:endParaRPr lang="it-IT" dirty="0"/>
+          </a:p>
+          <a:p>
+            <a:pPr>
+              <a:lnSpc>
+                <a:spcPct val="120000"/>
+              </a:lnSpc>
+              <a:tabLst>
+                <a:tab pos="1887538" algn="l"/>
+              </a:tabLst>
+            </a:pPr>
+            <a:r>
+              <a:rPr lang="it-IT" b="1" dirty="0" err="1"/>
+              <a:t>Betriebssystem</a:t>
+            </a:r>
+            <a:r>
+              <a:rPr lang="it-IT" b="1" dirty="0"/>
+              <a:t>:</a:t>
+            </a:r>
+            <a:r>
+              <a:rPr lang="it-IT" dirty="0"/>
+              <a:t>	Windows 7 (64bit)	</a:t>
+            </a:r>
+          </a:p>
+        </p:txBody>
+      </p:sp>
+      <p:sp>
+        <p:nvSpPr>
+          <p:cNvPr id="3" name="Textfeld 2"/>
+          <p:cNvSpPr txBox="1"/>
+          <p:nvPr/>
+        </p:nvSpPr>
+        <p:spPr>
+          <a:xfrm>
+            <a:off x="4607351" y="2494671"/>
+            <a:ext cx="3698448" cy="261610"/>
+          </a:xfrm>
+          <a:prstGeom prst="rect">
+            <a:avLst/>
+          </a:prstGeom>
+          <a:noFill/>
+        </p:spPr>
+        <p:txBody>
+          <a:bodyPr wrap="none" rtlCol="0">
+            <a:spAutoFit/>
+          </a:bodyPr>
+          <a:lstStyle/>
+          <a:p>
+            <a:pPr algn="r"/>
+            <a:r>
+              <a:rPr lang="de-DE" sz="1100" b="1" dirty="0" err="1" smtClean="0"/>
+              <a:t>n</a:t>
+            </a:r>
+            <a:r>
+              <a:rPr lang="de-DE" sz="1100" dirty="0" smtClean="0"/>
+              <a:t> .. Anzahl von Verbindungen	</a:t>
+            </a:r>
+            <a:r>
+              <a:rPr lang="de-DE" sz="1100" b="1" dirty="0" smtClean="0"/>
+              <a:t>t</a:t>
+            </a:r>
+            <a:r>
+              <a:rPr lang="de-DE" sz="1100" dirty="0" smtClean="0"/>
+              <a:t> .. Abstand der Verbindungen</a:t>
+            </a:r>
+            <a:endParaRPr lang="de-DE" sz="1100" dirty="0"/>
+          </a:p>
+        </p:txBody>
+      </p:sp>
+    </p:spTree>
+    <p:extLst>
+      <p:ext uri="{BB962C8B-B14F-4D97-AF65-F5344CB8AC3E}">
+        <p14:creationId xmlns:p14="http://schemas.microsoft.com/office/powerpoint/2010/main" val="299923811"/>
+      </p:ext>
+    </p:extLst>
+  </p:cSld>
+  <p:clrMapOvr>
+    <a:masterClrMapping/>
+  </p:clrMapOvr>
+  <mc:AlternateContent xmlns:mc="http://schemas.openxmlformats.org/markup-compatibility/2006">
+    <mc:Choice xmlns:p14="http://schemas.microsoft.com/office/powerpoint/2010/main" Requires="p14">
+      <p:transition spd="med" p14:dur="700">
+        <p:fade/>
+      </p:transition>
+    </mc:Choice>
+    <mc:Fallback>
+      <p:transition xmlns:p14="http://schemas.microsoft.com/office/powerpoint/2010/main" spd="med">
+        <p:fade/>
+      </p:transition>
+    </mc:Fallback>
+  </mc:AlternateContent>
+  <p:timing>
+    <p:tnLst>
+      <p:par>
+        <p:cTn xmlns:p14="http://schemas.microsoft.com/office/powerpoint/2010/main" id="1" dur="indefinite" restart="never" nodeType="tmRoot">
+          <p:childTnLst>
+            <p:seq concurrent="1" nextAc="seek">
+              <p:cTn id="2" dur="indefinite" nodeType="mainSeq">
+                <p:childTnLst>
+                  <p:par>
+                    <p:cTn id="3" fill="hold">
+                      <p:stCondLst>
+                        <p:cond delay="indefinite"/>
+                        <p:cond evt="onBegin" delay="0">
+                          <p:tn val="2"/>
+                        </p:cond>
+                      </p:stCondLst>
+                      <p:childTnLst>
+                        <p:par>
+                          <p:cTn id="4" fill="hold">
+                            <p:stCondLst>
+                              <p:cond delay="0"/>
+                            </p:stCondLst>
+                            <p:childTnLst>
+                              <p:par>
+                                <p:cTn id="5" presetID="10" presetClass="entr" presetSubtype="0" fill="hold" nodeType="afterEffect">
+                                  <p:stCondLst>
+                                    <p:cond delay="0"/>
+                                  </p:stCondLst>
+                                  <p:childTnLst>
+                                    <p:set>
+                                      <p:cBhvr>
+                                        <p:cTn id="6" dur="1" fill="hold">
+                                          <p:stCondLst>
+                                            <p:cond delay="0"/>
+                                          </p:stCondLst>
+                                        </p:cTn>
+                                        <p:tgtEl>
+                                          <p:spTgt spid="2"/>
+                                        </p:tgtEl>
+                                        <p:attrNameLst>
+                                          <p:attrName>style.visibility</p:attrName>
+                                        </p:attrNameLst>
+                                      </p:cBhvr>
+                                      <p:to>
+                                        <p:strVal val="visible"/>
+                                      </p:to>
+                                    </p:set>
+                                    <p:animEffect transition="in" filter="fade">
+                                      <p:cBhvr>
+                                        <p:cTn id="7" dur="500"/>
+                                        <p:tgtEl>
+                                          <p:spTgt spid="2"/>
+                                        </p:tgtEl>
+                                      </p:cBhvr>
+                                    </p:animEffect>
+                                  </p:childTnLst>
+                                </p:cTn>
+                              </p:par>
+                              <p:par>
+                                <p:cTn id="8" presetID="10" presetClass="entr" presetSubtype="0" fill="hold" grpId="0" nodeType="withEffect">
+                                  <p:stCondLst>
+                                    <p:cond delay="0"/>
+                                  </p:stCondLst>
+                                  <p:childTnLst>
+                                    <p:set>
+                                      <p:cBhvr>
+                                        <p:cTn id="9" dur="1" fill="hold">
+                                          <p:stCondLst>
+                                            <p:cond delay="0"/>
+                                          </p:stCondLst>
+                                        </p:cTn>
+                                        <p:tgtEl>
+                                          <p:spTgt spid="3"/>
+                                        </p:tgtEl>
+                                        <p:attrNameLst>
+                                          <p:attrName>style.visibility</p:attrName>
+                                        </p:attrNameLst>
+                                      </p:cBhvr>
+                                      <p:to>
+                                        <p:strVal val="visible"/>
+                                      </p:to>
+                                    </p:set>
+                                    <p:animEffect transition="in" filter="fade">
+                                      <p:cBhvr>
+                                        <p:cTn id="10" dur="500"/>
+                                        <p:tgtEl>
+                                          <p:spTgt spid="3"/>
+                                        </p:tgtEl>
+                                      </p:cBhvr>
+                                    </p:animEffect>
+                                  </p:childTnLst>
+                                </p:cTn>
+                              </p:par>
+                            </p:childTnLst>
+                          </p:cTn>
+                        </p:par>
+                        <p:par>
+                          <p:cTn id="11" fill="hold">
+                            <p:stCondLst>
+                              <p:cond delay="500"/>
+                            </p:stCondLst>
+                            <p:childTnLst>
+                              <p:par>
+                                <p:cTn id="12" presetID="10" presetClass="entr" presetSubtype="0" fill="hold" grpId="0" nodeType="afterEffect">
+                                  <p:stCondLst>
+                                    <p:cond delay="0"/>
+                                  </p:stCondLst>
+                                  <p:childTnLst>
+                                    <p:set>
+                                      <p:cBhvr>
+                                        <p:cTn id="13" dur="1" fill="hold">
+                                          <p:stCondLst>
+                                            <p:cond delay="0"/>
+                                          </p:stCondLst>
+                                        </p:cTn>
+                                        <p:tgtEl>
+                                          <p:spTgt spid="7"/>
+                                        </p:tgtEl>
+                                        <p:attrNameLst>
+                                          <p:attrName>style.visibility</p:attrName>
+                                        </p:attrNameLst>
+                                      </p:cBhvr>
+                                      <p:to>
+                                        <p:strVal val="visible"/>
+                                      </p:to>
+                                    </p:set>
+                                    <p:animEffect transition="in" filter="fade">
+                                      <p:cBhvr>
+                                        <p:cTn id="14" dur="500"/>
+                                        <p:tgtEl>
+                                          <p:spTgt spid="7"/>
+                                        </p:tgtEl>
+                                      </p:cBhvr>
+                                    </p:animEffect>
+                                  </p:childTnLst>
+                                </p:cTn>
+                              </p:par>
+                            </p:childTnLst>
+                          </p:cTn>
+                        </p:par>
+                      </p:childTnLst>
+                    </p:cTn>
+                  </p:par>
+                </p:childTnLst>
+              </p:cTn>
+              <p:prevCondLst>
+                <p:cond evt="onPrev" delay="0">
+                  <p:tgtEl>
+                    <p:sldTgt/>
+                  </p:tgtEl>
+                </p:cond>
+              </p:prevCondLst>
+              <p:nextCondLst>
+                <p:cond evt="onNext" delay="0">
+                  <p:tgtEl>
+                    <p:sldTgt/>
+                  </p:tgtEl>
+                </p:cond>
+              </p:nextCondLst>
+            </p:seq>
+          </p:childTnLst>
+        </p:cTn>
+      </p:par>
+    </p:tnLst>
+    <p:bldLst>
+      <p:bldP spid="7" grpId="0"/>
+      <p:bldP spid="3" grpId="0"/>
+    </p:bldLst>
+  </p:timing>
+</p:sld>
+</file>
+
+<file path=ppt/slides/slide7.xml><?xml version="1.0" encoding="utf-8"?>
+<p:sld xmlns:a="http://schemas.openxmlformats.org/drawingml/2006/main" xmlns:r="http://schemas.openxmlformats.org/officeDocument/2006/relationships" xmlns:p="http://schemas.openxmlformats.org/presentationml/2006/main">
+  <p:cSld>
+    <p:spTree>
+      <p:nvGrpSpPr>
+        <p:cNvPr id="1" name=""/>
+        <p:cNvGrpSpPr/>
+        <p:nvPr/>
+      </p:nvGrpSpPr>
+      <p:grpSpPr>
+        <a:xfrm>
+          <a:off x="0" y="0"/>
+          <a:ext cx="0" cy="0"/>
+          <a:chOff x="0" y="0"/>
+          <a:chExt cx="0" cy="0"/>
+        </a:xfrm>
+      </p:grpSpPr>
       <p:sp>
         <p:nvSpPr>
           <p:cNvPr id="3" name="Inhaltsplatzhalter 2"/>
@@ -6732,7 +7734,7 @@
             <a:fld id="{BFEBEB0A-9E3D-4B14-9782-E2AE3DA60D96}" type="slidenum">
               <a:rPr lang="en-US" smtClean="0"/>
               <a:pPr/>
-              <a:t>6</a:t>
+              <a:t>7</a:t>
             </a:fld>
             <a:endParaRPr lang="en-US"/>
           </a:p>
@@ -6771,6 +7773,213 @@
   <p:clrMapOvr>
     <a:masterClrMapping/>
   </p:clrMapOvr>
+  <mc:AlternateContent xmlns:mc="http://schemas.openxmlformats.org/markup-compatibility/2006">
+    <mc:Choice xmlns:p14="http://schemas.microsoft.com/office/powerpoint/2010/main" Requires="p14">
+      <p:transition spd="slow" p14:dur="1400">
+        <p14:ripple/>
+      </p:transition>
+    </mc:Choice>
+    <mc:Fallback>
+      <p:transition xmlns:p14="http://schemas.microsoft.com/office/powerpoint/2010/main" spd="slow">
+        <p:fade/>
+      </p:transition>
+    </mc:Fallback>
+  </mc:AlternateContent>
+  <p:timing>
+    <p:tnLst>
+      <p:par>
+        <p:cTn xmlns:p14="http://schemas.microsoft.com/office/powerpoint/2010/main" id="1" dur="indefinite" restart="never" nodeType="tmRoot"/>
+      </p:par>
+    </p:tnLst>
+  </p:timing>
+</p:sld>
+</file>
+
+<file path=ppt/slides/slide8.xml><?xml version="1.0" encoding="utf-8"?>
+<p:sld xmlns:a="http://schemas.openxmlformats.org/drawingml/2006/main" xmlns:r="http://schemas.openxmlformats.org/officeDocument/2006/relationships" xmlns:p="http://schemas.openxmlformats.org/presentationml/2006/main">
+  <p:cSld>
+    <p:spTree>
+      <p:nvGrpSpPr>
+        <p:cNvPr id="1" name=""/>
+        <p:cNvGrpSpPr/>
+        <p:nvPr/>
+      </p:nvGrpSpPr>
+      <p:grpSpPr>
+        <a:xfrm>
+          <a:off x="0" y="0"/>
+          <a:ext cx="0" cy="0"/>
+          <a:chOff x="0" y="0"/>
+          <a:chExt cx="0" cy="0"/>
+        </a:xfrm>
+      </p:grpSpPr>
+      <p:sp>
+        <p:nvSpPr>
+          <p:cNvPr id="4" name="Fußzeilenplatzhalter 3"/>
+          <p:cNvSpPr>
+            <a:spLocks noGrp="1"/>
+          </p:cNvSpPr>
+          <p:nvPr>
+            <p:ph type="ftr" sz="quarter" idx="11"/>
+          </p:nvPr>
+        </p:nvSpPr>
+        <p:spPr/>
+        <p:txBody>
+          <a:bodyPr/>
+          <a:lstStyle/>
+          <a:p>
+            <a:r>
+              <a:rPr lang="de-DE" smtClean="0"/>
+              <a:t>Jan Auer, Manuel Gerding, Philip Schäfer</a:t>
+            </a:r>
+            <a:endParaRPr lang="en-US"/>
+          </a:p>
+        </p:txBody>
+      </p:sp>
+      <p:sp>
+        <p:nvSpPr>
+          <p:cNvPr id="5" name="Foliennummernplatzhalter 4"/>
+          <p:cNvSpPr>
+            <a:spLocks noGrp="1"/>
+          </p:cNvSpPr>
+          <p:nvPr>
+            <p:ph type="sldNum" sz="quarter" idx="12"/>
+          </p:nvPr>
+        </p:nvSpPr>
+        <p:spPr/>
+        <p:txBody>
+          <a:bodyPr/>
+          <a:lstStyle/>
+          <a:p>
+            <a:fld id="{BFEBEB0A-9E3D-4B14-9782-E2AE3DA60D96}" type="slidenum">
+              <a:rPr lang="en-US" smtClean="0"/>
+              <a:pPr/>
+              <a:t>8</a:t>
+            </a:fld>
+            <a:endParaRPr lang="en-US"/>
+          </a:p>
+        </p:txBody>
+      </p:sp>
+      <p:sp>
+        <p:nvSpPr>
+          <p:cNvPr id="7" name="Textplatzhalter 6"/>
+          <p:cNvSpPr>
+            <a:spLocks noGrp="1"/>
+          </p:cNvSpPr>
+          <p:nvPr>
+            <p:ph type="body" sz="quarter" idx="13"/>
+          </p:nvPr>
+        </p:nvSpPr>
+        <p:spPr>
+          <a:xfrm>
+            <a:off x="937315" y="389573"/>
+            <a:ext cx="3689350" cy="352425"/>
+          </a:xfrm>
+        </p:spPr>
+        <p:txBody>
+          <a:bodyPr/>
+          <a:lstStyle/>
+          <a:p>
+            <a:r>
+              <a:rPr lang="de-DE" dirty="0" smtClean="0"/>
+              <a:t>Ende</a:t>
+            </a:r>
+            <a:endParaRPr lang="de-DE" dirty="0"/>
+          </a:p>
+        </p:txBody>
+      </p:sp>
+      <p:pic>
+        <p:nvPicPr>
+          <p:cNvPr id="8" name="Bild 7" descr="bundesadler.jpg"/>
+          <p:cNvPicPr>
+            <a:picLocks noChangeAspect="1"/>
+          </p:cNvPicPr>
+          <p:nvPr/>
+        </p:nvPicPr>
+        <p:blipFill>
+          <a:blip r:embed="rId2">
+            <a:clrChange>
+              <a:clrFrom>
+                <a:srgbClr val="FFFFFF"/>
+              </a:clrFrom>
+              <a:clrTo>
+                <a:srgbClr val="FFFFFF">
+                  <a:alpha val="0"/>
+                </a:srgbClr>
+              </a:clrTo>
+            </a:clrChange>
+            <a:alphaModFix/>
+            <a:extLst>
+              <a:ext uri="{28A0092B-C50C-407E-A947-70E740481C1C}">
+                <a14:useLocalDpi xmlns:a14="http://schemas.microsoft.com/office/drawing/2010/main" val="0"/>
+              </a:ext>
+            </a:extLst>
+          </a:blip>
+          <a:stretch>
+            <a:fillRect/>
+          </a:stretch>
+        </p:blipFill>
+        <p:spPr>
+          <a:xfrm>
+            <a:off x="3061308" y="2021035"/>
+            <a:ext cx="3021384" cy="2815932"/>
+          </a:xfrm>
+          <a:prstGeom prst="rect">
+            <a:avLst/>
+          </a:prstGeom>
+        </p:spPr>
+      </p:pic>
+      <p:sp>
+        <p:nvSpPr>
+          <p:cNvPr id="9" name="Textfeld 8"/>
+          <p:cNvSpPr txBox="1"/>
+          <p:nvPr/>
+        </p:nvSpPr>
+        <p:spPr>
+          <a:xfrm>
+            <a:off x="7120248" y="6258611"/>
+            <a:ext cx="1261752" cy="253916"/>
+          </a:xfrm>
+          <a:prstGeom prst="rect">
+            <a:avLst/>
+          </a:prstGeom>
+          <a:noFill/>
+        </p:spPr>
+        <p:txBody>
+          <a:bodyPr wrap="none" rtlCol="0">
+            <a:spAutoFit/>
+          </a:bodyPr>
+          <a:lstStyle/>
+          <a:p>
+            <a:pPr algn="r"/>
+            <a:r>
+              <a:rPr lang="de-DE" sz="1050" dirty="0" smtClean="0"/>
+              <a:t>Bild: uni</a:t>
+            </a:r>
+            <a:r>
+              <a:rPr lang="de-DE" sz="1050" dirty="0"/>
+              <a:t>-</a:t>
+            </a:r>
+            <a:r>
+              <a:rPr lang="de-DE" sz="1050" dirty="0" err="1" smtClean="0"/>
+              <a:t>giessen.de</a:t>
+            </a:r>
+            <a:endParaRPr lang="de-DE" sz="1050" dirty="0"/>
+          </a:p>
+        </p:txBody>
+      </p:sp>
+    </p:spTree>
+    <p:extLst>
+      <p:ext uri="{BB962C8B-B14F-4D97-AF65-F5344CB8AC3E}">
+        <p14:creationId xmlns:p14="http://schemas.microsoft.com/office/powerpoint/2010/main" val="3005027331"/>
+      </p:ext>
+    </p:extLst>
+  </p:cSld>
+  <p:clrMapOvr>
+    <a:masterClrMapping/>
+  </p:clrMapOvr>
+  <p:transition xmlns:p14="http://schemas.microsoft.com/office/powerpoint/2010/main" spd="slow">
+    <p:fade thruBlk="1"/>
+  </p:transition>
   <p:timing>
     <p:tnLst>
       <p:par>

--- a/docs/presentation.pptx
+++ b/docs/presentation.pptx
@@ -202,7 +202,8 @@
           <a:p>
             <a:fld id="{D47E9658-922E-1446-8D67-07A05034B11D}" type="datetimeFigureOut">
               <a:rPr lang="de-DE" smtClean="0"/>
-              <a:t>24.01.14</a:t>
+              <a:pPr/>
+              <a:t>26.01.2014</a:t>
             </a:fld>
             <a:endParaRPr lang="de-DE"/>
           </a:p>
@@ -268,6 +269,7 @@
           <a:p>
             <a:fld id="{80D22A0A-573A-9049-99D6-16F5B60CB328}" type="slidenum">
               <a:rPr lang="de-DE" smtClean="0"/>
+              <a:pPr/>
               <a:t>‹Nr.›</a:t>
             </a:fld>
             <a:endParaRPr lang="de-DE"/>
@@ -277,7 +279,7 @@
     </p:spTree>
     <p:extLst>
       <p:ext uri="{BB962C8B-B14F-4D97-AF65-F5344CB8AC3E}">
-        <p14:creationId xmlns:p14="http://schemas.microsoft.com/office/powerpoint/2010/main" val="3990211256"/>
+        <p14:creationId xmlns:p14="http://schemas.microsoft.com/office/powerpoint/2010/main" xmlns="" val="3990211256"/>
       </p:ext>
     </p:extLst>
   </p:cSld>
@@ -368,7 +370,8 @@
           <a:p>
             <a:fld id="{35D45E2C-55D3-9F48-AC81-1DE0B06D30F4}" type="datetimeFigureOut">
               <a:rPr lang="de-DE" smtClean="0"/>
-              <a:t>24.01.14</a:t>
+              <a:pPr/>
+              <a:t>26.01.2014</a:t>
             </a:fld>
             <a:endParaRPr lang="de-DE"/>
           </a:p>
@@ -527,6 +530,7 @@
           <a:p>
             <a:fld id="{AE5E8D2D-D2F5-9642-A0D7-19654D6CF236}" type="slidenum">
               <a:rPr lang="de-DE" smtClean="0"/>
+              <a:pPr/>
               <a:t>‹Nr.›</a:t>
             </a:fld>
             <a:endParaRPr lang="de-DE"/>
@@ -536,7 +540,7 @@
     </p:spTree>
     <p:extLst>
       <p:ext uri="{BB962C8B-B14F-4D97-AF65-F5344CB8AC3E}">
-        <p14:creationId xmlns:p14="http://schemas.microsoft.com/office/powerpoint/2010/main" val="94524540"/>
+        <p14:creationId xmlns:p14="http://schemas.microsoft.com/office/powerpoint/2010/main" xmlns="" val="94524540"/>
       </p:ext>
     </p:extLst>
   </p:cSld>
@@ -702,6 +706,7 @@
           <a:p>
             <a:fld id="{AE5E8D2D-D2F5-9642-A0D7-19654D6CF236}" type="slidenum">
               <a:rPr lang="de-DE" smtClean="0"/>
+              <a:pPr/>
               <a:t>4</a:t>
             </a:fld>
             <a:endParaRPr lang="de-DE"/>
@@ -711,7 +716,7 @@
     </p:spTree>
     <p:extLst>
       <p:ext uri="{BB962C8B-B14F-4D97-AF65-F5344CB8AC3E}">
-        <p14:creationId xmlns:p14="http://schemas.microsoft.com/office/powerpoint/2010/main" val="2969178958"/>
+        <p14:creationId xmlns:p14="http://schemas.microsoft.com/office/powerpoint/2010/main" xmlns="" val="2969178958"/>
       </p:ext>
     </p:extLst>
   </p:cSld>
@@ -812,6 +817,7 @@
           <a:p>
             <a:fld id="{AE5E8D2D-D2F5-9642-A0D7-19654D6CF236}" type="slidenum">
               <a:rPr lang="de-DE" smtClean="0"/>
+              <a:pPr/>
               <a:t>5</a:t>
             </a:fld>
             <a:endParaRPr lang="de-DE"/>
@@ -821,9 +827,181 @@
     </p:spTree>
     <p:extLst>
       <p:ext uri="{BB962C8B-B14F-4D97-AF65-F5344CB8AC3E}">
-        <p14:creationId xmlns:p14="http://schemas.microsoft.com/office/powerpoint/2010/main" val="4131177804"/>
+        <p14:creationId xmlns:p14="http://schemas.microsoft.com/office/powerpoint/2010/main" xmlns="" val="4131177804"/>
       </p:ext>
     </p:extLst>
+  </p:cSld>
+  <p:clrMapOvr>
+    <a:masterClrMapping/>
+  </p:clrMapOvr>
+</p:notes>
+</file>
+
+<file path=ppt/notesSlides/notesSlide3.xml><?xml version="1.0" encoding="utf-8"?>
+<p:notes xmlns:a="http://schemas.openxmlformats.org/drawingml/2006/main" xmlns:r="http://schemas.openxmlformats.org/officeDocument/2006/relationships" xmlns:p="http://schemas.openxmlformats.org/presentationml/2006/main">
+  <p:cSld>
+    <p:spTree>
+      <p:nvGrpSpPr>
+        <p:cNvPr id="1" name=""/>
+        <p:cNvGrpSpPr/>
+        <p:nvPr/>
+      </p:nvGrpSpPr>
+      <p:grpSpPr>
+        <a:xfrm>
+          <a:off x="0" y="0"/>
+          <a:ext cx="0" cy="0"/>
+          <a:chOff x="0" y="0"/>
+          <a:chExt cx="0" cy="0"/>
+        </a:xfrm>
+      </p:grpSpPr>
+      <p:sp>
+        <p:nvSpPr>
+          <p:cNvPr id="2" name="Folienbildplatzhalter 1"/>
+          <p:cNvSpPr>
+            <a:spLocks noGrp="1" noRot="1" noChangeAspect="1"/>
+          </p:cNvSpPr>
+          <p:nvPr>
+            <p:ph type="sldImg"/>
+          </p:nvPr>
+        </p:nvSpPr>
+        <p:spPr/>
+      </p:sp>
+      <p:sp>
+        <p:nvSpPr>
+          <p:cNvPr id="3" name="Notizenplatzhalter 2"/>
+          <p:cNvSpPr>
+            <a:spLocks noGrp="1"/>
+          </p:cNvSpPr>
+          <p:nvPr>
+            <p:ph type="body" idx="1"/>
+          </p:nvPr>
+        </p:nvSpPr>
+        <p:spPr/>
+        <p:txBody>
+          <a:bodyPr>
+            <a:normAutofit/>
+          </a:bodyPr>
+          <a:lstStyle/>
+          <a:p>
+            <a:pPr>
+              <a:buFontTx/>
+              <a:buChar char="-"/>
+            </a:pPr>
+            <a:r>
+              <a:rPr lang="de-DE" dirty="0" err="1" smtClean="0"/>
+              <a:t>Benchmarking</a:t>
+            </a:r>
+            <a:r>
+              <a:rPr lang="de-DE" dirty="0" smtClean="0"/>
+              <a:t> Client: C#-CLI</a:t>
+            </a:r>
+          </a:p>
+          <a:p>
+            <a:pPr lvl="1">
+              <a:buFontTx/>
+              <a:buChar char="-"/>
+            </a:pPr>
+            <a:r>
+              <a:rPr lang="de-DE" dirty="0" smtClean="0"/>
+              <a:t> Parameter: 1) URLs</a:t>
+            </a:r>
+          </a:p>
+          <a:p>
+            <a:pPr lvl="1">
+              <a:buFontTx/>
+              <a:buNone/>
+            </a:pPr>
+            <a:r>
+              <a:rPr lang="de-DE" dirty="0" smtClean="0"/>
+              <a:t>		2)</a:t>
+            </a:r>
+            <a:r>
+              <a:rPr lang="de-DE" baseline="0" dirty="0" smtClean="0"/>
+              <a:t> Aufrufhäufigkeit (1:1 wie auf Übungsblatt)</a:t>
+            </a:r>
+          </a:p>
+          <a:p>
+            <a:pPr lvl="1">
+              <a:buFontTx/>
+              <a:buNone/>
+            </a:pPr>
+            <a:r>
+              <a:rPr lang="de-DE" baseline="0" dirty="0" smtClean="0"/>
+              <a:t>		3) Anzahl Terminals</a:t>
+            </a:r>
+          </a:p>
+          <a:p>
+            <a:pPr lvl="1">
+              <a:buFontTx/>
+              <a:buNone/>
+            </a:pPr>
+            <a:r>
+              <a:rPr lang="de-DE" baseline="0" dirty="0" smtClean="0"/>
+              <a:t>		4) Zeit zwischen </a:t>
+            </a:r>
+            <a:r>
+              <a:rPr lang="de-DE" baseline="0" dirty="0" err="1" smtClean="0"/>
+              <a:t>Calls</a:t>
+            </a:r>
+            <a:endParaRPr lang="de-DE" baseline="0" dirty="0" smtClean="0"/>
+          </a:p>
+          <a:p>
+            <a:pPr lvl="1">
+              <a:buFontTx/>
+              <a:buNone/>
+            </a:pPr>
+            <a:r>
+              <a:rPr lang="de-DE" baseline="0" dirty="0" smtClean="0"/>
+              <a:t>		5) Switch, der Ergebnisse direkt in CSV File </a:t>
+            </a:r>
+            <a:r>
+              <a:rPr lang="de-DE" baseline="0" dirty="0" err="1" smtClean="0"/>
+              <a:t>piped</a:t>
+            </a:r>
+            <a:r>
+              <a:rPr lang="de-DE" baseline="0" dirty="0" smtClean="0"/>
+              <a:t> (Aggregiert total + Aggregiert </a:t>
+            </a:r>
+            <a:r>
+              <a:rPr lang="de-DE" baseline="0" smtClean="0"/>
+              <a:t>pro Ziel-URL)</a:t>
+            </a:r>
+            <a:endParaRPr lang="en-GB" baseline="0" smtClean="0"/>
+          </a:p>
+          <a:p>
+            <a:pPr lvl="1">
+              <a:buFontTx/>
+              <a:buNone/>
+            </a:pPr>
+            <a:endParaRPr lang="de-DE" baseline="0" dirty="0" smtClean="0"/>
+          </a:p>
+        </p:txBody>
+      </p:sp>
+      <p:sp>
+        <p:nvSpPr>
+          <p:cNvPr id="4" name="Foliennummernplatzhalter 3"/>
+          <p:cNvSpPr>
+            <a:spLocks noGrp="1"/>
+          </p:cNvSpPr>
+          <p:nvPr>
+            <p:ph type="sldNum" sz="quarter" idx="10"/>
+          </p:nvPr>
+        </p:nvSpPr>
+        <p:spPr/>
+        <p:txBody>
+          <a:bodyPr/>
+          <a:lstStyle/>
+          <a:p>
+            <a:fld id="{AE5E8D2D-D2F5-9642-A0D7-19654D6CF236}" type="slidenum">
+              <a:rPr lang="de-DE" smtClean="0"/>
+              <a:pPr/>
+              <a:t>6</a:t>
+            </a:fld>
+            <a:endParaRPr lang="de-DE"/>
+          </a:p>
+        </p:txBody>
+      </p:sp>
+    </p:spTree>
   </p:cSld>
   <p:clrMapOvr>
     <a:masterClrMapping/>
@@ -857,7 +1035,7 @@
           <p:nvPr userDrawn="1"/>
         </p:nvPicPr>
         <p:blipFill>
-          <a:blip r:embed="rId2"/>
+          <a:blip r:embed="rId2" cstate="print"/>
           <a:stretch>
             <a:fillRect/>
           </a:stretch>
@@ -1045,7 +1223,8 @@
           <a:p>
             <a:fld id="{9ABBB6ED-5864-CF4C-817A-3FB709F5DE13}" type="datetime1">
               <a:rPr lang="en-US" smtClean="0"/>
-              <a:t>24.01.14</a:t>
+              <a:pPr/>
+              <a:t>1/26/2014</a:t>
             </a:fld>
             <a:endParaRPr lang="en-US"/>
           </a:p>
@@ -1126,7 +1305,7 @@
           <p:nvPr userDrawn="1"/>
         </p:nvPicPr>
         <p:blipFill>
-          <a:blip r:embed="rId3"/>
+          <a:blip r:embed="rId3" cstate="print"/>
           <a:stretch>
             <a:fillRect/>
           </a:stretch>
@@ -1385,7 +1564,8 @@
           <a:p>
             <a:fld id="{220AE175-C0F4-5C4C-A8FA-0DADCA4A648C}" type="datetime1">
               <a:rPr lang="en-US" smtClean="0"/>
-              <a:t>24.01.14</a:t>
+              <a:pPr/>
+              <a:t>1/26/2014</a:t>
             </a:fld>
             <a:endParaRPr lang="en-US"/>
           </a:p>
@@ -1610,7 +1790,8 @@
           <a:p>
             <a:fld id="{44816CBC-07CA-3049-932D-0F621D5882D7}" type="datetime1">
               <a:rPr lang="en-US" smtClean="0"/>
-              <a:t>24.01.14</a:t>
+              <a:pPr/>
+              <a:t>1/26/2014</a:t>
             </a:fld>
             <a:endParaRPr lang="en-US"/>
           </a:p>
@@ -1835,7 +2016,8 @@
           <a:p>
             <a:fld id="{AD11CFC6-54E5-9F4E-9F23-771F7EDEC23A}" type="datetime1">
               <a:rPr lang="en-US" smtClean="0"/>
-              <a:t>24.01.14</a:t>
+              <a:pPr/>
+              <a:t>1/26/2014</a:t>
             </a:fld>
             <a:endParaRPr lang="en-US"/>
           </a:p>
@@ -2172,7 +2354,8 @@
           <a:p>
             <a:fld id="{E384C15D-B26D-4C40-A898-C196925B36C5}" type="datetime1">
               <a:rPr lang="en-US" smtClean="0"/>
-              <a:t>24.01.14</a:t>
+              <a:pPr/>
+              <a:t>1/26/2014</a:t>
             </a:fld>
             <a:endParaRPr lang="en-US"/>
           </a:p>
@@ -2511,7 +2694,8 @@
           <a:p>
             <a:fld id="{38993681-2691-1244-81A5-5DEFA9A55968}" type="datetime1">
               <a:rPr lang="en-US" smtClean="0"/>
-              <a:t>24.01.14</a:t>
+              <a:pPr/>
+              <a:t>1/26/2014</a:t>
             </a:fld>
             <a:endParaRPr lang="en-US"/>
           </a:p>
@@ -2991,7 +3175,8 @@
           <a:p>
             <a:fld id="{B052336D-603C-6840-8941-D14C5EB42324}" type="datetime1">
               <a:rPr lang="en-US" smtClean="0"/>
-              <a:t>24.01.14</a:t>
+              <a:pPr/>
+              <a:t>1/26/2014</a:t>
             </a:fld>
             <a:endParaRPr lang="en-US"/>
           </a:p>
@@ -3219,7 +3404,8 @@
           <a:p>
             <a:fld id="{1ACCCE5A-A646-154F-8C8B-9ECE221FFE2B}" type="datetime1">
               <a:rPr lang="en-US" smtClean="0"/>
-              <a:t>24.01.14</a:t>
+              <a:pPr/>
+              <a:t>1/26/2014</a:t>
             </a:fld>
             <a:endParaRPr lang="en-US"/>
           </a:p>
@@ -3356,7 +3542,8 @@
           <a:p>
             <a:fld id="{A35F542B-B047-F84E-8D15-AB6D723FED92}" type="datetime1">
               <a:rPr lang="en-US" smtClean="0"/>
-              <a:t>24.01.14</a:t>
+              <a:pPr/>
+              <a:t>1/26/2014</a:t>
             </a:fld>
             <a:endParaRPr lang="en-US"/>
           </a:p>
@@ -3686,7 +3873,8 @@
           <a:p>
             <a:fld id="{969196BD-92B3-834F-812E-A58AC89CD135}" type="datetime1">
               <a:rPr lang="en-US" smtClean="0"/>
-              <a:t>24.01.14</a:t>
+              <a:pPr/>
+              <a:t>1/26/2014</a:t>
             </a:fld>
             <a:endParaRPr lang="en-US"/>
           </a:p>
@@ -4035,7 +4223,8 @@
           <a:p>
             <a:fld id="{460FC2CE-A0FC-7141-AF65-36DF018D98EE}" type="datetime1">
               <a:rPr lang="en-US" smtClean="0"/>
-              <a:t>24.01.14</a:t>
+              <a:pPr/>
+              <a:t>1/26/2014</a:t>
             </a:fld>
             <a:endParaRPr lang="en-US"/>
           </a:p>
@@ -4262,7 +4451,8 @@
           <a:p>
             <a:fld id="{300EB746-111B-514A-BDA9-2D694A62EC1B}" type="datetime1">
               <a:rPr lang="en-US" smtClean="0"/>
-              <a:t>24.01.14</a:t>
+              <a:pPr/>
+              <a:t>1/26/2014</a:t>
             </a:fld>
             <a:endParaRPr lang="en-US"/>
           </a:p>
@@ -4452,7 +4642,7 @@
           <p:nvPr userDrawn="1"/>
         </p:nvPicPr>
         <p:blipFill>
-          <a:blip r:embed="rId13"/>
+          <a:blip r:embed="rId13" cstate="print"/>
           <a:stretch>
             <a:fillRect/>
           </a:stretch>
@@ -4476,7 +4666,7 @@
           <p:nvPr userDrawn="1"/>
         </p:nvPicPr>
         <p:blipFill>
-          <a:blip r:embed="rId14"/>
+          <a:blip r:embed="rId14" cstate="print"/>
           <a:stretch>
             <a:fillRect/>
           </a:stretch>
@@ -5072,7 +5262,7 @@
     </p:spTree>
     <p:extLst>
       <p:ext uri="{BB962C8B-B14F-4D97-AF65-F5344CB8AC3E}">
-        <p14:creationId xmlns:p14="http://schemas.microsoft.com/office/powerpoint/2010/main" val="2161457405"/>
+        <p14:creationId xmlns:p14="http://schemas.microsoft.com/office/powerpoint/2010/main" xmlns="" val="2161457405"/>
       </p:ext>
     </p:extLst>
   </p:cSld>
@@ -5082,7 +5272,7 @@
   <p:timing>
     <p:tnLst>
       <p:par>
-        <p:cTn xmlns:p14="http://schemas.microsoft.com/office/powerpoint/2010/main" id="1" dur="indefinite" restart="never" nodeType="tmRoot"/>
+        <p:cTn id="1" dur="indefinite" restart="never" nodeType="tmRoot"/>
       </p:par>
     </p:tnLst>
   </p:timing>
@@ -5128,11 +5318,7 @@
           <a:p>
             <a:r>
               <a:rPr lang="de-DE" sz="4400" dirty="0" smtClean="0"/>
-              <a:t>Projekt, </a:t>
-            </a:r>
-            <a:r>
-              <a:rPr lang="de-DE" sz="4400" dirty="0" smtClean="0"/>
-              <a:t>Datenbanksysteme</a:t>
+              <a:t>Projekt, Datenbanksysteme</a:t>
             </a:r>
             <a:endParaRPr lang="de-DE" sz="7200" dirty="0"/>
           </a:p>
@@ -5190,11 +5376,7 @@
           <a:p>
             <a:r>
               <a:rPr lang="de-DE" dirty="0" smtClean="0"/>
-              <a:t>Jan Michael </a:t>
-            </a:r>
-            <a:r>
-              <a:rPr lang="de-DE" dirty="0" smtClean="0"/>
-              <a:t>Auer, Manuel </a:t>
+              <a:t>Jan Michael Auer, Manuel </a:t>
             </a:r>
             <a:r>
               <a:rPr lang="de-DE" dirty="0" err="1" smtClean="0"/>
@@ -5211,7 +5393,7 @@
     </p:spTree>
     <p:extLst>
       <p:ext uri="{BB962C8B-B14F-4D97-AF65-F5344CB8AC3E}">
-        <p14:creationId xmlns:p14="http://schemas.microsoft.com/office/powerpoint/2010/main" val="674316842"/>
+        <p14:creationId xmlns:p14="http://schemas.microsoft.com/office/powerpoint/2010/main" xmlns="" val="674316842"/>
       </p:ext>
     </p:extLst>
   </p:cSld>
@@ -5219,13 +5401,13 @@
     <a:masterClrMapping/>
   </p:clrMapOvr>
   <mc:AlternateContent xmlns:mc="http://schemas.openxmlformats.org/markup-compatibility/2006">
-    <mc:Choice xmlns:p14="http://schemas.microsoft.com/office/powerpoint/2010/main" Requires="p14">
+    <mc:Choice xmlns:p14="http://schemas.microsoft.com/office/powerpoint/2010/main" xmlns="" Requires="p14">
       <p:transition spd="med" p14:dur="700">
         <p:fade/>
       </p:transition>
     </mc:Choice>
     <mc:Fallback>
-      <p:transition xmlns:p14="http://schemas.microsoft.com/office/powerpoint/2010/main" spd="med">
+      <p:transition spd="med">
         <p:fade/>
       </p:transition>
     </mc:Fallback>
@@ -5233,7 +5415,7 @@
   <p:timing>
     <p:tnLst>
       <p:par>
-        <p:cTn xmlns:p14="http://schemas.microsoft.com/office/powerpoint/2010/main" id="1" dur="indefinite" restart="never" nodeType="tmRoot"/>
+        <p:cTn id="1" dur="indefinite" restart="never" nodeType="tmRoot"/>
       </p:par>
     </p:tnLst>
   </p:timing>
@@ -5427,7 +5609,7 @@
     </p:spTree>
     <p:extLst>
       <p:ext uri="{BB962C8B-B14F-4D97-AF65-F5344CB8AC3E}">
-        <p14:creationId xmlns:p14="http://schemas.microsoft.com/office/powerpoint/2010/main" val="2431912478"/>
+        <p14:creationId xmlns:p14="http://schemas.microsoft.com/office/powerpoint/2010/main" xmlns="" val="2431912478"/>
       </p:ext>
     </p:extLst>
   </p:cSld>
@@ -5435,13 +5617,13 @@
     <a:masterClrMapping/>
   </p:clrMapOvr>
   <mc:AlternateContent xmlns:mc="http://schemas.openxmlformats.org/markup-compatibility/2006">
-    <mc:Choice xmlns:p14="http://schemas.microsoft.com/office/powerpoint/2010/main" Requires="p14">
+    <mc:Choice xmlns:p14="http://schemas.microsoft.com/office/powerpoint/2010/main" xmlns="" Requires="p14">
       <p:transition spd="med" p14:dur="700">
         <p:fade/>
       </p:transition>
     </mc:Choice>
     <mc:Fallback>
-      <p:transition xmlns:p14="http://schemas.microsoft.com/office/powerpoint/2010/main" spd="med">
+      <p:transition spd="med">
         <p:fade/>
       </p:transition>
     </mc:Fallback>
@@ -5449,7 +5631,7 @@
   <p:timing>
     <p:tnLst>
       <p:par>
-        <p:cTn xmlns:p14="http://schemas.microsoft.com/office/powerpoint/2010/main" id="1" dur="indefinite" restart="never" nodeType="tmRoot"/>
+        <p:cTn id="1" dur="indefinite" restart="never" nodeType="tmRoot"/>
       </p:par>
     </p:tnLst>
   </p:timing>
@@ -5485,7 +5667,7 @@
           <a:blip r:embed="rId3" cstate="print">
             <a:extLst>
               <a:ext uri="{28A0092B-C50C-407E-A947-70E740481C1C}">
-                <a14:useLocalDpi xmlns:a14="http://schemas.microsoft.com/office/drawing/2010/main" val="0"/>
+                <a14:useLocalDpi xmlns:a14="http://schemas.microsoft.com/office/drawing/2010/main" xmlns="" val="0"/>
               </a:ext>
             </a:extLst>
           </a:blip>
@@ -5725,20 +5907,20 @@
     </p:spTree>
     <p:extLst>
       <p:ext uri="{BB962C8B-B14F-4D97-AF65-F5344CB8AC3E}">
-        <p14:creationId xmlns:p14="http://schemas.microsoft.com/office/powerpoint/2010/main" val="811630741"/>
+        <p14:creationId xmlns:p14="http://schemas.microsoft.com/office/powerpoint/2010/main" xmlns="" val="811630741"/>
       </p:ext>
     </p:extLst>
   </p:cSld>
   <p:clrMapOvr>
     <a:masterClrMapping/>
   </p:clrMapOvr>
-  <p:transition xmlns:p14="http://schemas.microsoft.com/office/powerpoint/2010/main" spd="slow">
+  <p:transition spd="slow">
     <p:fade thruBlk="1"/>
   </p:transition>
   <p:timing>
     <p:tnLst>
       <p:par>
-        <p:cTn xmlns:p14="http://schemas.microsoft.com/office/powerpoint/2010/main" id="1" dur="indefinite" restart="never" nodeType="tmRoot"/>
+        <p:cTn id="1" dur="indefinite" restart="never" nodeType="tmRoot"/>
       </p:par>
     </p:tnLst>
   </p:timing>
@@ -5911,7 +6093,6 @@
               <a:rPr lang="de-DE" dirty="0" smtClean="0"/>
               <a:t>?</a:t>
             </a:r>
-            <a:endParaRPr lang="de-DE" dirty="0" smtClean="0"/>
           </a:p>
         </p:txBody>
       </p:sp>
@@ -6127,14 +6308,7 @@
                 <a:latin typeface="Menlo Regular"/>
                 <a:cs typeface="Menlo Regular"/>
               </a:rPr>
-              <a:t> </a:t>
-            </a:r>
-            <a:r>
-              <a:rPr lang="de-DE" sz="1900" dirty="0">
-                <a:latin typeface="Menlo Regular"/>
-                <a:cs typeface="Menlo Regular"/>
-              </a:rPr>
-              <a:t> </a:t>
+              <a:t>  </a:t>
             </a:r>
             <a:r>
               <a:rPr lang="de-DE" sz="1900" b="1" dirty="0" smtClean="0">
@@ -6696,7 +6870,7 @@
     </p:spTree>
     <p:extLst>
       <p:ext uri="{BB962C8B-B14F-4D97-AF65-F5344CB8AC3E}">
-        <p14:creationId xmlns:p14="http://schemas.microsoft.com/office/powerpoint/2010/main" val="269492421"/>
+        <p14:creationId xmlns:p14="http://schemas.microsoft.com/office/powerpoint/2010/main" xmlns="" val="269492421"/>
       </p:ext>
     </p:extLst>
   </p:cSld>
@@ -6704,13 +6878,13 @@
     <a:masterClrMapping/>
   </p:clrMapOvr>
   <mc:AlternateContent xmlns:mc="http://schemas.openxmlformats.org/markup-compatibility/2006">
-    <mc:Choice xmlns:p14="http://schemas.microsoft.com/office/powerpoint/2010/main" Requires="p14">
+    <mc:Choice xmlns:p14="http://schemas.microsoft.com/office/powerpoint/2010/main" xmlns="" Requires="p14">
       <p:transition spd="med" p14:dur="700">
         <p:fade/>
       </p:transition>
     </mc:Choice>
     <mc:Fallback>
-      <p:transition xmlns:p14="http://schemas.microsoft.com/office/powerpoint/2010/main" spd="med">
+      <p:transition spd="med">
         <p:fade/>
       </p:transition>
     </mc:Fallback>
@@ -6718,7 +6892,7 @@
   <p:timing>
     <p:tnLst>
       <p:par>
-        <p:cTn xmlns:p14="http://schemas.microsoft.com/office/powerpoint/2010/main" id="1" dur="indefinite" restart="never" nodeType="tmRoot">
+        <p:cTn id="1" dur="indefinite" restart="never" nodeType="tmRoot">
           <p:childTnLst>
             <p:seq concurrent="1" nextAc="seek">
               <p:cTn id="2" dur="indefinite" nodeType="mainSeq">
@@ -6831,7 +7005,7 @@
             <p:ph idx="1"/>
             <p:extLst>
               <p:ext uri="{D42A27DB-BD31-4B8C-83A1-F6EECF244321}">
-                <p14:modId xmlns:p14="http://schemas.microsoft.com/office/powerpoint/2010/main" val="1955450083"/>
+                <p14:modId xmlns:p14="http://schemas.microsoft.com/office/powerpoint/2010/main" xmlns="" val="1955450083"/>
               </p:ext>
             </p:extLst>
           </p:nvPr>
@@ -7444,7 +7618,7 @@
     </p:spTree>
     <p:extLst>
       <p:ext uri="{BB962C8B-B14F-4D97-AF65-F5344CB8AC3E}">
-        <p14:creationId xmlns:p14="http://schemas.microsoft.com/office/powerpoint/2010/main" val="299923811"/>
+        <p14:creationId xmlns:p14="http://schemas.microsoft.com/office/powerpoint/2010/main" xmlns="" val="299923811"/>
       </p:ext>
     </p:extLst>
   </p:cSld>
@@ -7452,13 +7626,13 @@
     <a:masterClrMapping/>
   </p:clrMapOvr>
   <mc:AlternateContent xmlns:mc="http://schemas.openxmlformats.org/markup-compatibility/2006">
-    <mc:Choice xmlns:p14="http://schemas.microsoft.com/office/powerpoint/2010/main" Requires="p14">
+    <mc:Choice xmlns:p14="http://schemas.microsoft.com/office/powerpoint/2010/main" xmlns="" Requires="p14">
       <p:transition spd="med" p14:dur="700">
         <p:fade/>
       </p:transition>
     </mc:Choice>
     <mc:Fallback>
-      <p:transition xmlns:p14="http://schemas.microsoft.com/office/powerpoint/2010/main" spd="med">
+      <p:transition spd="med">
         <p:fade/>
       </p:transition>
     </mc:Fallback>
@@ -7466,7 +7640,7 @@
   <p:timing>
     <p:tnLst>
       <p:par>
-        <p:cTn xmlns:p14="http://schemas.microsoft.com/office/powerpoint/2010/main" id="1" dur="indefinite" restart="never" nodeType="tmRoot">
+        <p:cTn id="1" dur="indefinite" restart="never" nodeType="tmRoot">
           <p:childTnLst>
             <p:seq concurrent="1" nextAc="seek">
               <p:cTn id="2" dur="indefinite" nodeType="mainSeq">
@@ -7766,7 +7940,7 @@
     </p:spTree>
     <p:extLst>
       <p:ext uri="{BB962C8B-B14F-4D97-AF65-F5344CB8AC3E}">
-        <p14:creationId xmlns:p14="http://schemas.microsoft.com/office/powerpoint/2010/main" val="1624581442"/>
+        <p14:creationId xmlns:p14="http://schemas.microsoft.com/office/powerpoint/2010/main" xmlns="" val="1624581442"/>
       </p:ext>
     </p:extLst>
   </p:cSld>
@@ -7774,13 +7948,13 @@
     <a:masterClrMapping/>
   </p:clrMapOvr>
   <mc:AlternateContent xmlns:mc="http://schemas.openxmlformats.org/markup-compatibility/2006">
-    <mc:Choice xmlns:p14="http://schemas.microsoft.com/office/powerpoint/2010/main" Requires="p14">
+    <mc:Choice xmlns:p14="http://schemas.microsoft.com/office/powerpoint/2010/main" xmlns="" Requires="p14">
       <p:transition spd="slow" p14:dur="1400">
         <p14:ripple/>
       </p:transition>
     </mc:Choice>
     <mc:Fallback>
-      <p:transition xmlns:p14="http://schemas.microsoft.com/office/powerpoint/2010/main" spd="slow">
+      <p:transition spd="slow">
         <p:fade/>
       </p:transition>
     </mc:Fallback>
@@ -7788,7 +7962,7 @@
   <p:timing>
     <p:tnLst>
       <p:par>
-        <p:cTn xmlns:p14="http://schemas.microsoft.com/office/powerpoint/2010/main" id="1" dur="indefinite" restart="never" nodeType="tmRoot"/>
+        <p:cTn id="1" dur="indefinite" restart="never" nodeType="tmRoot"/>
       </p:par>
     </p:tnLst>
   </p:timing>
@@ -7896,7 +8070,7 @@
           <p:nvPr/>
         </p:nvPicPr>
         <p:blipFill>
-          <a:blip r:embed="rId2">
+          <a:blip r:embed="rId2" cstate="print">
             <a:clrChange>
               <a:clrFrom>
                 <a:srgbClr val="FFFFFF"/>
@@ -7910,7 +8084,7 @@
             <a:alphaModFix/>
             <a:extLst>
               <a:ext uri="{28A0092B-C50C-407E-A947-70E740481C1C}">
-                <a14:useLocalDpi xmlns:a14="http://schemas.microsoft.com/office/drawing/2010/main" val="0"/>
+                <a14:useLocalDpi xmlns:a14="http://schemas.microsoft.com/office/drawing/2010/main" xmlns="" val="0"/>
               </a:ext>
             </a:extLst>
           </a:blip>
@@ -7970,20 +8144,20 @@
     </p:spTree>
     <p:extLst>
       <p:ext uri="{BB962C8B-B14F-4D97-AF65-F5344CB8AC3E}">
-        <p14:creationId xmlns:p14="http://schemas.microsoft.com/office/powerpoint/2010/main" val="3005027331"/>
+        <p14:creationId xmlns:p14="http://schemas.microsoft.com/office/powerpoint/2010/main" xmlns="" val="3005027331"/>
       </p:ext>
     </p:extLst>
   </p:cSld>
   <p:clrMapOvr>
     <a:masterClrMapping/>
   </p:clrMapOvr>
-  <p:transition xmlns:p14="http://schemas.microsoft.com/office/powerpoint/2010/main" spd="slow">
+  <p:transition spd="slow">
     <p:fade thruBlk="1"/>
   </p:transition>
   <p:timing>
     <p:tnLst>
       <p:par>
-        <p:cTn xmlns:p14="http://schemas.microsoft.com/office/powerpoint/2010/main" id="1" dur="indefinite" restart="never" nodeType="tmRoot"/>
+        <p:cTn id="1" dur="indefinite" restart="never" nodeType="tmRoot"/>
       </p:par>
     </p:tnLst>
   </p:timing>
